--- a/publication/DSPS presentation.pptx
+++ b/publication/DSPS presentation.pptx
@@ -1,26 +1,26 @@
 
 <file path=ppt/presentation.xml><?xml version="1.0" encoding="utf-8"?>
-<p:presentation xmlns:a="http://schemas.openxmlformats.org/drawingml/2006/main" xmlns:r="http://schemas.openxmlformats.org/officeDocument/2006/relationships" xmlns:mc="http://schemas.openxmlformats.org/markup-compatibility/2006" xmlns:mv="urn:schemas-microsoft-com:mac:vml" xmlns:p="http://schemas.openxmlformats.org/presentationml/2006/main" xmlns:c="http://schemas.openxmlformats.org/drawingml/2006/chart" xmlns:dgm="http://schemas.openxmlformats.org/drawingml/2006/diagram" xmlns:o="urn:schemas-microsoft-com:office:office" xmlns:v="urn:schemas-microsoft-com:vml" xmlns:pvml="urn:schemas-microsoft-com:office:powerpoint" xmlns:com="http://schemas.openxmlformats.org/drawingml/2006/compatibility" xmlns:p14="http://schemas.microsoft.com/office/powerpoint/2010/main" xmlns:p15="http://schemas.microsoft.com/office/powerpoint/2012/main" xmlns:ahyp="http://schemas.microsoft.com/office/drawing/2018/hyperlinkcolor" autoCompressPictures="0" strictFirstAndLastChars="0" saveSubsetFonts="1">
+<p:presentation xmlns:a="http://schemas.openxmlformats.org/drawingml/2006/main" xmlns:r="http://schemas.openxmlformats.org/officeDocument/2006/relationships" xmlns:p="http://schemas.openxmlformats.org/presentationml/2006/main" strictFirstAndLastChars="0" saveSubsetFonts="1" autoCompressPictures="0">
   <p:sldMasterIdLst>
-    <p:sldMasterId id="2147483648" r:id="rId4"/>
+    <p:sldMasterId id="2147483648" r:id="rId1"/>
   </p:sldMasterIdLst>
   <p:notesMasterIdLst>
-    <p:notesMasterId r:id="rId5"/>
+    <p:notesMasterId r:id="rId10"/>
   </p:notesMasterIdLst>
   <p:sldIdLst>
-    <p:sldId id="256" r:id="rId6"/>
-    <p:sldId id="257" r:id="rId7"/>
-    <p:sldId id="258" r:id="rId8"/>
-    <p:sldId id="259" r:id="rId9"/>
-    <p:sldId id="260" r:id="rId10"/>
-    <p:sldId id="261" r:id="rId11"/>
-    <p:sldId id="262" r:id="rId12"/>
-    <p:sldId id="263" r:id="rId13"/>
+    <p:sldId id="256" r:id="rId2"/>
+    <p:sldId id="257" r:id="rId3"/>
+    <p:sldId id="258" r:id="rId4"/>
+    <p:sldId id="259" r:id="rId5"/>
+    <p:sldId id="260" r:id="rId6"/>
+    <p:sldId id="261" r:id="rId7"/>
+    <p:sldId id="262" r:id="rId8"/>
+    <p:sldId id="263" r:id="rId9"/>
   </p:sldIdLst>
-  <p:sldSz cy="6858000" cx="9144000"/>
+  <p:sldSz cx="9144000" cy="6858000" type="screen4x3"/>
   <p:notesSz cx="6858000" cy="9144000"/>
   <p:defaultTextStyle>
-    <a:defPPr lvl="0" marR="0" rtl="0" algn="l">
+    <a:defPPr marR="0" lvl="0" algn="l" rtl="0">
       <a:lnSpc>
         <a:spcPct val="100000"/>
       </a:lnSpc>
@@ -31,7 +31,7 @@
         <a:spcPts val="0"/>
       </a:spcAft>
     </a:defPPr>
-    <a:lvl1pPr lvl="0" marR="0" rtl="0" algn="l">
+    <a:lvl1pPr marR="0" lvl="0" algn="l" rtl="0">
       <a:lnSpc>
         <a:spcPct val="100000"/>
       </a:lnSpc>
@@ -45,7 +45,7 @@
         <a:srgbClr val="000000"/>
       </a:buClr>
       <a:buFont typeface="Arial"/>
-      <a:defRPr b="0" i="0" sz="1400" u="none" cap="none" strike="noStrike">
+      <a:defRPr sz="1400" b="0" i="0" u="none" strike="noStrike" cap="none">
         <a:solidFill>
           <a:srgbClr val="000000"/>
         </a:solidFill>
@@ -55,7 +55,7 @@
         <a:sym typeface="Arial"/>
       </a:defRPr>
     </a:lvl1pPr>
-    <a:lvl2pPr lvl="1" marR="0" rtl="0" algn="l">
+    <a:lvl2pPr marR="0" lvl="1" algn="l" rtl="0">
       <a:lnSpc>
         <a:spcPct val="100000"/>
       </a:lnSpc>
@@ -69,7 +69,7 @@
         <a:srgbClr val="000000"/>
       </a:buClr>
       <a:buFont typeface="Arial"/>
-      <a:defRPr b="0" i="0" sz="1400" u="none" cap="none" strike="noStrike">
+      <a:defRPr sz="1400" b="0" i="0" u="none" strike="noStrike" cap="none">
         <a:solidFill>
           <a:srgbClr val="000000"/>
         </a:solidFill>
@@ -79,7 +79,7 @@
         <a:sym typeface="Arial"/>
       </a:defRPr>
     </a:lvl2pPr>
-    <a:lvl3pPr lvl="2" marR="0" rtl="0" algn="l">
+    <a:lvl3pPr marR="0" lvl="2" algn="l" rtl="0">
       <a:lnSpc>
         <a:spcPct val="100000"/>
       </a:lnSpc>
@@ -93,7 +93,7 @@
         <a:srgbClr val="000000"/>
       </a:buClr>
       <a:buFont typeface="Arial"/>
-      <a:defRPr b="0" i="0" sz="1400" u="none" cap="none" strike="noStrike">
+      <a:defRPr sz="1400" b="0" i="0" u="none" strike="noStrike" cap="none">
         <a:solidFill>
           <a:srgbClr val="000000"/>
         </a:solidFill>
@@ -103,7 +103,7 @@
         <a:sym typeface="Arial"/>
       </a:defRPr>
     </a:lvl3pPr>
-    <a:lvl4pPr lvl="3" marR="0" rtl="0" algn="l">
+    <a:lvl4pPr marR="0" lvl="3" algn="l" rtl="0">
       <a:lnSpc>
         <a:spcPct val="100000"/>
       </a:lnSpc>
@@ -117,7 +117,7 @@
         <a:srgbClr val="000000"/>
       </a:buClr>
       <a:buFont typeface="Arial"/>
-      <a:defRPr b="0" i="0" sz="1400" u="none" cap="none" strike="noStrike">
+      <a:defRPr sz="1400" b="0" i="0" u="none" strike="noStrike" cap="none">
         <a:solidFill>
           <a:srgbClr val="000000"/>
         </a:solidFill>
@@ -127,7 +127,7 @@
         <a:sym typeface="Arial"/>
       </a:defRPr>
     </a:lvl4pPr>
-    <a:lvl5pPr lvl="4" marR="0" rtl="0" algn="l">
+    <a:lvl5pPr marR="0" lvl="4" algn="l" rtl="0">
       <a:lnSpc>
         <a:spcPct val="100000"/>
       </a:lnSpc>
@@ -141,7 +141,7 @@
         <a:srgbClr val="000000"/>
       </a:buClr>
       <a:buFont typeface="Arial"/>
-      <a:defRPr b="0" i="0" sz="1400" u="none" cap="none" strike="noStrike">
+      <a:defRPr sz="1400" b="0" i="0" u="none" strike="noStrike" cap="none">
         <a:solidFill>
           <a:srgbClr val="000000"/>
         </a:solidFill>
@@ -151,7 +151,7 @@
         <a:sym typeface="Arial"/>
       </a:defRPr>
     </a:lvl5pPr>
-    <a:lvl6pPr lvl="5" marR="0" rtl="0" algn="l">
+    <a:lvl6pPr marR="0" lvl="5" algn="l" rtl="0">
       <a:lnSpc>
         <a:spcPct val="100000"/>
       </a:lnSpc>
@@ -165,7 +165,7 @@
         <a:srgbClr val="000000"/>
       </a:buClr>
       <a:buFont typeface="Arial"/>
-      <a:defRPr b="0" i="0" sz="1400" u="none" cap="none" strike="noStrike">
+      <a:defRPr sz="1400" b="0" i="0" u="none" strike="noStrike" cap="none">
         <a:solidFill>
           <a:srgbClr val="000000"/>
         </a:solidFill>
@@ -175,7 +175,7 @@
         <a:sym typeface="Arial"/>
       </a:defRPr>
     </a:lvl6pPr>
-    <a:lvl7pPr lvl="6" marR="0" rtl="0" algn="l">
+    <a:lvl7pPr marR="0" lvl="6" algn="l" rtl="0">
       <a:lnSpc>
         <a:spcPct val="100000"/>
       </a:lnSpc>
@@ -189,7 +189,7 @@
         <a:srgbClr val="000000"/>
       </a:buClr>
       <a:buFont typeface="Arial"/>
-      <a:defRPr b="0" i="0" sz="1400" u="none" cap="none" strike="noStrike">
+      <a:defRPr sz="1400" b="0" i="0" u="none" strike="noStrike" cap="none">
         <a:solidFill>
           <a:srgbClr val="000000"/>
         </a:solidFill>
@@ -199,7 +199,7 @@
         <a:sym typeface="Arial"/>
       </a:defRPr>
     </a:lvl7pPr>
-    <a:lvl8pPr lvl="7" marR="0" rtl="0" algn="l">
+    <a:lvl8pPr marR="0" lvl="7" algn="l" rtl="0">
       <a:lnSpc>
         <a:spcPct val="100000"/>
       </a:lnSpc>
@@ -213,7 +213,7 @@
         <a:srgbClr val="000000"/>
       </a:buClr>
       <a:buFont typeface="Arial"/>
-      <a:defRPr b="0" i="0" sz="1400" u="none" cap="none" strike="noStrike">
+      <a:defRPr sz="1400" b="0" i="0" u="none" strike="noStrike" cap="none">
         <a:solidFill>
           <a:srgbClr val="000000"/>
         </a:solidFill>
@@ -223,7 +223,7 @@
         <a:sym typeface="Arial"/>
       </a:defRPr>
     </a:lvl8pPr>
-    <a:lvl9pPr lvl="8" marR="0" rtl="0" algn="l">
+    <a:lvl9pPr marR="0" lvl="8" algn="l" rtl="0">
       <a:lnSpc>
         <a:spcPct val="100000"/>
       </a:lnSpc>
@@ -237,7 +237,7 @@
         <a:srgbClr val="000000"/>
       </a:buClr>
       <a:buFont typeface="Arial"/>
-      <a:defRPr b="0" i="0" sz="1400" u="none" cap="none" strike="noStrike">
+      <a:defRPr sz="1400" b="0" i="0" u="none" strike="noStrike" cap="none">
         <a:solidFill>
           <a:srgbClr val="000000"/>
         </a:solidFill>
@@ -250,7 +250,7 @@
   </p:defaultTextStyle>
   <p:extLst>
     <p:ext uri="{EFAFB233-063F-42B5-8137-9DF3F51BA10A}">
-      <p15:sldGuideLst>
+      <p15:sldGuideLst xmlns:p15="http://schemas.microsoft.com/office/powerpoint/2012/main">
         <p15:guide id="1" orient="horz" pos="2160">
           <p15:clr>
             <a:srgbClr val="A4A3A4"/>
@@ -264,18 +264,23 @@
       </p15:sldGuideLst>
     </p:ext>
     <p:ext uri="http://customooxmlschemas.google.com/">
-      <go:slidesCustomData xmlns:go="http://customooxmlschemas.google.com/" r:id="rId14" roundtripDataSignature="AMtx7mgJTTwQ9jHmSG6ZpAnH7nk3P8UkFg=="/>
+      <go:slidesCustomData xmlns:go="http://customooxmlschemas.google.com/" xmlns:ahyp="http://schemas.microsoft.com/office/drawing/2018/hyperlinkcolor" xmlns:p15="http://schemas.microsoft.com/office/powerpoint/2012/main" xmlns:p14="http://schemas.microsoft.com/office/powerpoint/2010/main" xmlns:com="http://schemas.openxmlformats.org/drawingml/2006/compatibility" xmlns:pvml="urn:schemas-microsoft-com:office:powerpoint" xmlns:v="urn:schemas-microsoft-com:vml" xmlns:o="urn:schemas-microsoft-com:office:office" xmlns:dgm="http://schemas.openxmlformats.org/drawingml/2006/diagram" xmlns:c="http://schemas.openxmlformats.org/drawingml/2006/chart" xmlns:mv="urn:schemas-microsoft-com:mac:vml" xmlns:mc="http://schemas.openxmlformats.org/markup-compatibility/2006" xmlns="" r:id="rId14" roundtripDataSignature="AMtx7mgJTTwQ9jHmSG6ZpAnH7nk3P8UkFg=="/>
     </p:ext>
   </p:extLst>
 </p:presentation>
 </file>
 
 <file path=ppt/notesMasters/notesMaster1.xml><?xml version="1.0" encoding="utf-8"?>
-<p:notesMaster xmlns:a="http://schemas.openxmlformats.org/drawingml/2006/main" xmlns:r="http://schemas.openxmlformats.org/officeDocument/2006/relationships" xmlns:mc="http://schemas.openxmlformats.org/markup-compatibility/2006" xmlns:mv="urn:schemas-microsoft-com:mac:vml" xmlns:p="http://schemas.openxmlformats.org/presentationml/2006/main" xmlns:c="http://schemas.openxmlformats.org/drawingml/2006/chart" xmlns:dgm="http://schemas.openxmlformats.org/drawingml/2006/diagram" xmlns:o="urn:schemas-microsoft-com:office:office" xmlns:v="urn:schemas-microsoft-com:vml" xmlns:pvml="urn:schemas-microsoft-com:office:powerpoint" xmlns:com="http://schemas.openxmlformats.org/drawingml/2006/compatibility" xmlns:p14="http://schemas.microsoft.com/office/powerpoint/2010/main" xmlns:p15="http://schemas.microsoft.com/office/powerpoint/2012/main" xmlns:ahyp="http://schemas.microsoft.com/office/drawing/2018/hyperlinkcolor">
+<p:notesMaster xmlns:a="http://schemas.openxmlformats.org/drawingml/2006/main" xmlns:r="http://schemas.openxmlformats.org/officeDocument/2006/relationships" xmlns:p="http://schemas.openxmlformats.org/presentationml/2006/main">
   <p:cSld>
+    <p:bg>
+      <p:bgRef idx="1001">
+        <a:schemeClr val="bg1"/>
+      </p:bgRef>
+    </p:bg>
     <p:spTree>
       <p:nvGrpSpPr>
-        <p:cNvPr id="2" name="Shape 2"/>
+        <p:cNvPr id="1" name="Shape 2"/>
         <p:cNvGrpSpPr/>
         <p:nvPr/>
       </p:nvGrpSpPr>
@@ -290,9 +295,11 @@
       <p:sp>
         <p:nvSpPr>
           <p:cNvPr id="3" name="Google Shape;3;n"/>
-          <p:cNvSpPr/>
+          <p:cNvSpPr>
+            <a:spLocks noGrp="1" noRot="1" noChangeAspect="1"/>
+          </p:cNvSpPr>
           <p:nvPr>
-            <p:ph idx="2" type="sldImg"/>
+            <p:ph type="sldImg" idx="2"/>
           </p:nvPr>
         </p:nvSpPr>
         <p:spPr>
@@ -301,9 +308,13 @@
             <a:ext cx="4572225" cy="3429000"/>
           </a:xfrm>
           <a:custGeom>
-            <a:rect b="b" l="l" r="r" t="t"/>
+            <a:avLst/>
+            <a:gdLst/>
+            <a:ahLst/>
+            <a:cxnLst/>
+            <a:rect l="l" t="t" r="r" b="b"/>
             <a:pathLst>
-              <a:path extrusionOk="0" h="120000" w="120000">
+              <a:path w="120000" h="120000" extrusionOk="0">
                 <a:moveTo>
                   <a:pt x="0" y="0"/>
                 </a:moveTo>
@@ -321,23 +332,25 @@
             </a:pathLst>
           </a:custGeom>
           <a:noFill/>
-          <a:ln cap="flat" cmpd="sng" w="9525">
+          <a:ln w="9525" cap="flat" cmpd="sng">
             <a:solidFill>
               <a:srgbClr val="000000"/>
             </a:solidFill>
             <a:prstDash val="solid"/>
             <a:round/>
-            <a:headEnd len="sm" w="sm" type="none"/>
-            <a:tailEnd len="sm" w="sm" type="none"/>
+            <a:headEnd type="none" w="sm" len="sm"/>
+            <a:tailEnd type="none" w="sm" len="sm"/>
           </a:ln>
         </p:spPr>
       </p:sp>
       <p:sp>
         <p:nvSpPr>
           <p:cNvPr id="4" name="Google Shape;4;n"/>
-          <p:cNvSpPr txBox="1"/>
+          <p:cNvSpPr txBox="1">
+            <a:spLocks noGrp="1"/>
+          </p:cNvSpPr>
           <p:nvPr>
-            <p:ph idx="1" type="body"/>
+            <p:ph type="body" idx="1"/>
           </p:nvPr>
         </p:nvSpPr>
         <p:spPr>
@@ -354,11 +367,11 @@
           </a:ln>
         </p:spPr>
         <p:txBody>
-          <a:bodyPr anchorCtr="0" anchor="t" bIns="91425" lIns="91425" spcFirstLastPara="1" rIns="91425" wrap="square" tIns="91425">
+          <a:bodyPr spcFirstLastPara="1" wrap="square" lIns="91425" tIns="91425" rIns="91425" bIns="91425" anchor="t" anchorCtr="0">
             <a:noAutofit/>
           </a:bodyPr>
           <a:lstStyle>
-            <a:lvl1pPr indent="-298450" lvl="0" marL="457200">
+            <a:lvl1pPr marL="457200" lvl="0" indent="-298450">
               <a:spcBef>
                 <a:spcPts val="0"/>
               </a:spcBef>
@@ -369,7 +382,7 @@
               <a:buChar char="●"/>
               <a:defRPr sz="1100"/>
             </a:lvl1pPr>
-            <a:lvl2pPr indent="-298450" lvl="1" marL="914400">
+            <a:lvl2pPr marL="914400" lvl="1" indent="-298450">
               <a:spcBef>
                 <a:spcPts val="0"/>
               </a:spcBef>
@@ -380,7 +393,7 @@
               <a:buChar char="○"/>
               <a:defRPr sz="1100"/>
             </a:lvl2pPr>
-            <a:lvl3pPr indent="-298450" lvl="2" marL="1371600">
+            <a:lvl3pPr marL="1371600" lvl="2" indent="-298450">
               <a:spcBef>
                 <a:spcPts val="0"/>
               </a:spcBef>
@@ -391,7 +404,7 @@
               <a:buChar char="■"/>
               <a:defRPr sz="1100"/>
             </a:lvl3pPr>
-            <a:lvl4pPr indent="-298450" lvl="3" marL="1828800">
+            <a:lvl4pPr marL="1828800" lvl="3" indent="-298450">
               <a:spcBef>
                 <a:spcPts val="0"/>
               </a:spcBef>
@@ -402,7 +415,7 @@
               <a:buChar char="●"/>
               <a:defRPr sz="1100"/>
             </a:lvl4pPr>
-            <a:lvl5pPr indent="-298450" lvl="4" marL="2286000">
+            <a:lvl5pPr marL="2286000" lvl="4" indent="-298450">
               <a:spcBef>
                 <a:spcPts val="0"/>
               </a:spcBef>
@@ -413,7 +426,7 @@
               <a:buChar char="○"/>
               <a:defRPr sz="1100"/>
             </a:lvl5pPr>
-            <a:lvl6pPr indent="-298450" lvl="5" marL="2743200">
+            <a:lvl6pPr marL="2743200" lvl="5" indent="-298450">
               <a:spcBef>
                 <a:spcPts val="0"/>
               </a:spcBef>
@@ -424,7 +437,7 @@
               <a:buChar char="■"/>
               <a:defRPr sz="1100"/>
             </a:lvl6pPr>
-            <a:lvl7pPr indent="-298450" lvl="6" marL="3200400">
+            <a:lvl7pPr marL="3200400" lvl="6" indent="-298450">
               <a:spcBef>
                 <a:spcPts val="0"/>
               </a:spcBef>
@@ -435,7 +448,7 @@
               <a:buChar char="●"/>
               <a:defRPr sz="1100"/>
             </a:lvl7pPr>
-            <a:lvl8pPr indent="-298450" lvl="7" marL="3657600">
+            <a:lvl8pPr marL="3657600" lvl="7" indent="-298450">
               <a:spcBef>
                 <a:spcPts val="0"/>
               </a:spcBef>
@@ -446,7 +459,7 @@
               <a:buChar char="○"/>
               <a:defRPr sz="1100"/>
             </a:lvl8pPr>
-            <a:lvl9pPr indent="-298450" lvl="8" marL="4114800">
+            <a:lvl9pPr marL="4114800" lvl="8" indent="-298450">
               <a:spcBef>
                 <a:spcPts val="0"/>
               </a:spcBef>
@@ -458,14 +471,16 @@
               <a:defRPr sz="1100"/>
             </a:lvl9pPr>
           </a:lstStyle>
-          <a:p/>
+          <a:p>
+            <a:endParaRPr/>
+          </a:p>
         </p:txBody>
       </p:sp>
     </p:spTree>
   </p:cSld>
-  <p:clrMap accent1="accent1" accent2="accent2" accent3="accent3" accent4="accent4" accent5="accent5" accent6="accent6" bg1="lt1" bg2="dk2" tx1="dk1" tx2="lt2" folHlink="folHlink" hlink="hlink"/>
+  <p:clrMap bg1="lt1" tx1="dk1" bg2="dk2" tx2="lt2" accent1="accent1" accent2="accent2" accent3="accent3" accent4="accent4" accent5="accent5" accent6="accent6" hlink="hlink" folHlink="folHlink"/>
   <p:notesStyle>
-    <a:defPPr lvl="0" marR="0" rtl="0" algn="l">
+    <a:defPPr marR="0" lvl="0" algn="l" rtl="0">
       <a:lnSpc>
         <a:spcPct val="100000"/>
       </a:lnSpc>
@@ -476,7 +491,7 @@
         <a:spcPts val="0"/>
       </a:spcAft>
     </a:defPPr>
-    <a:lvl1pPr lvl="0" marR="0" rtl="0" algn="l">
+    <a:lvl1pPr marR="0" lvl="0" algn="l" rtl="0">
       <a:lnSpc>
         <a:spcPct val="100000"/>
       </a:lnSpc>
@@ -490,7 +505,7 @@
         <a:srgbClr val="000000"/>
       </a:buClr>
       <a:buFont typeface="Arial"/>
-      <a:defRPr b="0" i="0" sz="1400" u="none" cap="none" strike="noStrike">
+      <a:defRPr sz="1400" b="0" i="0" u="none" strike="noStrike" cap="none">
         <a:solidFill>
           <a:srgbClr val="000000"/>
         </a:solidFill>
@@ -500,7 +515,7 @@
         <a:sym typeface="Arial"/>
       </a:defRPr>
     </a:lvl1pPr>
-    <a:lvl2pPr lvl="1" marR="0" rtl="0" algn="l">
+    <a:lvl2pPr marR="0" lvl="1" algn="l" rtl="0">
       <a:lnSpc>
         <a:spcPct val="100000"/>
       </a:lnSpc>
@@ -514,7 +529,7 @@
         <a:srgbClr val="000000"/>
       </a:buClr>
       <a:buFont typeface="Arial"/>
-      <a:defRPr b="0" i="0" sz="1400" u="none" cap="none" strike="noStrike">
+      <a:defRPr sz="1400" b="0" i="0" u="none" strike="noStrike" cap="none">
         <a:solidFill>
           <a:srgbClr val="000000"/>
         </a:solidFill>
@@ -524,7 +539,7 @@
         <a:sym typeface="Arial"/>
       </a:defRPr>
     </a:lvl2pPr>
-    <a:lvl3pPr lvl="2" marR="0" rtl="0" algn="l">
+    <a:lvl3pPr marR="0" lvl="2" algn="l" rtl="0">
       <a:lnSpc>
         <a:spcPct val="100000"/>
       </a:lnSpc>
@@ -538,7 +553,7 @@
         <a:srgbClr val="000000"/>
       </a:buClr>
       <a:buFont typeface="Arial"/>
-      <a:defRPr b="0" i="0" sz="1400" u="none" cap="none" strike="noStrike">
+      <a:defRPr sz="1400" b="0" i="0" u="none" strike="noStrike" cap="none">
         <a:solidFill>
           <a:srgbClr val="000000"/>
         </a:solidFill>
@@ -548,7 +563,7 @@
         <a:sym typeface="Arial"/>
       </a:defRPr>
     </a:lvl3pPr>
-    <a:lvl4pPr lvl="3" marR="0" rtl="0" algn="l">
+    <a:lvl4pPr marR="0" lvl="3" algn="l" rtl="0">
       <a:lnSpc>
         <a:spcPct val="100000"/>
       </a:lnSpc>
@@ -562,7 +577,7 @@
         <a:srgbClr val="000000"/>
       </a:buClr>
       <a:buFont typeface="Arial"/>
-      <a:defRPr b="0" i="0" sz="1400" u="none" cap="none" strike="noStrike">
+      <a:defRPr sz="1400" b="0" i="0" u="none" strike="noStrike" cap="none">
         <a:solidFill>
           <a:srgbClr val="000000"/>
         </a:solidFill>
@@ -572,7 +587,7 @@
         <a:sym typeface="Arial"/>
       </a:defRPr>
     </a:lvl4pPr>
-    <a:lvl5pPr lvl="4" marR="0" rtl="0" algn="l">
+    <a:lvl5pPr marR="0" lvl="4" algn="l" rtl="0">
       <a:lnSpc>
         <a:spcPct val="100000"/>
       </a:lnSpc>
@@ -586,7 +601,7 @@
         <a:srgbClr val="000000"/>
       </a:buClr>
       <a:buFont typeface="Arial"/>
-      <a:defRPr b="0" i="0" sz="1400" u="none" cap="none" strike="noStrike">
+      <a:defRPr sz="1400" b="0" i="0" u="none" strike="noStrike" cap="none">
         <a:solidFill>
           <a:srgbClr val="000000"/>
         </a:solidFill>
@@ -596,7 +611,7 @@
         <a:sym typeface="Arial"/>
       </a:defRPr>
     </a:lvl5pPr>
-    <a:lvl6pPr lvl="5" marR="0" rtl="0" algn="l">
+    <a:lvl6pPr marR="0" lvl="5" algn="l" rtl="0">
       <a:lnSpc>
         <a:spcPct val="100000"/>
       </a:lnSpc>
@@ -610,7 +625,7 @@
         <a:srgbClr val="000000"/>
       </a:buClr>
       <a:buFont typeface="Arial"/>
-      <a:defRPr b="0" i="0" sz="1400" u="none" cap="none" strike="noStrike">
+      <a:defRPr sz="1400" b="0" i="0" u="none" strike="noStrike" cap="none">
         <a:solidFill>
           <a:srgbClr val="000000"/>
         </a:solidFill>
@@ -620,7 +635,7 @@
         <a:sym typeface="Arial"/>
       </a:defRPr>
     </a:lvl6pPr>
-    <a:lvl7pPr lvl="6" marR="0" rtl="0" algn="l">
+    <a:lvl7pPr marR="0" lvl="6" algn="l" rtl="0">
       <a:lnSpc>
         <a:spcPct val="100000"/>
       </a:lnSpc>
@@ -634,7 +649,7 @@
         <a:srgbClr val="000000"/>
       </a:buClr>
       <a:buFont typeface="Arial"/>
-      <a:defRPr b="0" i="0" sz="1400" u="none" cap="none" strike="noStrike">
+      <a:defRPr sz="1400" b="0" i="0" u="none" strike="noStrike" cap="none">
         <a:solidFill>
           <a:srgbClr val="000000"/>
         </a:solidFill>
@@ -644,7 +659,7 @@
         <a:sym typeface="Arial"/>
       </a:defRPr>
     </a:lvl7pPr>
-    <a:lvl8pPr lvl="7" marR="0" rtl="0" algn="l">
+    <a:lvl8pPr marR="0" lvl="7" algn="l" rtl="0">
       <a:lnSpc>
         <a:spcPct val="100000"/>
       </a:lnSpc>
@@ -658,7 +673,7 @@
         <a:srgbClr val="000000"/>
       </a:buClr>
       <a:buFont typeface="Arial"/>
-      <a:defRPr b="0" i="0" sz="1400" u="none" cap="none" strike="noStrike">
+      <a:defRPr sz="1400" b="0" i="0" u="none" strike="noStrike" cap="none">
         <a:solidFill>
           <a:srgbClr val="000000"/>
         </a:solidFill>
@@ -668,7 +683,7 @@
         <a:sym typeface="Arial"/>
       </a:defRPr>
     </a:lvl8pPr>
-    <a:lvl9pPr lvl="8" marR="0" rtl="0" algn="l">
+    <a:lvl9pPr marR="0" lvl="8" algn="l" rtl="0">
       <a:lnSpc>
         <a:spcPct val="100000"/>
       </a:lnSpc>
@@ -682,7 +697,7 @@
         <a:srgbClr val="000000"/>
       </a:buClr>
       <a:buFont typeface="Arial"/>
-      <a:defRPr b="0" i="0" sz="1400" u="none" cap="none" strike="noStrike">
+      <a:defRPr sz="1400" b="0" i="0" u="none" strike="noStrike" cap="none">
         <a:solidFill>
           <a:srgbClr val="000000"/>
         </a:solidFill>
@@ -697,11 +712,11 @@
 </file>
 
 <file path=ppt/notesSlides/notesSlide1.xml><?xml version="1.0" encoding="utf-8"?>
-<p:notes xmlns:a="http://schemas.openxmlformats.org/drawingml/2006/main" xmlns:r="http://schemas.openxmlformats.org/officeDocument/2006/relationships" xmlns:mc="http://schemas.openxmlformats.org/markup-compatibility/2006" xmlns:mv="urn:schemas-microsoft-com:mac:vml" xmlns:p="http://schemas.openxmlformats.org/presentationml/2006/main" xmlns:c="http://schemas.openxmlformats.org/drawingml/2006/chart" xmlns:dgm="http://schemas.openxmlformats.org/drawingml/2006/diagram" xmlns:o="urn:schemas-microsoft-com:office:office" xmlns:v="urn:schemas-microsoft-com:vml" xmlns:pvml="urn:schemas-microsoft-com:office:powerpoint" xmlns:com="http://schemas.openxmlformats.org/drawingml/2006/compatibility" xmlns:p14="http://schemas.microsoft.com/office/powerpoint/2010/main" xmlns:p15="http://schemas.microsoft.com/office/powerpoint/2012/main" xmlns:ahyp="http://schemas.microsoft.com/office/drawing/2018/hyperlinkcolor" showMasterPhAnim="0" showMasterSp="0">
+<p:notes xmlns:a="http://schemas.openxmlformats.org/drawingml/2006/main" xmlns:r="http://schemas.openxmlformats.org/officeDocument/2006/relationships" xmlns:p="http://schemas.openxmlformats.org/presentationml/2006/main" showMasterSp="0" showMasterPhAnim="0">
   <p:cSld>
     <p:spTree>
       <p:nvGrpSpPr>
-        <p:cNvPr id="80" name="Shape 80"/>
+        <p:cNvPr id="1" name="Shape 80"/>
         <p:cNvGrpSpPr/>
         <p:nvPr/>
       </p:nvGrpSpPr>
@@ -716,9 +731,11 @@
       <p:sp>
         <p:nvSpPr>
           <p:cNvPr id="81" name="Google Shape;81;p1:notes"/>
-          <p:cNvSpPr txBox="1"/>
+          <p:cNvSpPr txBox="1">
+            <a:spLocks noGrp="1"/>
+          </p:cNvSpPr>
           <p:nvPr>
-            <p:ph idx="1" type="body"/>
+            <p:ph type="body" idx="1"/>
           </p:nvPr>
         </p:nvSpPr>
         <p:spPr>
@@ -731,12 +748,12 @@
           </a:prstGeom>
         </p:spPr>
         <p:txBody>
-          <a:bodyPr anchorCtr="0" anchor="t" bIns="91425" lIns="91425" spcFirstLastPara="1" rIns="91425" wrap="square" tIns="91425">
+          <a:bodyPr spcFirstLastPara="1" wrap="square" lIns="91425" tIns="91425" rIns="91425" bIns="91425" anchor="t" anchorCtr="0">
             <a:noAutofit/>
           </a:bodyPr>
           <a:lstStyle/>
           <a:p>
-            <a:pPr indent="0" lvl="0" marL="0" rtl="0" algn="l">
+            <a:pPr marL="0" lvl="0" indent="0" algn="l" rtl="0">
               <a:spcBef>
                 <a:spcPts val="0"/>
               </a:spcBef>
@@ -745,9 +762,6 @@
               </a:spcAft>
               <a:buNone/>
             </a:pPr>
-            <a:r>
-              <a:t/>
-            </a:r>
             <a:endParaRPr/>
           </a:p>
         </p:txBody>
@@ -755,9 +769,11 @@
       <p:sp>
         <p:nvSpPr>
           <p:cNvPr id="82" name="Google Shape;82;p1:notes"/>
-          <p:cNvSpPr/>
+          <p:cNvSpPr>
+            <a:spLocks noGrp="1" noRot="1" noChangeAspect="1"/>
+          </p:cNvSpPr>
           <p:nvPr>
-            <p:ph idx="2" type="sldImg"/>
+            <p:ph type="sldImg" idx="2"/>
           </p:nvPr>
         </p:nvSpPr>
         <p:spPr>
@@ -766,9 +782,13 @@
             <a:ext cx="4572225" cy="3429000"/>
           </a:xfrm>
           <a:custGeom>
-            <a:rect b="b" l="l" r="r" t="t"/>
+            <a:avLst/>
+            <a:gdLst/>
+            <a:ahLst/>
+            <a:cxnLst/>
+            <a:rect l="l" t="t" r="r" b="b"/>
             <a:pathLst>
-              <a:path extrusionOk="0" h="120000" w="120000">
+              <a:path w="120000" h="120000" extrusionOk="0">
                 <a:moveTo>
                   <a:pt x="0" y="0"/>
                 </a:moveTo>
@@ -796,11 +816,11 @@
 </file>
 
 <file path=ppt/notesSlides/notesSlide2.xml><?xml version="1.0" encoding="utf-8"?>
-<p:notes xmlns:a="http://schemas.openxmlformats.org/drawingml/2006/main" xmlns:r="http://schemas.openxmlformats.org/officeDocument/2006/relationships" xmlns:mc="http://schemas.openxmlformats.org/markup-compatibility/2006" xmlns:mv="urn:schemas-microsoft-com:mac:vml" xmlns:p="http://schemas.openxmlformats.org/presentationml/2006/main" xmlns:c="http://schemas.openxmlformats.org/drawingml/2006/chart" xmlns:dgm="http://schemas.openxmlformats.org/drawingml/2006/diagram" xmlns:o="urn:schemas-microsoft-com:office:office" xmlns:v="urn:schemas-microsoft-com:vml" xmlns:pvml="urn:schemas-microsoft-com:office:powerpoint" xmlns:com="http://schemas.openxmlformats.org/drawingml/2006/compatibility" xmlns:p14="http://schemas.microsoft.com/office/powerpoint/2010/main" xmlns:p15="http://schemas.microsoft.com/office/powerpoint/2012/main" xmlns:ahyp="http://schemas.microsoft.com/office/drawing/2018/hyperlinkcolor" showMasterPhAnim="0" showMasterSp="0">
+<p:notes xmlns:a="http://schemas.openxmlformats.org/drawingml/2006/main" xmlns:r="http://schemas.openxmlformats.org/officeDocument/2006/relationships" xmlns:p="http://schemas.openxmlformats.org/presentationml/2006/main" showMasterSp="0" showMasterPhAnim="0">
   <p:cSld>
     <p:spTree>
       <p:nvGrpSpPr>
-        <p:cNvPr id="86" name="Shape 86"/>
+        <p:cNvPr id="1" name="Shape 86"/>
         <p:cNvGrpSpPr/>
         <p:nvPr/>
       </p:nvGrpSpPr>
@@ -815,9 +835,11 @@
       <p:sp>
         <p:nvSpPr>
           <p:cNvPr id="87" name="Google Shape;87;p2:notes"/>
-          <p:cNvSpPr txBox="1"/>
+          <p:cNvSpPr txBox="1">
+            <a:spLocks noGrp="1"/>
+          </p:cNvSpPr>
           <p:nvPr>
-            <p:ph idx="1" type="body"/>
+            <p:ph type="body" idx="1"/>
           </p:nvPr>
         </p:nvSpPr>
         <p:spPr>
@@ -830,12 +852,12 @@
           </a:prstGeom>
         </p:spPr>
         <p:txBody>
-          <a:bodyPr anchorCtr="0" anchor="t" bIns="91425" lIns="91425" spcFirstLastPara="1" rIns="91425" wrap="square" tIns="91425">
+          <a:bodyPr spcFirstLastPara="1" wrap="square" lIns="91425" tIns="91425" rIns="91425" bIns="91425" anchor="t" anchorCtr="0">
             <a:noAutofit/>
           </a:bodyPr>
           <a:lstStyle/>
           <a:p>
-            <a:pPr indent="0" lvl="0" marL="0" rtl="0" algn="l">
+            <a:pPr marL="0" lvl="0" indent="0" algn="l" rtl="0">
               <a:spcBef>
                 <a:spcPts val="0"/>
               </a:spcBef>
@@ -844,9 +866,6 @@
               </a:spcAft>
               <a:buNone/>
             </a:pPr>
-            <a:r>
-              <a:t/>
-            </a:r>
             <a:endParaRPr/>
           </a:p>
         </p:txBody>
@@ -854,9 +873,11 @@
       <p:sp>
         <p:nvSpPr>
           <p:cNvPr id="88" name="Google Shape;88;p2:notes"/>
-          <p:cNvSpPr/>
+          <p:cNvSpPr>
+            <a:spLocks noGrp="1" noRot="1" noChangeAspect="1"/>
+          </p:cNvSpPr>
           <p:nvPr>
-            <p:ph idx="2" type="sldImg"/>
+            <p:ph type="sldImg" idx="2"/>
           </p:nvPr>
         </p:nvSpPr>
         <p:spPr>
@@ -865,9 +886,13 @@
             <a:ext cx="4572225" cy="3429000"/>
           </a:xfrm>
           <a:custGeom>
-            <a:rect b="b" l="l" r="r" t="t"/>
+            <a:avLst/>
+            <a:gdLst/>
+            <a:ahLst/>
+            <a:cxnLst/>
+            <a:rect l="l" t="t" r="r" b="b"/>
             <a:pathLst>
-              <a:path extrusionOk="0" h="120000" w="120000">
+              <a:path w="120000" h="120000" extrusionOk="0">
                 <a:moveTo>
                   <a:pt x="0" y="0"/>
                 </a:moveTo>
@@ -895,11 +920,11 @@
 </file>
 
 <file path=ppt/notesSlides/notesSlide3.xml><?xml version="1.0" encoding="utf-8"?>
-<p:notes xmlns:a="http://schemas.openxmlformats.org/drawingml/2006/main" xmlns:r="http://schemas.openxmlformats.org/officeDocument/2006/relationships" xmlns:mc="http://schemas.openxmlformats.org/markup-compatibility/2006" xmlns:mv="urn:schemas-microsoft-com:mac:vml" xmlns:p="http://schemas.openxmlformats.org/presentationml/2006/main" xmlns:c="http://schemas.openxmlformats.org/drawingml/2006/chart" xmlns:dgm="http://schemas.openxmlformats.org/drawingml/2006/diagram" xmlns:o="urn:schemas-microsoft-com:office:office" xmlns:v="urn:schemas-microsoft-com:vml" xmlns:pvml="urn:schemas-microsoft-com:office:powerpoint" xmlns:com="http://schemas.openxmlformats.org/drawingml/2006/compatibility" xmlns:p14="http://schemas.microsoft.com/office/powerpoint/2010/main" xmlns:p15="http://schemas.microsoft.com/office/powerpoint/2012/main" xmlns:ahyp="http://schemas.microsoft.com/office/drawing/2018/hyperlinkcolor" showMasterPhAnim="0" showMasterSp="0">
+<p:notes xmlns:a="http://schemas.openxmlformats.org/drawingml/2006/main" xmlns:r="http://schemas.openxmlformats.org/officeDocument/2006/relationships" xmlns:p="http://schemas.openxmlformats.org/presentationml/2006/main" showMasterSp="0" showMasterPhAnim="0">
   <p:cSld>
     <p:spTree>
       <p:nvGrpSpPr>
-        <p:cNvPr id="92" name="Shape 92"/>
+        <p:cNvPr id="1" name="Shape 92"/>
         <p:cNvGrpSpPr/>
         <p:nvPr/>
       </p:nvGrpSpPr>
@@ -914,9 +939,11 @@
       <p:sp>
         <p:nvSpPr>
           <p:cNvPr id="93" name="Google Shape;93;p3:notes"/>
-          <p:cNvSpPr txBox="1"/>
+          <p:cNvSpPr txBox="1">
+            <a:spLocks noGrp="1"/>
+          </p:cNvSpPr>
           <p:nvPr>
-            <p:ph idx="1" type="body"/>
+            <p:ph type="body" idx="1"/>
           </p:nvPr>
         </p:nvSpPr>
         <p:spPr>
@@ -929,12 +956,12 @@
           </a:prstGeom>
         </p:spPr>
         <p:txBody>
-          <a:bodyPr anchorCtr="0" anchor="t" bIns="91425" lIns="91425" spcFirstLastPara="1" rIns="91425" wrap="square" tIns="91425">
+          <a:bodyPr spcFirstLastPara="1" wrap="square" lIns="91425" tIns="91425" rIns="91425" bIns="91425" anchor="t" anchorCtr="0">
             <a:noAutofit/>
           </a:bodyPr>
           <a:lstStyle/>
           <a:p>
-            <a:pPr indent="0" lvl="0" marL="0" rtl="0" algn="l">
+            <a:pPr marL="0" lvl="0" indent="0" algn="l" rtl="0">
               <a:spcBef>
                 <a:spcPts val="0"/>
               </a:spcBef>
@@ -943,9 +970,6 @@
               </a:spcAft>
               <a:buNone/>
             </a:pPr>
-            <a:r>
-              <a:t/>
-            </a:r>
             <a:endParaRPr/>
           </a:p>
         </p:txBody>
@@ -953,20 +977,26 @@
       <p:sp>
         <p:nvSpPr>
           <p:cNvPr id="94" name="Google Shape;94;p3:notes"/>
-          <p:cNvSpPr/>
+          <p:cNvSpPr>
+            <a:spLocks noGrp="1" noRot="1" noChangeAspect="1"/>
+          </p:cNvSpPr>
           <p:nvPr>
-            <p:ph idx="2" type="sldImg"/>
+            <p:ph type="sldImg" idx="2"/>
           </p:nvPr>
         </p:nvSpPr>
         <p:spPr>
           <a:xfrm>
-            <a:off x="1143225" y="685800"/>
-            <a:ext cx="4572225" cy="3429000"/>
+            <a:off x="1143000" y="685800"/>
+            <a:ext cx="4572000" cy="3429000"/>
           </a:xfrm>
           <a:custGeom>
-            <a:rect b="b" l="l" r="r" t="t"/>
+            <a:avLst/>
+            <a:gdLst/>
+            <a:ahLst/>
+            <a:cxnLst/>
+            <a:rect l="l" t="t" r="r" b="b"/>
             <a:pathLst>
-              <a:path extrusionOk="0" h="120000" w="120000">
+              <a:path w="120000" h="120000" extrusionOk="0">
                 <a:moveTo>
                   <a:pt x="0" y="0"/>
                 </a:moveTo>
@@ -994,11 +1024,11 @@
 </file>
 
 <file path=ppt/notesSlides/notesSlide4.xml><?xml version="1.0" encoding="utf-8"?>
-<p:notes xmlns:a="http://schemas.openxmlformats.org/drawingml/2006/main" xmlns:r="http://schemas.openxmlformats.org/officeDocument/2006/relationships" xmlns:mc="http://schemas.openxmlformats.org/markup-compatibility/2006" xmlns:mv="urn:schemas-microsoft-com:mac:vml" xmlns:p="http://schemas.openxmlformats.org/presentationml/2006/main" xmlns:c="http://schemas.openxmlformats.org/drawingml/2006/chart" xmlns:dgm="http://schemas.openxmlformats.org/drawingml/2006/diagram" xmlns:o="urn:schemas-microsoft-com:office:office" xmlns:v="urn:schemas-microsoft-com:vml" xmlns:pvml="urn:schemas-microsoft-com:office:powerpoint" xmlns:com="http://schemas.openxmlformats.org/drawingml/2006/compatibility" xmlns:p14="http://schemas.microsoft.com/office/powerpoint/2010/main" xmlns:p15="http://schemas.microsoft.com/office/powerpoint/2012/main" xmlns:ahyp="http://schemas.microsoft.com/office/drawing/2018/hyperlinkcolor" showMasterPhAnim="0" showMasterSp="0">
+<p:notes xmlns:a="http://schemas.openxmlformats.org/drawingml/2006/main" xmlns:r="http://schemas.openxmlformats.org/officeDocument/2006/relationships" xmlns:p="http://schemas.openxmlformats.org/presentationml/2006/main" showMasterSp="0" showMasterPhAnim="0">
   <p:cSld>
     <p:spTree>
       <p:nvGrpSpPr>
-        <p:cNvPr id="98" name="Shape 98"/>
+        <p:cNvPr id="1" name="Shape 98"/>
         <p:cNvGrpSpPr/>
         <p:nvPr/>
       </p:nvGrpSpPr>
@@ -1013,20 +1043,26 @@
       <p:sp>
         <p:nvSpPr>
           <p:cNvPr id="99" name="Google Shape;99;g118cef92964_0_0:notes"/>
-          <p:cNvSpPr/>
+          <p:cNvSpPr>
+            <a:spLocks noGrp="1" noRot="1" noChangeAspect="1"/>
+          </p:cNvSpPr>
           <p:nvPr>
-            <p:ph idx="2" type="sldImg"/>
+            <p:ph type="sldImg" idx="2"/>
           </p:nvPr>
         </p:nvSpPr>
         <p:spPr>
           <a:xfrm>
-            <a:off x="1143225" y="685800"/>
-            <a:ext cx="4572300" cy="3429000"/>
+            <a:off x="1143000" y="685800"/>
+            <a:ext cx="4572000" cy="3429000"/>
           </a:xfrm>
           <a:custGeom>
-            <a:rect b="b" l="l" r="r" t="t"/>
+            <a:avLst/>
+            <a:gdLst/>
+            <a:ahLst/>
+            <a:cxnLst/>
+            <a:rect l="l" t="t" r="r" b="b"/>
             <a:pathLst>
-              <a:path extrusionOk="0" h="120000" w="120000">
+              <a:path w="120000" h="120000" extrusionOk="0">
                 <a:moveTo>
                   <a:pt x="0" y="0"/>
                 </a:moveTo>
@@ -1048,9 +1084,11 @@
       <p:sp>
         <p:nvSpPr>
           <p:cNvPr id="100" name="Google Shape;100;g118cef92964_0_0:notes"/>
-          <p:cNvSpPr txBox="1"/>
+          <p:cNvSpPr txBox="1">
+            <a:spLocks noGrp="1"/>
+          </p:cNvSpPr>
           <p:nvPr>
-            <p:ph idx="1" type="body"/>
+            <p:ph type="body" idx="1"/>
           </p:nvPr>
         </p:nvSpPr>
         <p:spPr>
@@ -1063,12 +1101,12 @@
           </a:prstGeom>
         </p:spPr>
         <p:txBody>
-          <a:bodyPr anchorCtr="0" anchor="t" bIns="91425" lIns="91425" spcFirstLastPara="1" rIns="91425" wrap="square" tIns="91425">
+          <a:bodyPr spcFirstLastPara="1" wrap="square" lIns="91425" tIns="91425" rIns="91425" bIns="91425" anchor="t" anchorCtr="0">
             <a:noAutofit/>
           </a:bodyPr>
           <a:lstStyle/>
           <a:p>
-            <a:pPr indent="0" lvl="0" marL="0" rtl="0" algn="l">
+            <a:pPr marL="0" lvl="0" indent="0" algn="l" rtl="0">
               <a:spcBef>
                 <a:spcPts val="0"/>
               </a:spcBef>
@@ -1077,9 +1115,6 @@
               </a:spcAft>
               <a:buNone/>
             </a:pPr>
-            <a:r>
-              <a:t/>
-            </a:r>
             <a:endParaRPr/>
           </a:p>
         </p:txBody>
@@ -1093,11 +1128,11 @@
 </file>
 
 <file path=ppt/notesSlides/notesSlide5.xml><?xml version="1.0" encoding="utf-8"?>
-<p:notes xmlns:a="http://schemas.openxmlformats.org/drawingml/2006/main" xmlns:r="http://schemas.openxmlformats.org/officeDocument/2006/relationships" xmlns:mc="http://schemas.openxmlformats.org/markup-compatibility/2006" xmlns:mv="urn:schemas-microsoft-com:mac:vml" xmlns:p="http://schemas.openxmlformats.org/presentationml/2006/main" xmlns:c="http://schemas.openxmlformats.org/drawingml/2006/chart" xmlns:dgm="http://schemas.openxmlformats.org/drawingml/2006/diagram" xmlns:o="urn:schemas-microsoft-com:office:office" xmlns:v="urn:schemas-microsoft-com:vml" xmlns:pvml="urn:schemas-microsoft-com:office:powerpoint" xmlns:com="http://schemas.openxmlformats.org/drawingml/2006/compatibility" xmlns:p14="http://schemas.microsoft.com/office/powerpoint/2010/main" xmlns:p15="http://schemas.microsoft.com/office/powerpoint/2012/main" xmlns:ahyp="http://schemas.microsoft.com/office/drawing/2018/hyperlinkcolor" showMasterPhAnim="0" showMasterSp="0">
+<p:notes xmlns:a="http://schemas.openxmlformats.org/drawingml/2006/main" xmlns:r="http://schemas.openxmlformats.org/officeDocument/2006/relationships" xmlns:p="http://schemas.openxmlformats.org/presentationml/2006/main" showMasterSp="0" showMasterPhAnim="0">
   <p:cSld>
     <p:spTree>
       <p:nvGrpSpPr>
-        <p:cNvPr id="104" name="Shape 104"/>
+        <p:cNvPr id="1" name="Shape 104"/>
         <p:cNvGrpSpPr/>
         <p:nvPr/>
       </p:nvGrpSpPr>
@@ -1112,9 +1147,11 @@
       <p:sp>
         <p:nvSpPr>
           <p:cNvPr id="105" name="Google Shape;105;g118cef92964_0_22:notes"/>
-          <p:cNvSpPr/>
+          <p:cNvSpPr>
+            <a:spLocks noGrp="1" noRot="1" noChangeAspect="1"/>
+          </p:cNvSpPr>
           <p:nvPr>
-            <p:ph idx="2" type="sldImg"/>
+            <p:ph type="sldImg" idx="2"/>
           </p:nvPr>
         </p:nvSpPr>
         <p:spPr>
@@ -1123,9 +1160,13 @@
             <a:ext cx="4572300" cy="3429000"/>
           </a:xfrm>
           <a:custGeom>
-            <a:rect b="b" l="l" r="r" t="t"/>
+            <a:avLst/>
+            <a:gdLst/>
+            <a:ahLst/>
+            <a:cxnLst/>
+            <a:rect l="l" t="t" r="r" b="b"/>
             <a:pathLst>
-              <a:path extrusionOk="0" h="120000" w="120000">
+              <a:path w="120000" h="120000" extrusionOk="0">
                 <a:moveTo>
                   <a:pt x="0" y="0"/>
                 </a:moveTo>
@@ -1147,9 +1188,11 @@
       <p:sp>
         <p:nvSpPr>
           <p:cNvPr id="106" name="Google Shape;106;g118cef92964_0_22:notes"/>
-          <p:cNvSpPr txBox="1"/>
+          <p:cNvSpPr txBox="1">
+            <a:spLocks noGrp="1"/>
+          </p:cNvSpPr>
           <p:nvPr>
-            <p:ph idx="1" type="body"/>
+            <p:ph type="body" idx="1"/>
           </p:nvPr>
         </p:nvSpPr>
         <p:spPr>
@@ -1162,12 +1205,12 @@
           </a:prstGeom>
         </p:spPr>
         <p:txBody>
-          <a:bodyPr anchorCtr="0" anchor="t" bIns="91425" lIns="91425" spcFirstLastPara="1" rIns="91425" wrap="square" tIns="91425">
+          <a:bodyPr spcFirstLastPara="1" wrap="square" lIns="91425" tIns="91425" rIns="91425" bIns="91425" anchor="t" anchorCtr="0">
             <a:noAutofit/>
           </a:bodyPr>
           <a:lstStyle/>
           <a:p>
-            <a:pPr indent="0" lvl="0" marL="0" rtl="0" algn="l">
+            <a:pPr marL="0" lvl="0" indent="0" algn="l" rtl="0">
               <a:spcBef>
                 <a:spcPts val="0"/>
               </a:spcBef>
@@ -1176,9 +1219,6 @@
               </a:spcAft>
               <a:buNone/>
             </a:pPr>
-            <a:r>
-              <a:t/>
-            </a:r>
             <a:endParaRPr/>
           </a:p>
         </p:txBody>
@@ -1192,11 +1232,11 @@
 </file>
 
 <file path=ppt/notesSlides/notesSlide6.xml><?xml version="1.0" encoding="utf-8"?>
-<p:notes xmlns:a="http://schemas.openxmlformats.org/drawingml/2006/main" xmlns:r="http://schemas.openxmlformats.org/officeDocument/2006/relationships" xmlns:mc="http://schemas.openxmlformats.org/markup-compatibility/2006" xmlns:mv="urn:schemas-microsoft-com:mac:vml" xmlns:p="http://schemas.openxmlformats.org/presentationml/2006/main" xmlns:c="http://schemas.openxmlformats.org/drawingml/2006/chart" xmlns:dgm="http://schemas.openxmlformats.org/drawingml/2006/diagram" xmlns:o="urn:schemas-microsoft-com:office:office" xmlns:v="urn:schemas-microsoft-com:vml" xmlns:pvml="urn:schemas-microsoft-com:office:powerpoint" xmlns:com="http://schemas.openxmlformats.org/drawingml/2006/compatibility" xmlns:p14="http://schemas.microsoft.com/office/powerpoint/2010/main" xmlns:p15="http://schemas.microsoft.com/office/powerpoint/2012/main" xmlns:ahyp="http://schemas.microsoft.com/office/drawing/2018/hyperlinkcolor" showMasterPhAnim="0" showMasterSp="0">
+<p:notes xmlns:a="http://schemas.openxmlformats.org/drawingml/2006/main" xmlns:r="http://schemas.openxmlformats.org/officeDocument/2006/relationships" xmlns:p="http://schemas.openxmlformats.org/presentationml/2006/main" showMasterSp="0" showMasterPhAnim="0">
   <p:cSld>
     <p:spTree>
       <p:nvGrpSpPr>
-        <p:cNvPr id="110" name="Shape 110"/>
+        <p:cNvPr id="1" name="Shape 110"/>
         <p:cNvGrpSpPr/>
         <p:nvPr/>
       </p:nvGrpSpPr>
@@ -1211,9 +1251,11 @@
       <p:sp>
         <p:nvSpPr>
           <p:cNvPr id="111" name="Google Shape;111;g118cef92964_0_10:notes"/>
-          <p:cNvSpPr/>
+          <p:cNvSpPr>
+            <a:spLocks noGrp="1" noRot="1" noChangeAspect="1"/>
+          </p:cNvSpPr>
           <p:nvPr>
-            <p:ph idx="2" type="sldImg"/>
+            <p:ph type="sldImg" idx="2"/>
           </p:nvPr>
         </p:nvSpPr>
         <p:spPr>
@@ -1222,9 +1264,13 @@
             <a:ext cx="4572300" cy="3429000"/>
           </a:xfrm>
           <a:custGeom>
-            <a:rect b="b" l="l" r="r" t="t"/>
+            <a:avLst/>
+            <a:gdLst/>
+            <a:ahLst/>
+            <a:cxnLst/>
+            <a:rect l="l" t="t" r="r" b="b"/>
             <a:pathLst>
-              <a:path extrusionOk="0" h="120000" w="120000">
+              <a:path w="120000" h="120000" extrusionOk="0">
                 <a:moveTo>
                   <a:pt x="0" y="0"/>
                 </a:moveTo>
@@ -1246,9 +1292,11 @@
       <p:sp>
         <p:nvSpPr>
           <p:cNvPr id="112" name="Google Shape;112;g118cef92964_0_10:notes"/>
-          <p:cNvSpPr txBox="1"/>
+          <p:cNvSpPr txBox="1">
+            <a:spLocks noGrp="1"/>
+          </p:cNvSpPr>
           <p:nvPr>
-            <p:ph idx="1" type="body"/>
+            <p:ph type="body" idx="1"/>
           </p:nvPr>
         </p:nvSpPr>
         <p:spPr>
@@ -1261,12 +1309,12 @@
           </a:prstGeom>
         </p:spPr>
         <p:txBody>
-          <a:bodyPr anchorCtr="0" anchor="t" bIns="91425" lIns="91425" spcFirstLastPara="1" rIns="91425" wrap="square" tIns="91425">
+          <a:bodyPr spcFirstLastPara="1" wrap="square" lIns="91425" tIns="91425" rIns="91425" bIns="91425" anchor="t" anchorCtr="0">
             <a:noAutofit/>
           </a:bodyPr>
           <a:lstStyle/>
           <a:p>
-            <a:pPr indent="0" lvl="0" marL="0" rtl="0" algn="l">
+            <a:pPr marL="0" lvl="0" indent="0" algn="l" rtl="0">
               <a:spcBef>
                 <a:spcPts val="0"/>
               </a:spcBef>
@@ -1275,9 +1323,6 @@
               </a:spcAft>
               <a:buNone/>
             </a:pPr>
-            <a:r>
-              <a:t/>
-            </a:r>
             <a:endParaRPr/>
           </a:p>
         </p:txBody>
@@ -1291,11 +1336,11 @@
 </file>
 
 <file path=ppt/notesSlides/notesSlide7.xml><?xml version="1.0" encoding="utf-8"?>
-<p:notes xmlns:a="http://schemas.openxmlformats.org/drawingml/2006/main" xmlns:r="http://schemas.openxmlformats.org/officeDocument/2006/relationships" xmlns:mc="http://schemas.openxmlformats.org/markup-compatibility/2006" xmlns:mv="urn:schemas-microsoft-com:mac:vml" xmlns:p="http://schemas.openxmlformats.org/presentationml/2006/main" xmlns:c="http://schemas.openxmlformats.org/drawingml/2006/chart" xmlns:dgm="http://schemas.openxmlformats.org/drawingml/2006/diagram" xmlns:o="urn:schemas-microsoft-com:office:office" xmlns:v="urn:schemas-microsoft-com:vml" xmlns:pvml="urn:schemas-microsoft-com:office:powerpoint" xmlns:com="http://schemas.openxmlformats.org/drawingml/2006/compatibility" xmlns:p14="http://schemas.microsoft.com/office/powerpoint/2010/main" xmlns:p15="http://schemas.microsoft.com/office/powerpoint/2012/main" xmlns:ahyp="http://schemas.microsoft.com/office/drawing/2018/hyperlinkcolor" showMasterPhAnim="0" showMasterSp="0">
+<p:notes xmlns:a="http://schemas.openxmlformats.org/drawingml/2006/main" xmlns:r="http://schemas.openxmlformats.org/officeDocument/2006/relationships" xmlns:p="http://schemas.openxmlformats.org/presentationml/2006/main" showMasterSp="0" showMasterPhAnim="0">
   <p:cSld>
     <p:spTree>
       <p:nvGrpSpPr>
-        <p:cNvPr id="117" name="Shape 117"/>
+        <p:cNvPr id="1" name="Shape 117"/>
         <p:cNvGrpSpPr/>
         <p:nvPr/>
       </p:nvGrpSpPr>
@@ -1310,9 +1355,11 @@
       <p:sp>
         <p:nvSpPr>
           <p:cNvPr id="118" name="Google Shape;118;g118cef92964_0_17:notes"/>
-          <p:cNvSpPr/>
+          <p:cNvSpPr>
+            <a:spLocks noGrp="1" noRot="1" noChangeAspect="1"/>
+          </p:cNvSpPr>
           <p:nvPr>
-            <p:ph idx="2" type="sldImg"/>
+            <p:ph type="sldImg" idx="2"/>
           </p:nvPr>
         </p:nvSpPr>
         <p:spPr>
@@ -1321,9 +1368,13 @@
             <a:ext cx="4572300" cy="3429000"/>
           </a:xfrm>
           <a:custGeom>
-            <a:rect b="b" l="l" r="r" t="t"/>
+            <a:avLst/>
+            <a:gdLst/>
+            <a:ahLst/>
+            <a:cxnLst/>
+            <a:rect l="l" t="t" r="r" b="b"/>
             <a:pathLst>
-              <a:path extrusionOk="0" h="120000" w="120000">
+              <a:path w="120000" h="120000" extrusionOk="0">
                 <a:moveTo>
                   <a:pt x="0" y="0"/>
                 </a:moveTo>
@@ -1345,9 +1396,11 @@
       <p:sp>
         <p:nvSpPr>
           <p:cNvPr id="119" name="Google Shape;119;g118cef92964_0_17:notes"/>
-          <p:cNvSpPr txBox="1"/>
+          <p:cNvSpPr txBox="1">
+            <a:spLocks noGrp="1"/>
+          </p:cNvSpPr>
           <p:nvPr>
-            <p:ph idx="1" type="body"/>
+            <p:ph type="body" idx="1"/>
           </p:nvPr>
         </p:nvSpPr>
         <p:spPr>
@@ -1360,12 +1413,12 @@
           </a:prstGeom>
         </p:spPr>
         <p:txBody>
-          <a:bodyPr anchorCtr="0" anchor="t" bIns="91425" lIns="91425" spcFirstLastPara="1" rIns="91425" wrap="square" tIns="91425">
+          <a:bodyPr spcFirstLastPara="1" wrap="square" lIns="91425" tIns="91425" rIns="91425" bIns="91425" anchor="t" anchorCtr="0">
             <a:noAutofit/>
           </a:bodyPr>
           <a:lstStyle/>
           <a:p>
-            <a:pPr indent="0" lvl="0" marL="0" rtl="0" algn="l">
+            <a:pPr marL="0" lvl="0" indent="0" algn="l" rtl="0">
               <a:spcBef>
                 <a:spcPts val="0"/>
               </a:spcBef>
@@ -1374,9 +1427,6 @@
               </a:spcAft>
               <a:buNone/>
             </a:pPr>
-            <a:r>
-              <a:t/>
-            </a:r>
             <a:endParaRPr/>
           </a:p>
         </p:txBody>
@@ -1390,11 +1440,11 @@
 </file>
 
 <file path=ppt/notesSlides/notesSlide8.xml><?xml version="1.0" encoding="utf-8"?>
-<p:notes xmlns:a="http://schemas.openxmlformats.org/drawingml/2006/main" xmlns:r="http://schemas.openxmlformats.org/officeDocument/2006/relationships" xmlns:mc="http://schemas.openxmlformats.org/markup-compatibility/2006" xmlns:mv="urn:schemas-microsoft-com:mac:vml" xmlns:p="http://schemas.openxmlformats.org/presentationml/2006/main" xmlns:c="http://schemas.openxmlformats.org/drawingml/2006/chart" xmlns:dgm="http://schemas.openxmlformats.org/drawingml/2006/diagram" xmlns:o="urn:schemas-microsoft-com:office:office" xmlns:v="urn:schemas-microsoft-com:vml" xmlns:pvml="urn:schemas-microsoft-com:office:powerpoint" xmlns:com="http://schemas.openxmlformats.org/drawingml/2006/compatibility" xmlns:p14="http://schemas.microsoft.com/office/powerpoint/2010/main" xmlns:p15="http://schemas.microsoft.com/office/powerpoint/2012/main" xmlns:ahyp="http://schemas.microsoft.com/office/drawing/2018/hyperlinkcolor" showMasterPhAnim="0" showMasterSp="0">
+<p:notes xmlns:a="http://schemas.openxmlformats.org/drawingml/2006/main" xmlns:r="http://schemas.openxmlformats.org/officeDocument/2006/relationships" xmlns:p="http://schemas.openxmlformats.org/presentationml/2006/main" showMasterSp="0" showMasterPhAnim="0">
   <p:cSld>
     <p:spTree>
       <p:nvGrpSpPr>
-        <p:cNvPr id="124" name="Shape 124"/>
+        <p:cNvPr id="1" name="Shape 124"/>
         <p:cNvGrpSpPr/>
         <p:nvPr/>
       </p:nvGrpSpPr>
@@ -1409,9 +1459,11 @@
       <p:sp>
         <p:nvSpPr>
           <p:cNvPr id="125" name="Google Shape;125;g118cef92964_0_28:notes"/>
-          <p:cNvSpPr/>
+          <p:cNvSpPr>
+            <a:spLocks noGrp="1" noRot="1" noChangeAspect="1"/>
+          </p:cNvSpPr>
           <p:nvPr>
-            <p:ph idx="2" type="sldImg"/>
+            <p:ph type="sldImg" idx="2"/>
           </p:nvPr>
         </p:nvSpPr>
         <p:spPr>
@@ -1420,9 +1472,13 @@
             <a:ext cx="4572300" cy="3429000"/>
           </a:xfrm>
           <a:custGeom>
-            <a:rect b="b" l="l" r="r" t="t"/>
+            <a:avLst/>
+            <a:gdLst/>
+            <a:ahLst/>
+            <a:cxnLst/>
+            <a:rect l="l" t="t" r="r" b="b"/>
             <a:pathLst>
-              <a:path extrusionOk="0" h="120000" w="120000">
+              <a:path w="120000" h="120000" extrusionOk="0">
                 <a:moveTo>
                   <a:pt x="0" y="0"/>
                 </a:moveTo>
@@ -1444,9 +1500,11 @@
       <p:sp>
         <p:nvSpPr>
           <p:cNvPr id="126" name="Google Shape;126;g118cef92964_0_28:notes"/>
-          <p:cNvSpPr txBox="1"/>
+          <p:cNvSpPr txBox="1">
+            <a:spLocks noGrp="1"/>
+          </p:cNvSpPr>
           <p:nvPr>
-            <p:ph idx="1" type="body"/>
+            <p:ph type="body" idx="1"/>
           </p:nvPr>
         </p:nvSpPr>
         <p:spPr>
@@ -1459,12 +1517,12 @@
           </a:prstGeom>
         </p:spPr>
         <p:txBody>
-          <a:bodyPr anchorCtr="0" anchor="t" bIns="91425" lIns="91425" spcFirstLastPara="1" rIns="91425" wrap="square" tIns="91425">
+          <a:bodyPr spcFirstLastPara="1" wrap="square" lIns="91425" tIns="91425" rIns="91425" bIns="91425" anchor="t" anchorCtr="0">
             <a:noAutofit/>
           </a:bodyPr>
           <a:lstStyle/>
           <a:p>
-            <a:pPr indent="0" lvl="0" marL="0" rtl="0" algn="l">
+            <a:pPr marL="0" lvl="0" indent="0" algn="l" rtl="0">
               <a:spcBef>
                 <a:spcPts val="0"/>
               </a:spcBef>
@@ -1473,9 +1531,6 @@
               </a:spcAft>
               <a:buNone/>
             </a:pPr>
-            <a:r>
-              <a:t/>
-            </a:r>
             <a:endParaRPr/>
           </a:p>
         </p:txBody>
@@ -1489,11 +1544,11 @@
 </file>
 
 <file path=ppt/slideLayouts/slideLayout1.xml><?xml version="1.0" encoding="utf-8"?>
-<p:sldLayout xmlns:a="http://schemas.openxmlformats.org/drawingml/2006/main" xmlns:r="http://schemas.openxmlformats.org/officeDocument/2006/relationships" xmlns:mc="http://schemas.openxmlformats.org/markup-compatibility/2006" xmlns:mv="urn:schemas-microsoft-com:mac:vml" xmlns:p="http://schemas.openxmlformats.org/presentationml/2006/main" xmlns:c="http://schemas.openxmlformats.org/drawingml/2006/chart" xmlns:dgm="http://schemas.openxmlformats.org/drawingml/2006/diagram" xmlns:o="urn:schemas-microsoft-com:office:office" xmlns:v="urn:schemas-microsoft-com:vml" xmlns:pvml="urn:schemas-microsoft-com:office:powerpoint" xmlns:com="http://schemas.openxmlformats.org/drawingml/2006/compatibility" xmlns:p14="http://schemas.microsoft.com/office/powerpoint/2010/main" xmlns:p15="http://schemas.microsoft.com/office/powerpoint/2012/main" xmlns:ahyp="http://schemas.microsoft.com/office/drawing/2018/hyperlinkcolor" matchingName="Title Slide" type="title">
+<p:sldLayout xmlns:a="http://schemas.openxmlformats.org/drawingml/2006/main" xmlns:r="http://schemas.openxmlformats.org/officeDocument/2006/relationships" xmlns:p="http://schemas.openxmlformats.org/presentationml/2006/main" matchingName="Title Slide" type="title">
   <p:cSld name="TITLE">
     <p:spTree>
       <p:nvGrpSpPr>
-        <p:cNvPr id="11" name="Shape 11"/>
+        <p:cNvPr id="1" name="Shape 11"/>
         <p:cNvGrpSpPr/>
         <p:nvPr/>
       </p:nvGrpSpPr>
@@ -1508,7 +1563,9 @@
       <p:sp>
         <p:nvSpPr>
           <p:cNvPr id="12" name="Google Shape;12;p5"/>
-          <p:cNvSpPr txBox="1"/>
+          <p:cNvSpPr txBox="1">
+            <a:spLocks noGrp="1"/>
+          </p:cNvSpPr>
           <p:nvPr>
             <p:ph type="ctrTitle"/>
           </p:nvPr>
@@ -1527,7 +1584,7 @@
           </a:ln>
         </p:spPr>
         <p:txBody>
-          <a:bodyPr anchorCtr="0" anchor="ctr" bIns="45700" lIns="91425" spcFirstLastPara="1" rIns="91425" wrap="square" tIns="45700">
+          <a:bodyPr spcFirstLastPara="1" wrap="square" lIns="91425" tIns="45700" rIns="91425" bIns="45700" anchor="ctr" anchorCtr="0">
             <a:normAutofit/>
           </a:bodyPr>
           <a:lstStyle>
@@ -1544,7 +1601,7 @@
               <a:buSzPts val="3600"/>
               <a:buFont typeface="Calibri"/>
               <a:buNone/>
-              <a:defRPr b="1" sz="3600">
+              <a:defRPr sz="3600" b="1">
                 <a:solidFill>
                   <a:srgbClr val="FFC000"/>
                 </a:solidFill>
@@ -1639,15 +1696,19 @@
               <a:defRPr/>
             </a:lvl9pPr>
           </a:lstStyle>
-          <a:p/>
+          <a:p>
+            <a:endParaRPr/>
+          </a:p>
         </p:txBody>
       </p:sp>
       <p:sp>
         <p:nvSpPr>
           <p:cNvPr id="13" name="Google Shape;13;p5"/>
-          <p:cNvSpPr txBox="1"/>
+          <p:cNvSpPr txBox="1">
+            <a:spLocks noGrp="1"/>
+          </p:cNvSpPr>
           <p:nvPr>
-            <p:ph idx="1" type="subTitle"/>
+            <p:ph type="subTitle" idx="1"/>
           </p:nvPr>
         </p:nvSpPr>
         <p:spPr>
@@ -1664,7 +1725,7 @@
           </a:ln>
         </p:spPr>
         <p:txBody>
-          <a:bodyPr anchorCtr="0" anchor="t" bIns="45700" lIns="91425" spcFirstLastPara="1" rIns="91425" wrap="square" tIns="45700">
+          <a:bodyPr spcFirstLastPara="1" wrap="square" lIns="91425" tIns="45700" rIns="91425" bIns="45700" anchor="t" anchorCtr="0">
             <a:normAutofit/>
           </a:bodyPr>
           <a:lstStyle>
@@ -1831,15 +1892,19 @@
               </a:defRPr>
             </a:lvl9pPr>
           </a:lstStyle>
-          <a:p/>
+          <a:p>
+            <a:endParaRPr/>
+          </a:p>
         </p:txBody>
       </p:sp>
       <p:sp>
         <p:nvSpPr>
           <p:cNvPr id="14" name="Google Shape;14;p5"/>
-          <p:cNvSpPr txBox="1"/>
+          <p:cNvSpPr txBox="1">
+            <a:spLocks noGrp="1"/>
+          </p:cNvSpPr>
           <p:nvPr>
-            <p:ph idx="10" type="dt"/>
+            <p:ph type="dt" idx="10"/>
           </p:nvPr>
         </p:nvSpPr>
         <p:spPr>
@@ -1856,7 +1921,7 @@
           </a:ln>
         </p:spPr>
         <p:txBody>
-          <a:bodyPr anchorCtr="0" anchor="ctr" bIns="45700" lIns="91425" spcFirstLastPara="1" rIns="91425" wrap="square" tIns="45700">
+          <a:bodyPr spcFirstLastPara="1" wrap="square" lIns="91425" tIns="45700" rIns="91425" bIns="45700" anchor="ctr" anchorCtr="0">
             <a:noAutofit/>
           </a:bodyPr>
           <a:lstStyle>
@@ -1960,15 +2025,19 @@
               <a:defRPr/>
             </a:lvl9pPr>
           </a:lstStyle>
-          <a:p/>
+          <a:p>
+            <a:endParaRPr/>
+          </a:p>
         </p:txBody>
       </p:sp>
       <p:sp>
         <p:nvSpPr>
           <p:cNvPr id="15" name="Google Shape;15;p5"/>
-          <p:cNvSpPr txBox="1"/>
+          <p:cNvSpPr txBox="1">
+            <a:spLocks noGrp="1"/>
+          </p:cNvSpPr>
           <p:nvPr>
-            <p:ph idx="11" type="ftr"/>
+            <p:ph type="ftr" idx="11"/>
           </p:nvPr>
         </p:nvSpPr>
         <p:spPr>
@@ -1985,7 +2054,7 @@
           </a:ln>
         </p:spPr>
         <p:txBody>
-          <a:bodyPr anchorCtr="0" anchor="ctr" bIns="45700" lIns="91425" spcFirstLastPara="1" rIns="91425" wrap="square" tIns="45700">
+          <a:bodyPr spcFirstLastPara="1" wrap="square" lIns="91425" tIns="45700" rIns="91425" bIns="45700" anchor="ctr" anchorCtr="0">
             <a:noAutofit/>
           </a:bodyPr>
           <a:lstStyle>
@@ -2089,15 +2158,19 @@
               <a:defRPr/>
             </a:lvl9pPr>
           </a:lstStyle>
-          <a:p/>
+          <a:p>
+            <a:endParaRPr/>
+          </a:p>
         </p:txBody>
       </p:sp>
       <p:sp>
         <p:nvSpPr>
           <p:cNvPr id="16" name="Google Shape;16;p5"/>
-          <p:cNvSpPr txBox="1"/>
+          <p:cNvSpPr txBox="1">
+            <a:spLocks noGrp="1"/>
+          </p:cNvSpPr>
           <p:nvPr>
-            <p:ph idx="12" type="sldNum"/>
+            <p:ph type="sldNum" idx="12"/>
           </p:nvPr>
         </p:nvSpPr>
         <p:spPr>
@@ -2114,67 +2187,67 @@
           </a:ln>
         </p:spPr>
         <p:txBody>
-          <a:bodyPr anchorCtr="0" anchor="ctr" bIns="45700" lIns="91425" spcFirstLastPara="1" rIns="91425" wrap="square" tIns="45700">
+          <a:bodyPr spcFirstLastPara="1" wrap="square" lIns="91425" tIns="45700" rIns="91425" bIns="45700" anchor="ctr" anchorCtr="0">
             <a:noAutofit/>
           </a:bodyPr>
           <a:lstStyle>
-            <a:lvl1pPr indent="0" lvl="0" marL="0" algn="r">
+            <a:lvl1pPr marL="0" lvl="0" indent="0" algn="r">
               <a:spcBef>
                 <a:spcPts val="0"/>
               </a:spcBef>
               <a:buNone/>
               <a:defRPr/>
             </a:lvl1pPr>
-            <a:lvl2pPr indent="0" lvl="1" marL="0" algn="r">
+            <a:lvl2pPr marL="0" lvl="1" indent="0" algn="r">
               <a:spcBef>
                 <a:spcPts val="0"/>
               </a:spcBef>
               <a:buNone/>
               <a:defRPr/>
             </a:lvl2pPr>
-            <a:lvl3pPr indent="0" lvl="2" marL="0" algn="r">
+            <a:lvl3pPr marL="0" lvl="2" indent="0" algn="r">
               <a:spcBef>
                 <a:spcPts val="0"/>
               </a:spcBef>
               <a:buNone/>
               <a:defRPr/>
             </a:lvl3pPr>
-            <a:lvl4pPr indent="0" lvl="3" marL="0" algn="r">
+            <a:lvl4pPr marL="0" lvl="3" indent="0" algn="r">
               <a:spcBef>
                 <a:spcPts val="0"/>
               </a:spcBef>
               <a:buNone/>
               <a:defRPr/>
             </a:lvl4pPr>
-            <a:lvl5pPr indent="0" lvl="4" marL="0" algn="r">
+            <a:lvl5pPr marL="0" lvl="4" indent="0" algn="r">
               <a:spcBef>
                 <a:spcPts val="0"/>
               </a:spcBef>
               <a:buNone/>
               <a:defRPr/>
             </a:lvl5pPr>
-            <a:lvl6pPr indent="0" lvl="5" marL="0" algn="r">
+            <a:lvl6pPr marL="0" lvl="5" indent="0" algn="r">
               <a:spcBef>
                 <a:spcPts val="0"/>
               </a:spcBef>
               <a:buNone/>
               <a:defRPr/>
             </a:lvl6pPr>
-            <a:lvl7pPr indent="0" lvl="6" marL="0" algn="r">
+            <a:lvl7pPr marL="0" lvl="6" indent="0" algn="r">
               <a:spcBef>
                 <a:spcPts val="0"/>
               </a:spcBef>
               <a:buNone/>
               <a:defRPr/>
             </a:lvl7pPr>
-            <a:lvl8pPr indent="0" lvl="7" marL="0" algn="r">
+            <a:lvl8pPr marL="0" lvl="7" indent="0" algn="r">
               <a:spcBef>
                 <a:spcPts val="0"/>
               </a:spcBef>
               <a:buNone/>
               <a:defRPr/>
             </a:lvl8pPr>
-            <a:lvl9pPr indent="0" lvl="8" marL="0" algn="r">
+            <a:lvl9pPr marL="0" lvl="8" indent="0" algn="r">
               <a:spcBef>
                 <a:spcPts val="0"/>
               </a:spcBef>
@@ -2183,7 +2256,7 @@
             </a:lvl9pPr>
           </a:lstStyle>
           <a:p>
-            <a:pPr indent="0" lvl="0" marL="0" rtl="0" algn="r">
+            <a:pPr marL="0" lvl="0" indent="0" algn="r" rtl="0">
               <a:spcBef>
                 <a:spcPts val="0"/>
               </a:spcBef>
@@ -2209,11 +2282,11 @@
 </file>
 
 <file path=ppt/slideLayouts/slideLayout10.xml><?xml version="1.0" encoding="utf-8"?>
-<p:sldLayout xmlns:a="http://schemas.openxmlformats.org/drawingml/2006/main" xmlns:r="http://schemas.openxmlformats.org/officeDocument/2006/relationships" xmlns:mc="http://schemas.openxmlformats.org/markup-compatibility/2006" xmlns:mv="urn:schemas-microsoft-com:mac:vml" xmlns:p="http://schemas.openxmlformats.org/presentationml/2006/main" xmlns:c="http://schemas.openxmlformats.org/drawingml/2006/chart" xmlns:dgm="http://schemas.openxmlformats.org/drawingml/2006/diagram" xmlns:o="urn:schemas-microsoft-com:office:office" xmlns:v="urn:schemas-microsoft-com:vml" xmlns:pvml="urn:schemas-microsoft-com:office:powerpoint" xmlns:com="http://schemas.openxmlformats.org/drawingml/2006/compatibility" xmlns:p14="http://schemas.microsoft.com/office/powerpoint/2010/main" xmlns:p15="http://schemas.microsoft.com/office/powerpoint/2012/main" xmlns:ahyp="http://schemas.microsoft.com/office/drawing/2018/hyperlinkcolor" matchingName="Title and Vertical Text">
+<p:sldLayout xmlns:a="http://schemas.openxmlformats.org/drawingml/2006/main" xmlns:r="http://schemas.openxmlformats.org/officeDocument/2006/relationships" xmlns:p="http://schemas.openxmlformats.org/presentationml/2006/main" matchingName="Title and Vertical Text">
   <p:cSld name="Title and Vertical Text">
     <p:spTree>
       <p:nvGrpSpPr>
-        <p:cNvPr id="68" name="Shape 68"/>
+        <p:cNvPr id="1" name="Shape 68"/>
         <p:cNvGrpSpPr/>
         <p:nvPr/>
       </p:nvGrpSpPr>
@@ -2228,9 +2301,11 @@
       <p:sp>
         <p:nvSpPr>
           <p:cNvPr id="69" name="Google Shape;69;p14"/>
-          <p:cNvSpPr txBox="1"/>
+          <p:cNvSpPr txBox="1">
+            <a:spLocks noGrp="1"/>
+          </p:cNvSpPr>
           <p:nvPr>
-            <p:ph idx="1" type="body"/>
+            <p:ph type="body" idx="1"/>
           </p:nvPr>
         </p:nvSpPr>
         <p:spPr>
@@ -2247,11 +2322,11 @@
           </a:ln>
         </p:spPr>
         <p:txBody>
-          <a:bodyPr anchorCtr="0" anchor="t" bIns="45700" lIns="91425" spcFirstLastPara="1" rIns="91425" wrap="square" tIns="45700">
+          <a:bodyPr spcFirstLastPara="1" wrap="square" lIns="91425" tIns="45700" rIns="91425" bIns="45700" anchor="t" anchorCtr="0">
             <a:normAutofit/>
           </a:bodyPr>
           <a:lstStyle>
-            <a:lvl1pPr indent="-342900" lvl="0" marL="457200" algn="l">
+            <a:lvl1pPr marL="457200" lvl="0" indent="-342900" algn="l">
               <a:spcBef>
                 <a:spcPts val="360"/>
               </a:spcBef>
@@ -2265,7 +2340,7 @@
               <a:buChar char="•"/>
               <a:defRPr/>
             </a:lvl1pPr>
-            <a:lvl2pPr indent="-342900" lvl="1" marL="914400" algn="l">
+            <a:lvl2pPr marL="914400" lvl="1" indent="-342900" algn="l">
               <a:spcBef>
                 <a:spcPts val="360"/>
               </a:spcBef>
@@ -2279,7 +2354,7 @@
               <a:buChar char="–"/>
               <a:defRPr/>
             </a:lvl2pPr>
-            <a:lvl3pPr indent="-342900" lvl="2" marL="1371600" algn="l">
+            <a:lvl3pPr marL="1371600" lvl="2" indent="-342900" algn="l">
               <a:spcBef>
                 <a:spcPts val="360"/>
               </a:spcBef>
@@ -2293,7 +2368,7 @@
               <a:buChar char="•"/>
               <a:defRPr/>
             </a:lvl3pPr>
-            <a:lvl4pPr indent="-342900" lvl="3" marL="1828800" algn="l">
+            <a:lvl4pPr marL="1828800" lvl="3" indent="-342900" algn="l">
               <a:spcBef>
                 <a:spcPts val="360"/>
               </a:spcBef>
@@ -2307,7 +2382,7 @@
               <a:buChar char="–"/>
               <a:defRPr/>
             </a:lvl4pPr>
-            <a:lvl5pPr indent="-342900" lvl="4" marL="2286000" algn="l">
+            <a:lvl5pPr marL="2286000" lvl="4" indent="-342900" algn="l">
               <a:spcBef>
                 <a:spcPts val="360"/>
               </a:spcBef>
@@ -2321,7 +2396,7 @@
               <a:buChar char="»"/>
               <a:defRPr/>
             </a:lvl5pPr>
-            <a:lvl6pPr indent="-342900" lvl="5" marL="2743200" algn="l">
+            <a:lvl6pPr marL="2743200" lvl="5" indent="-342900" algn="l">
               <a:spcBef>
                 <a:spcPts val="360"/>
               </a:spcBef>
@@ -2335,7 +2410,7 @@
               <a:buChar char="•"/>
               <a:defRPr/>
             </a:lvl6pPr>
-            <a:lvl7pPr indent="-342900" lvl="6" marL="3200400" algn="l">
+            <a:lvl7pPr marL="3200400" lvl="6" indent="-342900" algn="l">
               <a:spcBef>
                 <a:spcPts val="360"/>
               </a:spcBef>
@@ -2349,7 +2424,7 @@
               <a:buChar char="•"/>
               <a:defRPr/>
             </a:lvl7pPr>
-            <a:lvl8pPr indent="-342900" lvl="7" marL="3657600" algn="l">
+            <a:lvl8pPr marL="3657600" lvl="7" indent="-342900" algn="l">
               <a:spcBef>
                 <a:spcPts val="360"/>
               </a:spcBef>
@@ -2363,7 +2438,7 @@
               <a:buChar char="•"/>
               <a:defRPr/>
             </a:lvl8pPr>
-            <a:lvl9pPr indent="-342900" lvl="8" marL="4114800" algn="l">
+            <a:lvl9pPr marL="4114800" lvl="8" indent="-342900" algn="l">
               <a:spcBef>
                 <a:spcPts val="360"/>
               </a:spcBef>
@@ -2378,15 +2453,19 @@
               <a:defRPr/>
             </a:lvl9pPr>
           </a:lstStyle>
-          <a:p/>
+          <a:p>
+            <a:endParaRPr/>
+          </a:p>
         </p:txBody>
       </p:sp>
       <p:sp>
         <p:nvSpPr>
           <p:cNvPr id="70" name="Google Shape;70;p14"/>
-          <p:cNvSpPr txBox="1"/>
+          <p:cNvSpPr txBox="1">
+            <a:spLocks noGrp="1"/>
+          </p:cNvSpPr>
           <p:nvPr>
-            <p:ph idx="10" type="dt"/>
+            <p:ph type="dt" idx="10"/>
           </p:nvPr>
         </p:nvSpPr>
         <p:spPr>
@@ -2403,7 +2482,7 @@
           </a:ln>
         </p:spPr>
         <p:txBody>
-          <a:bodyPr anchorCtr="0" anchor="ctr" bIns="45700" lIns="91425" spcFirstLastPara="1" rIns="91425" wrap="square" tIns="45700">
+          <a:bodyPr spcFirstLastPara="1" wrap="square" lIns="91425" tIns="45700" rIns="91425" bIns="45700" anchor="ctr" anchorCtr="0">
             <a:noAutofit/>
           </a:bodyPr>
           <a:lstStyle>
@@ -2507,15 +2586,19 @@
               <a:defRPr/>
             </a:lvl9pPr>
           </a:lstStyle>
-          <a:p/>
+          <a:p>
+            <a:endParaRPr/>
+          </a:p>
         </p:txBody>
       </p:sp>
       <p:sp>
         <p:nvSpPr>
           <p:cNvPr id="71" name="Google Shape;71;p14"/>
-          <p:cNvSpPr txBox="1"/>
+          <p:cNvSpPr txBox="1">
+            <a:spLocks noGrp="1"/>
+          </p:cNvSpPr>
           <p:nvPr>
-            <p:ph idx="11" type="ftr"/>
+            <p:ph type="ftr" idx="11"/>
           </p:nvPr>
         </p:nvSpPr>
         <p:spPr>
@@ -2532,7 +2615,7 @@
           </a:ln>
         </p:spPr>
         <p:txBody>
-          <a:bodyPr anchorCtr="0" anchor="ctr" bIns="45700" lIns="91425" spcFirstLastPara="1" rIns="91425" wrap="square" tIns="45700">
+          <a:bodyPr spcFirstLastPara="1" wrap="square" lIns="91425" tIns="45700" rIns="91425" bIns="45700" anchor="ctr" anchorCtr="0">
             <a:noAutofit/>
           </a:bodyPr>
           <a:lstStyle>
@@ -2636,15 +2719,19 @@
               <a:defRPr/>
             </a:lvl9pPr>
           </a:lstStyle>
-          <a:p/>
+          <a:p>
+            <a:endParaRPr/>
+          </a:p>
         </p:txBody>
       </p:sp>
       <p:sp>
         <p:nvSpPr>
           <p:cNvPr id="72" name="Google Shape;72;p14"/>
-          <p:cNvSpPr txBox="1"/>
+          <p:cNvSpPr txBox="1">
+            <a:spLocks noGrp="1"/>
+          </p:cNvSpPr>
           <p:nvPr>
-            <p:ph idx="12" type="sldNum"/>
+            <p:ph type="sldNum" idx="12"/>
           </p:nvPr>
         </p:nvSpPr>
         <p:spPr>
@@ -2661,67 +2748,67 @@
           </a:ln>
         </p:spPr>
         <p:txBody>
-          <a:bodyPr anchorCtr="0" anchor="ctr" bIns="45700" lIns="91425" spcFirstLastPara="1" rIns="91425" wrap="square" tIns="45700">
+          <a:bodyPr spcFirstLastPara="1" wrap="square" lIns="91425" tIns="45700" rIns="91425" bIns="45700" anchor="ctr" anchorCtr="0">
             <a:noAutofit/>
           </a:bodyPr>
           <a:lstStyle>
-            <a:lvl1pPr indent="0" lvl="0" marL="0" algn="r">
+            <a:lvl1pPr marL="0" lvl="0" indent="0" algn="r">
               <a:spcBef>
                 <a:spcPts val="0"/>
               </a:spcBef>
               <a:buNone/>
               <a:defRPr/>
             </a:lvl1pPr>
-            <a:lvl2pPr indent="0" lvl="1" marL="0" algn="r">
+            <a:lvl2pPr marL="0" lvl="1" indent="0" algn="r">
               <a:spcBef>
                 <a:spcPts val="0"/>
               </a:spcBef>
               <a:buNone/>
               <a:defRPr/>
             </a:lvl2pPr>
-            <a:lvl3pPr indent="0" lvl="2" marL="0" algn="r">
+            <a:lvl3pPr marL="0" lvl="2" indent="0" algn="r">
               <a:spcBef>
                 <a:spcPts val="0"/>
               </a:spcBef>
               <a:buNone/>
               <a:defRPr/>
             </a:lvl3pPr>
-            <a:lvl4pPr indent="0" lvl="3" marL="0" algn="r">
+            <a:lvl4pPr marL="0" lvl="3" indent="0" algn="r">
               <a:spcBef>
                 <a:spcPts val="0"/>
               </a:spcBef>
               <a:buNone/>
               <a:defRPr/>
             </a:lvl4pPr>
-            <a:lvl5pPr indent="0" lvl="4" marL="0" algn="r">
+            <a:lvl5pPr marL="0" lvl="4" indent="0" algn="r">
               <a:spcBef>
                 <a:spcPts val="0"/>
               </a:spcBef>
               <a:buNone/>
               <a:defRPr/>
             </a:lvl5pPr>
-            <a:lvl6pPr indent="0" lvl="5" marL="0" algn="r">
+            <a:lvl6pPr marL="0" lvl="5" indent="0" algn="r">
               <a:spcBef>
                 <a:spcPts val="0"/>
               </a:spcBef>
               <a:buNone/>
               <a:defRPr/>
             </a:lvl6pPr>
-            <a:lvl7pPr indent="0" lvl="6" marL="0" algn="r">
+            <a:lvl7pPr marL="0" lvl="6" indent="0" algn="r">
               <a:spcBef>
                 <a:spcPts val="0"/>
               </a:spcBef>
               <a:buNone/>
               <a:defRPr/>
             </a:lvl7pPr>
-            <a:lvl8pPr indent="0" lvl="7" marL="0" algn="r">
+            <a:lvl8pPr marL="0" lvl="7" indent="0" algn="r">
               <a:spcBef>
                 <a:spcPts val="0"/>
               </a:spcBef>
               <a:buNone/>
               <a:defRPr/>
             </a:lvl8pPr>
-            <a:lvl9pPr indent="0" lvl="8" marL="0" algn="r">
+            <a:lvl9pPr marL="0" lvl="8" indent="0" algn="r">
               <a:spcBef>
                 <a:spcPts val="0"/>
               </a:spcBef>
@@ -2730,7 +2817,7 @@
             </a:lvl9pPr>
           </a:lstStyle>
           <a:p>
-            <a:pPr indent="0" lvl="0" marL="0" rtl="0" algn="r">
+            <a:pPr marL="0" lvl="0" indent="0" algn="r" rtl="0">
               <a:spcBef>
                 <a:spcPts val="0"/>
               </a:spcBef>
@@ -2750,7 +2837,9 @@
       <p:sp>
         <p:nvSpPr>
           <p:cNvPr id="73" name="Google Shape;73;p14"/>
-          <p:cNvSpPr txBox="1"/>
+          <p:cNvSpPr txBox="1">
+            <a:spLocks noGrp="1"/>
+          </p:cNvSpPr>
           <p:nvPr>
             <p:ph type="title"/>
           </p:nvPr>
@@ -2769,7 +2858,7 @@
           </a:ln>
         </p:spPr>
         <p:txBody>
-          <a:bodyPr anchorCtr="0" anchor="ctr" bIns="45700" lIns="91425" spcFirstLastPara="1" rIns="91425" wrap="square" tIns="45700">
+          <a:bodyPr spcFirstLastPara="1" wrap="square" lIns="91425" tIns="45700" rIns="91425" bIns="45700" anchor="ctr" anchorCtr="0">
             <a:noAutofit/>
           </a:bodyPr>
           <a:lstStyle>
@@ -2786,7 +2875,7 @@
               <a:buSzPts val="3600"/>
               <a:buFont typeface="Calibri"/>
               <a:buNone/>
-              <a:defRPr b="1" sz="3600">
+              <a:defRPr sz="3600" b="1">
                 <a:solidFill>
                   <a:srgbClr val="FFC000"/>
                 </a:solidFill>
@@ -2881,7 +2970,9 @@
               <a:defRPr/>
             </a:lvl9pPr>
           </a:lstStyle>
-          <a:p/>
+          <a:p>
+            <a:endParaRPr/>
+          </a:p>
         </p:txBody>
       </p:sp>
     </p:spTree>
@@ -2893,11 +2984,11 @@
 </file>
 
 <file path=ppt/slideLayouts/slideLayout11.xml><?xml version="1.0" encoding="utf-8"?>
-<p:sldLayout xmlns:a="http://schemas.openxmlformats.org/drawingml/2006/main" xmlns:r="http://schemas.openxmlformats.org/officeDocument/2006/relationships" xmlns:mc="http://schemas.openxmlformats.org/markup-compatibility/2006" xmlns:mv="urn:schemas-microsoft-com:mac:vml" xmlns:p="http://schemas.openxmlformats.org/presentationml/2006/main" xmlns:c="http://schemas.openxmlformats.org/drawingml/2006/chart" xmlns:dgm="http://schemas.openxmlformats.org/drawingml/2006/diagram" xmlns:o="urn:schemas-microsoft-com:office:office" xmlns:v="urn:schemas-microsoft-com:vml" xmlns:pvml="urn:schemas-microsoft-com:office:powerpoint" xmlns:com="http://schemas.openxmlformats.org/drawingml/2006/compatibility" xmlns:p14="http://schemas.microsoft.com/office/powerpoint/2010/main" xmlns:p15="http://schemas.microsoft.com/office/powerpoint/2012/main" xmlns:ahyp="http://schemas.microsoft.com/office/drawing/2018/hyperlinkcolor" matchingName="Vertical Title and Text" type="vertTitleAndTx">
+<p:sldLayout xmlns:a="http://schemas.openxmlformats.org/drawingml/2006/main" xmlns:r="http://schemas.openxmlformats.org/officeDocument/2006/relationships" xmlns:p="http://schemas.openxmlformats.org/presentationml/2006/main" matchingName="Vertical Title and Text" type="vertTitleAndTx">
   <p:cSld name="VERTICAL_TITLE_AND_VERTICAL_TEXT">
     <p:spTree>
       <p:nvGrpSpPr>
-        <p:cNvPr id="74" name="Shape 74"/>
+        <p:cNvPr id="1" name="Shape 74"/>
         <p:cNvGrpSpPr/>
         <p:nvPr/>
       </p:nvGrpSpPr>
@@ -2912,7 +3003,9 @@
       <p:sp>
         <p:nvSpPr>
           <p:cNvPr id="75" name="Google Shape;75;p15"/>
-          <p:cNvSpPr txBox="1"/>
+          <p:cNvSpPr txBox="1">
+            <a:spLocks noGrp="1"/>
+          </p:cNvSpPr>
           <p:nvPr>
             <p:ph type="title"/>
           </p:nvPr>
@@ -2931,7 +3024,7 @@
           </a:ln>
         </p:spPr>
         <p:txBody>
-          <a:bodyPr anchorCtr="0" anchor="ctr" bIns="45700" lIns="91425" spcFirstLastPara="1" rIns="91425" wrap="square" tIns="45700">
+          <a:bodyPr spcFirstLastPara="1" wrap="square" lIns="91425" tIns="45700" rIns="91425" bIns="45700" anchor="ctr" anchorCtr="0">
             <a:normAutofit/>
           </a:bodyPr>
           <a:lstStyle>
@@ -3038,15 +3131,19 @@
               <a:defRPr/>
             </a:lvl9pPr>
           </a:lstStyle>
-          <a:p/>
+          <a:p>
+            <a:endParaRPr/>
+          </a:p>
         </p:txBody>
       </p:sp>
       <p:sp>
         <p:nvSpPr>
           <p:cNvPr id="76" name="Google Shape;76;p15"/>
-          <p:cNvSpPr txBox="1"/>
+          <p:cNvSpPr txBox="1">
+            <a:spLocks noGrp="1"/>
+          </p:cNvSpPr>
           <p:nvPr>
-            <p:ph idx="1" type="body"/>
+            <p:ph type="body" idx="1"/>
           </p:nvPr>
         </p:nvSpPr>
         <p:spPr>
@@ -3063,11 +3160,11 @@
           </a:ln>
         </p:spPr>
         <p:txBody>
-          <a:bodyPr anchorCtr="0" anchor="t" bIns="45700" lIns="91425" spcFirstLastPara="1" rIns="91425" wrap="square" tIns="45700">
+          <a:bodyPr spcFirstLastPara="1" wrap="square" lIns="91425" tIns="45700" rIns="91425" bIns="45700" anchor="t" anchorCtr="0">
             <a:normAutofit/>
           </a:bodyPr>
           <a:lstStyle>
-            <a:lvl1pPr indent="-342900" lvl="0" marL="457200" algn="l">
+            <a:lvl1pPr marL="457200" lvl="0" indent="-342900" algn="l">
               <a:spcBef>
                 <a:spcPts val="360"/>
               </a:spcBef>
@@ -3081,7 +3178,7 @@
               <a:buChar char="•"/>
               <a:defRPr/>
             </a:lvl1pPr>
-            <a:lvl2pPr indent="-342900" lvl="1" marL="914400" algn="l">
+            <a:lvl2pPr marL="914400" lvl="1" indent="-342900" algn="l">
               <a:spcBef>
                 <a:spcPts val="360"/>
               </a:spcBef>
@@ -3095,7 +3192,7 @@
               <a:buChar char="–"/>
               <a:defRPr/>
             </a:lvl2pPr>
-            <a:lvl3pPr indent="-342900" lvl="2" marL="1371600" algn="l">
+            <a:lvl3pPr marL="1371600" lvl="2" indent="-342900" algn="l">
               <a:spcBef>
                 <a:spcPts val="360"/>
               </a:spcBef>
@@ -3109,7 +3206,7 @@
               <a:buChar char="•"/>
               <a:defRPr/>
             </a:lvl3pPr>
-            <a:lvl4pPr indent="-342900" lvl="3" marL="1828800" algn="l">
+            <a:lvl4pPr marL="1828800" lvl="3" indent="-342900" algn="l">
               <a:spcBef>
                 <a:spcPts val="360"/>
               </a:spcBef>
@@ -3123,7 +3220,7 @@
               <a:buChar char="–"/>
               <a:defRPr/>
             </a:lvl4pPr>
-            <a:lvl5pPr indent="-342900" lvl="4" marL="2286000" algn="l">
+            <a:lvl5pPr marL="2286000" lvl="4" indent="-342900" algn="l">
               <a:spcBef>
                 <a:spcPts val="360"/>
               </a:spcBef>
@@ -3137,7 +3234,7 @@
               <a:buChar char="»"/>
               <a:defRPr/>
             </a:lvl5pPr>
-            <a:lvl6pPr indent="-342900" lvl="5" marL="2743200" algn="l">
+            <a:lvl6pPr marL="2743200" lvl="5" indent="-342900" algn="l">
               <a:spcBef>
                 <a:spcPts val="360"/>
               </a:spcBef>
@@ -3151,7 +3248,7 @@
               <a:buChar char="•"/>
               <a:defRPr/>
             </a:lvl6pPr>
-            <a:lvl7pPr indent="-342900" lvl="6" marL="3200400" algn="l">
+            <a:lvl7pPr marL="3200400" lvl="6" indent="-342900" algn="l">
               <a:spcBef>
                 <a:spcPts val="360"/>
               </a:spcBef>
@@ -3165,7 +3262,7 @@
               <a:buChar char="•"/>
               <a:defRPr/>
             </a:lvl7pPr>
-            <a:lvl8pPr indent="-342900" lvl="7" marL="3657600" algn="l">
+            <a:lvl8pPr marL="3657600" lvl="7" indent="-342900" algn="l">
               <a:spcBef>
                 <a:spcPts val="360"/>
               </a:spcBef>
@@ -3179,7 +3276,7 @@
               <a:buChar char="•"/>
               <a:defRPr/>
             </a:lvl8pPr>
-            <a:lvl9pPr indent="-342900" lvl="8" marL="4114800" algn="l">
+            <a:lvl9pPr marL="4114800" lvl="8" indent="-342900" algn="l">
               <a:spcBef>
                 <a:spcPts val="360"/>
               </a:spcBef>
@@ -3194,15 +3291,19 @@
               <a:defRPr/>
             </a:lvl9pPr>
           </a:lstStyle>
-          <a:p/>
+          <a:p>
+            <a:endParaRPr/>
+          </a:p>
         </p:txBody>
       </p:sp>
       <p:sp>
         <p:nvSpPr>
           <p:cNvPr id="77" name="Google Shape;77;p15"/>
-          <p:cNvSpPr txBox="1"/>
+          <p:cNvSpPr txBox="1">
+            <a:spLocks noGrp="1"/>
+          </p:cNvSpPr>
           <p:nvPr>
-            <p:ph idx="10" type="dt"/>
+            <p:ph type="dt" idx="10"/>
           </p:nvPr>
         </p:nvSpPr>
         <p:spPr>
@@ -3219,7 +3320,7 @@
           </a:ln>
         </p:spPr>
         <p:txBody>
-          <a:bodyPr anchorCtr="0" anchor="ctr" bIns="45700" lIns="91425" spcFirstLastPara="1" rIns="91425" wrap="square" tIns="45700">
+          <a:bodyPr spcFirstLastPara="1" wrap="square" lIns="91425" tIns="45700" rIns="91425" bIns="45700" anchor="ctr" anchorCtr="0">
             <a:noAutofit/>
           </a:bodyPr>
           <a:lstStyle>
@@ -3323,15 +3424,19 @@
               <a:defRPr/>
             </a:lvl9pPr>
           </a:lstStyle>
-          <a:p/>
+          <a:p>
+            <a:endParaRPr/>
+          </a:p>
         </p:txBody>
       </p:sp>
       <p:sp>
         <p:nvSpPr>
           <p:cNvPr id="78" name="Google Shape;78;p15"/>
-          <p:cNvSpPr txBox="1"/>
+          <p:cNvSpPr txBox="1">
+            <a:spLocks noGrp="1"/>
+          </p:cNvSpPr>
           <p:nvPr>
-            <p:ph idx="11" type="ftr"/>
+            <p:ph type="ftr" idx="11"/>
           </p:nvPr>
         </p:nvSpPr>
         <p:spPr>
@@ -3348,7 +3453,7 @@
           </a:ln>
         </p:spPr>
         <p:txBody>
-          <a:bodyPr anchorCtr="0" anchor="ctr" bIns="45700" lIns="91425" spcFirstLastPara="1" rIns="91425" wrap="square" tIns="45700">
+          <a:bodyPr spcFirstLastPara="1" wrap="square" lIns="91425" tIns="45700" rIns="91425" bIns="45700" anchor="ctr" anchorCtr="0">
             <a:noAutofit/>
           </a:bodyPr>
           <a:lstStyle>
@@ -3452,15 +3557,19 @@
               <a:defRPr/>
             </a:lvl9pPr>
           </a:lstStyle>
-          <a:p/>
+          <a:p>
+            <a:endParaRPr/>
+          </a:p>
         </p:txBody>
       </p:sp>
       <p:sp>
         <p:nvSpPr>
           <p:cNvPr id="79" name="Google Shape;79;p15"/>
-          <p:cNvSpPr txBox="1"/>
+          <p:cNvSpPr txBox="1">
+            <a:spLocks noGrp="1"/>
+          </p:cNvSpPr>
           <p:nvPr>
-            <p:ph idx="12" type="sldNum"/>
+            <p:ph type="sldNum" idx="12"/>
           </p:nvPr>
         </p:nvSpPr>
         <p:spPr>
@@ -3477,67 +3586,67 @@
           </a:ln>
         </p:spPr>
         <p:txBody>
-          <a:bodyPr anchorCtr="0" anchor="ctr" bIns="45700" lIns="91425" spcFirstLastPara="1" rIns="91425" wrap="square" tIns="45700">
+          <a:bodyPr spcFirstLastPara="1" wrap="square" lIns="91425" tIns="45700" rIns="91425" bIns="45700" anchor="ctr" anchorCtr="0">
             <a:noAutofit/>
           </a:bodyPr>
           <a:lstStyle>
-            <a:lvl1pPr indent="0" lvl="0" marL="0" algn="r">
+            <a:lvl1pPr marL="0" lvl="0" indent="0" algn="r">
               <a:spcBef>
                 <a:spcPts val="0"/>
               </a:spcBef>
               <a:buNone/>
               <a:defRPr/>
             </a:lvl1pPr>
-            <a:lvl2pPr indent="0" lvl="1" marL="0" algn="r">
+            <a:lvl2pPr marL="0" lvl="1" indent="0" algn="r">
               <a:spcBef>
                 <a:spcPts val="0"/>
               </a:spcBef>
               <a:buNone/>
               <a:defRPr/>
             </a:lvl2pPr>
-            <a:lvl3pPr indent="0" lvl="2" marL="0" algn="r">
+            <a:lvl3pPr marL="0" lvl="2" indent="0" algn="r">
               <a:spcBef>
                 <a:spcPts val="0"/>
               </a:spcBef>
               <a:buNone/>
               <a:defRPr/>
             </a:lvl3pPr>
-            <a:lvl4pPr indent="0" lvl="3" marL="0" algn="r">
+            <a:lvl4pPr marL="0" lvl="3" indent="0" algn="r">
               <a:spcBef>
                 <a:spcPts val="0"/>
               </a:spcBef>
               <a:buNone/>
               <a:defRPr/>
             </a:lvl4pPr>
-            <a:lvl5pPr indent="0" lvl="4" marL="0" algn="r">
+            <a:lvl5pPr marL="0" lvl="4" indent="0" algn="r">
               <a:spcBef>
                 <a:spcPts val="0"/>
               </a:spcBef>
               <a:buNone/>
               <a:defRPr/>
             </a:lvl5pPr>
-            <a:lvl6pPr indent="0" lvl="5" marL="0" algn="r">
+            <a:lvl6pPr marL="0" lvl="5" indent="0" algn="r">
               <a:spcBef>
                 <a:spcPts val="0"/>
               </a:spcBef>
               <a:buNone/>
               <a:defRPr/>
             </a:lvl6pPr>
-            <a:lvl7pPr indent="0" lvl="6" marL="0" algn="r">
+            <a:lvl7pPr marL="0" lvl="6" indent="0" algn="r">
               <a:spcBef>
                 <a:spcPts val="0"/>
               </a:spcBef>
               <a:buNone/>
               <a:defRPr/>
             </a:lvl7pPr>
-            <a:lvl8pPr indent="0" lvl="7" marL="0" algn="r">
+            <a:lvl8pPr marL="0" lvl="7" indent="0" algn="r">
               <a:spcBef>
                 <a:spcPts val="0"/>
               </a:spcBef>
               <a:buNone/>
               <a:defRPr/>
             </a:lvl8pPr>
-            <a:lvl9pPr indent="0" lvl="8" marL="0" algn="r">
+            <a:lvl9pPr marL="0" lvl="8" indent="0" algn="r">
               <a:spcBef>
                 <a:spcPts val="0"/>
               </a:spcBef>
@@ -3546,7 +3655,7 @@
             </a:lvl9pPr>
           </a:lstStyle>
           <a:p>
-            <a:pPr indent="0" lvl="0" marL="0" rtl="0" algn="r">
+            <a:pPr marL="0" lvl="0" indent="0" algn="r" rtl="0">
               <a:spcBef>
                 <a:spcPts val="0"/>
               </a:spcBef>
@@ -3572,11 +3681,11 @@
 </file>
 
 <file path=ppt/slideLayouts/slideLayout2.xml><?xml version="1.0" encoding="utf-8"?>
-<p:sldLayout xmlns:a="http://schemas.openxmlformats.org/drawingml/2006/main" xmlns:r="http://schemas.openxmlformats.org/officeDocument/2006/relationships" xmlns:mc="http://schemas.openxmlformats.org/markup-compatibility/2006" xmlns:mv="urn:schemas-microsoft-com:mac:vml" xmlns:p="http://schemas.openxmlformats.org/presentationml/2006/main" xmlns:c="http://schemas.openxmlformats.org/drawingml/2006/chart" xmlns:dgm="http://schemas.openxmlformats.org/drawingml/2006/diagram" xmlns:o="urn:schemas-microsoft-com:office:office" xmlns:v="urn:schemas-microsoft-com:vml" xmlns:pvml="urn:schemas-microsoft-com:office:powerpoint" xmlns:com="http://schemas.openxmlformats.org/drawingml/2006/compatibility" xmlns:p14="http://schemas.microsoft.com/office/powerpoint/2010/main" xmlns:p15="http://schemas.microsoft.com/office/powerpoint/2012/main" xmlns:ahyp="http://schemas.microsoft.com/office/drawing/2018/hyperlinkcolor" matchingName="Title and Content" type="obj">
+<p:sldLayout xmlns:a="http://schemas.openxmlformats.org/drawingml/2006/main" xmlns:r="http://schemas.openxmlformats.org/officeDocument/2006/relationships" xmlns:p="http://schemas.openxmlformats.org/presentationml/2006/main" matchingName="Title and Content" type="obj">
   <p:cSld name="OBJECT">
     <p:spTree>
       <p:nvGrpSpPr>
-        <p:cNvPr id="17" name="Shape 17"/>
+        <p:cNvPr id="1" name="Shape 17"/>
         <p:cNvGrpSpPr/>
         <p:nvPr/>
       </p:nvGrpSpPr>
@@ -3591,7 +3700,9 @@
       <p:sp>
         <p:nvSpPr>
           <p:cNvPr id="18" name="Google Shape;18;p6"/>
-          <p:cNvSpPr txBox="1"/>
+          <p:cNvSpPr txBox="1">
+            <a:spLocks noGrp="1"/>
+          </p:cNvSpPr>
           <p:nvPr>
             <p:ph type="title"/>
           </p:nvPr>
@@ -3610,7 +3721,7 @@
           </a:ln>
         </p:spPr>
         <p:txBody>
-          <a:bodyPr anchorCtr="0" anchor="ctr" bIns="45700" lIns="91425" spcFirstLastPara="1" rIns="91425" wrap="square" tIns="45700">
+          <a:bodyPr spcFirstLastPara="1" wrap="square" lIns="91425" tIns="45700" rIns="91425" bIns="45700" anchor="ctr" anchorCtr="0">
             <a:noAutofit/>
           </a:bodyPr>
           <a:lstStyle>
@@ -3627,7 +3738,7 @@
               <a:buSzPts val="3600"/>
               <a:buFont typeface="Calibri"/>
               <a:buNone/>
-              <a:defRPr b="1" sz="3600">
+              <a:defRPr sz="3600" b="1">
                 <a:solidFill>
                   <a:srgbClr val="FFC000"/>
                 </a:solidFill>
@@ -3722,15 +3833,19 @@
               <a:defRPr/>
             </a:lvl9pPr>
           </a:lstStyle>
-          <a:p/>
+          <a:p>
+            <a:endParaRPr/>
+          </a:p>
         </p:txBody>
       </p:sp>
       <p:sp>
         <p:nvSpPr>
           <p:cNvPr id="19" name="Google Shape;19;p6"/>
-          <p:cNvSpPr txBox="1"/>
+          <p:cNvSpPr txBox="1">
+            <a:spLocks noGrp="1"/>
+          </p:cNvSpPr>
           <p:nvPr>
-            <p:ph idx="1" type="body"/>
+            <p:ph type="body" idx="1"/>
           </p:nvPr>
         </p:nvSpPr>
         <p:spPr>
@@ -3747,11 +3862,11 @@
           </a:ln>
         </p:spPr>
         <p:txBody>
-          <a:bodyPr anchorCtr="0" anchor="t" bIns="45700" lIns="91425" spcFirstLastPara="1" rIns="91425" wrap="square" tIns="45700">
+          <a:bodyPr spcFirstLastPara="1" wrap="square" lIns="91425" tIns="45700" rIns="91425" bIns="45700" anchor="t" anchorCtr="0">
             <a:normAutofit/>
           </a:bodyPr>
           <a:lstStyle>
-            <a:lvl1pPr indent="-381000" lvl="0" marL="457200" algn="l">
+            <a:lvl1pPr marL="457200" lvl="0" indent="-381000" algn="l">
               <a:spcBef>
                 <a:spcPts val="480"/>
               </a:spcBef>
@@ -3765,7 +3880,7 @@
               <a:buChar char="•"/>
               <a:defRPr sz="2400"/>
             </a:lvl1pPr>
-            <a:lvl2pPr indent="-355600" lvl="1" marL="914400" algn="l">
+            <a:lvl2pPr marL="914400" lvl="1" indent="-355600" algn="l">
               <a:spcBef>
                 <a:spcPts val="400"/>
               </a:spcBef>
@@ -3779,7 +3894,7 @@
               <a:buChar char="–"/>
               <a:defRPr sz="2000"/>
             </a:lvl2pPr>
-            <a:lvl3pPr indent="-342900" lvl="2" marL="1371600" algn="l">
+            <a:lvl3pPr marL="1371600" lvl="2" indent="-342900" algn="l">
               <a:spcBef>
                 <a:spcPts val="360"/>
               </a:spcBef>
@@ -3793,7 +3908,7 @@
               <a:buChar char="•"/>
               <a:defRPr sz="1800"/>
             </a:lvl3pPr>
-            <a:lvl4pPr indent="-330200" lvl="3" marL="1828800" algn="l">
+            <a:lvl4pPr marL="1828800" lvl="3" indent="-330200" algn="l">
               <a:spcBef>
                 <a:spcPts val="320"/>
               </a:spcBef>
@@ -3807,7 +3922,7 @@
               <a:buChar char="–"/>
               <a:defRPr sz="1600"/>
             </a:lvl4pPr>
-            <a:lvl5pPr indent="-330200" lvl="4" marL="2286000" algn="l">
+            <a:lvl5pPr marL="2286000" lvl="4" indent="-330200" algn="l">
               <a:spcBef>
                 <a:spcPts val="320"/>
               </a:spcBef>
@@ -3821,7 +3936,7 @@
               <a:buChar char="»"/>
               <a:defRPr sz="1600"/>
             </a:lvl5pPr>
-            <a:lvl6pPr indent="-342900" lvl="5" marL="2743200" algn="l">
+            <a:lvl6pPr marL="2743200" lvl="5" indent="-342900" algn="l">
               <a:spcBef>
                 <a:spcPts val="360"/>
               </a:spcBef>
@@ -3835,7 +3950,7 @@
               <a:buChar char="•"/>
               <a:defRPr/>
             </a:lvl6pPr>
-            <a:lvl7pPr indent="-342900" lvl="6" marL="3200400" algn="l">
+            <a:lvl7pPr marL="3200400" lvl="6" indent="-342900" algn="l">
               <a:spcBef>
                 <a:spcPts val="360"/>
               </a:spcBef>
@@ -3849,7 +3964,7 @@
               <a:buChar char="•"/>
               <a:defRPr/>
             </a:lvl7pPr>
-            <a:lvl8pPr indent="-342900" lvl="7" marL="3657600" algn="l">
+            <a:lvl8pPr marL="3657600" lvl="7" indent="-342900" algn="l">
               <a:spcBef>
                 <a:spcPts val="360"/>
               </a:spcBef>
@@ -3863,7 +3978,7 @@
               <a:buChar char="•"/>
               <a:defRPr/>
             </a:lvl8pPr>
-            <a:lvl9pPr indent="-342900" lvl="8" marL="4114800" algn="l">
+            <a:lvl9pPr marL="4114800" lvl="8" indent="-342900" algn="l">
               <a:spcBef>
                 <a:spcPts val="360"/>
               </a:spcBef>
@@ -3878,15 +3993,19 @@
               <a:defRPr/>
             </a:lvl9pPr>
           </a:lstStyle>
-          <a:p/>
+          <a:p>
+            <a:endParaRPr/>
+          </a:p>
         </p:txBody>
       </p:sp>
       <p:sp>
         <p:nvSpPr>
           <p:cNvPr id="20" name="Google Shape;20;p6"/>
-          <p:cNvSpPr txBox="1"/>
+          <p:cNvSpPr txBox="1">
+            <a:spLocks noGrp="1"/>
+          </p:cNvSpPr>
           <p:nvPr>
-            <p:ph idx="10" type="dt"/>
+            <p:ph type="dt" idx="10"/>
           </p:nvPr>
         </p:nvSpPr>
         <p:spPr>
@@ -3903,7 +4022,7 @@
           </a:ln>
         </p:spPr>
         <p:txBody>
-          <a:bodyPr anchorCtr="0" anchor="ctr" bIns="45700" lIns="91425" spcFirstLastPara="1" rIns="91425" wrap="square" tIns="45700">
+          <a:bodyPr spcFirstLastPara="1" wrap="square" lIns="91425" tIns="45700" rIns="91425" bIns="45700" anchor="ctr" anchorCtr="0">
             <a:noAutofit/>
           </a:bodyPr>
           <a:lstStyle>
@@ -4007,15 +4126,19 @@
               <a:defRPr/>
             </a:lvl9pPr>
           </a:lstStyle>
-          <a:p/>
+          <a:p>
+            <a:endParaRPr/>
+          </a:p>
         </p:txBody>
       </p:sp>
       <p:sp>
         <p:nvSpPr>
           <p:cNvPr id="21" name="Google Shape;21;p6"/>
-          <p:cNvSpPr txBox="1"/>
+          <p:cNvSpPr txBox="1">
+            <a:spLocks noGrp="1"/>
+          </p:cNvSpPr>
           <p:nvPr>
-            <p:ph idx="11" type="ftr"/>
+            <p:ph type="ftr" idx="11"/>
           </p:nvPr>
         </p:nvSpPr>
         <p:spPr>
@@ -4032,7 +4155,7 @@
           </a:ln>
         </p:spPr>
         <p:txBody>
-          <a:bodyPr anchorCtr="0" anchor="ctr" bIns="45700" lIns="91425" spcFirstLastPara="1" rIns="91425" wrap="square" tIns="45700">
+          <a:bodyPr spcFirstLastPara="1" wrap="square" lIns="91425" tIns="45700" rIns="91425" bIns="45700" anchor="ctr" anchorCtr="0">
             <a:noAutofit/>
           </a:bodyPr>
           <a:lstStyle>
@@ -4136,15 +4259,19 @@
               <a:defRPr/>
             </a:lvl9pPr>
           </a:lstStyle>
-          <a:p/>
+          <a:p>
+            <a:endParaRPr/>
+          </a:p>
         </p:txBody>
       </p:sp>
       <p:sp>
         <p:nvSpPr>
           <p:cNvPr id="22" name="Google Shape;22;p6"/>
-          <p:cNvSpPr txBox="1"/>
+          <p:cNvSpPr txBox="1">
+            <a:spLocks noGrp="1"/>
+          </p:cNvSpPr>
           <p:nvPr>
-            <p:ph idx="12" type="sldNum"/>
+            <p:ph type="sldNum" idx="12"/>
           </p:nvPr>
         </p:nvSpPr>
         <p:spPr>
@@ -4161,67 +4288,67 @@
           </a:ln>
         </p:spPr>
         <p:txBody>
-          <a:bodyPr anchorCtr="0" anchor="ctr" bIns="45700" lIns="91425" spcFirstLastPara="1" rIns="91425" wrap="square" tIns="45700">
+          <a:bodyPr spcFirstLastPara="1" wrap="square" lIns="91425" tIns="45700" rIns="91425" bIns="45700" anchor="ctr" anchorCtr="0">
             <a:noAutofit/>
           </a:bodyPr>
           <a:lstStyle>
-            <a:lvl1pPr indent="0" lvl="0" marL="0" algn="r">
+            <a:lvl1pPr marL="0" lvl="0" indent="0" algn="r">
               <a:spcBef>
                 <a:spcPts val="0"/>
               </a:spcBef>
               <a:buNone/>
               <a:defRPr/>
             </a:lvl1pPr>
-            <a:lvl2pPr indent="0" lvl="1" marL="0" algn="r">
+            <a:lvl2pPr marL="0" lvl="1" indent="0" algn="r">
               <a:spcBef>
                 <a:spcPts val="0"/>
               </a:spcBef>
               <a:buNone/>
               <a:defRPr/>
             </a:lvl2pPr>
-            <a:lvl3pPr indent="0" lvl="2" marL="0" algn="r">
+            <a:lvl3pPr marL="0" lvl="2" indent="0" algn="r">
               <a:spcBef>
                 <a:spcPts val="0"/>
               </a:spcBef>
               <a:buNone/>
               <a:defRPr/>
             </a:lvl3pPr>
-            <a:lvl4pPr indent="0" lvl="3" marL="0" algn="r">
+            <a:lvl4pPr marL="0" lvl="3" indent="0" algn="r">
               <a:spcBef>
                 <a:spcPts val="0"/>
               </a:spcBef>
               <a:buNone/>
               <a:defRPr/>
             </a:lvl4pPr>
-            <a:lvl5pPr indent="0" lvl="4" marL="0" algn="r">
+            <a:lvl5pPr marL="0" lvl="4" indent="0" algn="r">
               <a:spcBef>
                 <a:spcPts val="0"/>
               </a:spcBef>
               <a:buNone/>
               <a:defRPr/>
             </a:lvl5pPr>
-            <a:lvl6pPr indent="0" lvl="5" marL="0" algn="r">
+            <a:lvl6pPr marL="0" lvl="5" indent="0" algn="r">
               <a:spcBef>
                 <a:spcPts val="0"/>
               </a:spcBef>
               <a:buNone/>
               <a:defRPr/>
             </a:lvl6pPr>
-            <a:lvl7pPr indent="0" lvl="6" marL="0" algn="r">
+            <a:lvl7pPr marL="0" lvl="6" indent="0" algn="r">
               <a:spcBef>
                 <a:spcPts val="0"/>
               </a:spcBef>
               <a:buNone/>
               <a:defRPr/>
             </a:lvl7pPr>
-            <a:lvl8pPr indent="0" lvl="7" marL="0" algn="r">
+            <a:lvl8pPr marL="0" lvl="7" indent="0" algn="r">
               <a:spcBef>
                 <a:spcPts val="0"/>
               </a:spcBef>
               <a:buNone/>
               <a:defRPr/>
             </a:lvl8pPr>
-            <a:lvl9pPr indent="0" lvl="8" marL="0" algn="r">
+            <a:lvl9pPr marL="0" lvl="8" indent="0" algn="r">
               <a:spcBef>
                 <a:spcPts val="0"/>
               </a:spcBef>
@@ -4230,7 +4357,7 @@
             </a:lvl9pPr>
           </a:lstStyle>
           <a:p>
-            <a:pPr indent="0" lvl="0" marL="0" rtl="0" algn="r">
+            <a:pPr marL="0" lvl="0" indent="0" algn="r" rtl="0">
               <a:spcBef>
                 <a:spcPts val="0"/>
               </a:spcBef>
@@ -4256,11 +4383,11 @@
 </file>
 
 <file path=ppt/slideLayouts/slideLayout3.xml><?xml version="1.0" encoding="utf-8"?>
-<p:sldLayout xmlns:a="http://schemas.openxmlformats.org/drawingml/2006/main" xmlns:r="http://schemas.openxmlformats.org/officeDocument/2006/relationships" xmlns:mc="http://schemas.openxmlformats.org/markup-compatibility/2006" xmlns:mv="urn:schemas-microsoft-com:mac:vml" xmlns:p="http://schemas.openxmlformats.org/presentationml/2006/main" xmlns:c="http://schemas.openxmlformats.org/drawingml/2006/chart" xmlns:dgm="http://schemas.openxmlformats.org/drawingml/2006/diagram" xmlns:o="urn:schemas-microsoft-com:office:office" xmlns:v="urn:schemas-microsoft-com:vml" xmlns:pvml="urn:schemas-microsoft-com:office:powerpoint" xmlns:com="http://schemas.openxmlformats.org/drawingml/2006/compatibility" xmlns:p14="http://schemas.microsoft.com/office/powerpoint/2010/main" xmlns:p15="http://schemas.microsoft.com/office/powerpoint/2012/main" xmlns:ahyp="http://schemas.microsoft.com/office/drawing/2018/hyperlinkcolor" matchingName="Section Header" type="secHead">
+<p:sldLayout xmlns:a="http://schemas.openxmlformats.org/drawingml/2006/main" xmlns:r="http://schemas.openxmlformats.org/officeDocument/2006/relationships" xmlns:p="http://schemas.openxmlformats.org/presentationml/2006/main" matchingName="Section Header" type="secHead">
   <p:cSld name="SECTION_HEADER">
     <p:spTree>
       <p:nvGrpSpPr>
-        <p:cNvPr id="23" name="Shape 23"/>
+        <p:cNvPr id="1" name="Shape 23"/>
         <p:cNvGrpSpPr/>
         <p:nvPr/>
       </p:nvGrpSpPr>
@@ -4275,7 +4402,9 @@
       <p:sp>
         <p:nvSpPr>
           <p:cNvPr id="24" name="Google Shape;24;p7"/>
-          <p:cNvSpPr txBox="1"/>
+          <p:cNvSpPr txBox="1">
+            <a:spLocks noGrp="1"/>
+          </p:cNvSpPr>
           <p:nvPr>
             <p:ph type="title"/>
           </p:nvPr>
@@ -4294,7 +4423,7 @@
           </a:ln>
         </p:spPr>
         <p:txBody>
-          <a:bodyPr anchorCtr="0" anchor="t" bIns="45700" lIns="91425" spcFirstLastPara="1" rIns="91425" wrap="square" tIns="45700">
+          <a:bodyPr spcFirstLastPara="1" wrap="square" lIns="91425" tIns="45700" rIns="91425" bIns="45700" anchor="t" anchorCtr="0">
             <a:normAutofit/>
           </a:bodyPr>
           <a:lstStyle>
@@ -4311,7 +4440,7 @@
               <a:buSzPts val="4000"/>
               <a:buFont typeface="Calibri"/>
               <a:buNone/>
-              <a:defRPr b="1" sz="4000" cap="none"/>
+              <a:defRPr sz="4000" b="1" cap="none"/>
             </a:lvl1pPr>
             <a:lvl2pPr lvl="1">
               <a:spcBef>
@@ -4402,15 +4531,19 @@
               <a:defRPr/>
             </a:lvl9pPr>
           </a:lstStyle>
-          <a:p/>
+          <a:p>
+            <a:endParaRPr/>
+          </a:p>
         </p:txBody>
       </p:sp>
       <p:sp>
         <p:nvSpPr>
           <p:cNvPr id="25" name="Google Shape;25;p7"/>
-          <p:cNvSpPr txBox="1"/>
+          <p:cNvSpPr txBox="1">
+            <a:spLocks noGrp="1"/>
+          </p:cNvSpPr>
           <p:nvPr>
-            <p:ph idx="1" type="body"/>
+            <p:ph type="body" idx="1"/>
           </p:nvPr>
         </p:nvSpPr>
         <p:spPr>
@@ -4427,11 +4560,11 @@
           </a:ln>
         </p:spPr>
         <p:txBody>
-          <a:bodyPr anchorCtr="0" anchor="b" bIns="45700" lIns="91425" spcFirstLastPara="1" rIns="91425" wrap="square" tIns="45700">
+          <a:bodyPr spcFirstLastPara="1" wrap="square" lIns="91425" tIns="45700" rIns="91425" bIns="45700" anchor="b" anchorCtr="0">
             <a:normAutofit/>
           </a:bodyPr>
           <a:lstStyle>
-            <a:lvl1pPr indent="-228600" lvl="0" marL="457200" algn="l">
+            <a:lvl1pPr marL="457200" lvl="0" indent="-228600" algn="l">
               <a:spcBef>
                 <a:spcPts val="400"/>
               </a:spcBef>
@@ -4449,7 +4582,7 @@
                 </a:solidFill>
               </a:defRPr>
             </a:lvl1pPr>
-            <a:lvl2pPr indent="-228600" lvl="1" marL="914400" algn="l">
+            <a:lvl2pPr marL="914400" lvl="1" indent="-228600" algn="l">
               <a:spcBef>
                 <a:spcPts val="360"/>
               </a:spcBef>
@@ -4467,7 +4600,7 @@
                 </a:solidFill>
               </a:defRPr>
             </a:lvl2pPr>
-            <a:lvl3pPr indent="-228600" lvl="2" marL="1371600" algn="l">
+            <a:lvl3pPr marL="1371600" lvl="2" indent="-228600" algn="l">
               <a:spcBef>
                 <a:spcPts val="320"/>
               </a:spcBef>
@@ -4485,7 +4618,7 @@
                 </a:solidFill>
               </a:defRPr>
             </a:lvl3pPr>
-            <a:lvl4pPr indent="-228600" lvl="3" marL="1828800" algn="l">
+            <a:lvl4pPr marL="1828800" lvl="3" indent="-228600" algn="l">
               <a:spcBef>
                 <a:spcPts val="280"/>
               </a:spcBef>
@@ -4503,7 +4636,7 @@
                 </a:solidFill>
               </a:defRPr>
             </a:lvl4pPr>
-            <a:lvl5pPr indent="-228600" lvl="4" marL="2286000" algn="l">
+            <a:lvl5pPr marL="2286000" lvl="4" indent="-228600" algn="l">
               <a:spcBef>
                 <a:spcPts val="280"/>
               </a:spcBef>
@@ -4521,7 +4654,7 @@
                 </a:solidFill>
               </a:defRPr>
             </a:lvl5pPr>
-            <a:lvl6pPr indent="-228600" lvl="5" marL="2743200" algn="l">
+            <a:lvl6pPr marL="2743200" lvl="5" indent="-228600" algn="l">
               <a:spcBef>
                 <a:spcPts val="280"/>
               </a:spcBef>
@@ -4539,7 +4672,7 @@
                 </a:solidFill>
               </a:defRPr>
             </a:lvl6pPr>
-            <a:lvl7pPr indent="-228600" lvl="6" marL="3200400" algn="l">
+            <a:lvl7pPr marL="3200400" lvl="6" indent="-228600" algn="l">
               <a:spcBef>
                 <a:spcPts val="280"/>
               </a:spcBef>
@@ -4557,7 +4690,7 @@
                 </a:solidFill>
               </a:defRPr>
             </a:lvl7pPr>
-            <a:lvl8pPr indent="-228600" lvl="7" marL="3657600" algn="l">
+            <a:lvl8pPr marL="3657600" lvl="7" indent="-228600" algn="l">
               <a:spcBef>
                 <a:spcPts val="280"/>
               </a:spcBef>
@@ -4575,7 +4708,7 @@
                 </a:solidFill>
               </a:defRPr>
             </a:lvl8pPr>
-            <a:lvl9pPr indent="-228600" lvl="8" marL="4114800" algn="l">
+            <a:lvl9pPr marL="4114800" lvl="8" indent="-228600" algn="l">
               <a:spcBef>
                 <a:spcPts val="280"/>
               </a:spcBef>
@@ -4594,15 +4727,19 @@
               </a:defRPr>
             </a:lvl9pPr>
           </a:lstStyle>
-          <a:p/>
+          <a:p>
+            <a:endParaRPr/>
+          </a:p>
         </p:txBody>
       </p:sp>
       <p:sp>
         <p:nvSpPr>
           <p:cNvPr id="26" name="Google Shape;26;p7"/>
-          <p:cNvSpPr txBox="1"/>
+          <p:cNvSpPr txBox="1">
+            <a:spLocks noGrp="1"/>
+          </p:cNvSpPr>
           <p:nvPr>
-            <p:ph idx="10" type="dt"/>
+            <p:ph type="dt" idx="10"/>
           </p:nvPr>
         </p:nvSpPr>
         <p:spPr>
@@ -4619,7 +4756,7 @@
           </a:ln>
         </p:spPr>
         <p:txBody>
-          <a:bodyPr anchorCtr="0" anchor="ctr" bIns="45700" lIns="91425" spcFirstLastPara="1" rIns="91425" wrap="square" tIns="45700">
+          <a:bodyPr spcFirstLastPara="1" wrap="square" lIns="91425" tIns="45700" rIns="91425" bIns="45700" anchor="ctr" anchorCtr="0">
             <a:noAutofit/>
           </a:bodyPr>
           <a:lstStyle>
@@ -4723,15 +4860,19 @@
               <a:defRPr/>
             </a:lvl9pPr>
           </a:lstStyle>
-          <a:p/>
+          <a:p>
+            <a:endParaRPr/>
+          </a:p>
         </p:txBody>
       </p:sp>
       <p:sp>
         <p:nvSpPr>
           <p:cNvPr id="27" name="Google Shape;27;p7"/>
-          <p:cNvSpPr txBox="1"/>
+          <p:cNvSpPr txBox="1">
+            <a:spLocks noGrp="1"/>
+          </p:cNvSpPr>
           <p:nvPr>
-            <p:ph idx="11" type="ftr"/>
+            <p:ph type="ftr" idx="11"/>
           </p:nvPr>
         </p:nvSpPr>
         <p:spPr>
@@ -4748,7 +4889,7 @@
           </a:ln>
         </p:spPr>
         <p:txBody>
-          <a:bodyPr anchorCtr="0" anchor="ctr" bIns="45700" lIns="91425" spcFirstLastPara="1" rIns="91425" wrap="square" tIns="45700">
+          <a:bodyPr spcFirstLastPara="1" wrap="square" lIns="91425" tIns="45700" rIns="91425" bIns="45700" anchor="ctr" anchorCtr="0">
             <a:noAutofit/>
           </a:bodyPr>
           <a:lstStyle>
@@ -4852,15 +4993,19 @@
               <a:defRPr/>
             </a:lvl9pPr>
           </a:lstStyle>
-          <a:p/>
+          <a:p>
+            <a:endParaRPr/>
+          </a:p>
         </p:txBody>
       </p:sp>
       <p:sp>
         <p:nvSpPr>
           <p:cNvPr id="28" name="Google Shape;28;p7"/>
-          <p:cNvSpPr txBox="1"/>
+          <p:cNvSpPr txBox="1">
+            <a:spLocks noGrp="1"/>
+          </p:cNvSpPr>
           <p:nvPr>
-            <p:ph idx="12" type="sldNum"/>
+            <p:ph type="sldNum" idx="12"/>
           </p:nvPr>
         </p:nvSpPr>
         <p:spPr>
@@ -4877,67 +5022,67 @@
           </a:ln>
         </p:spPr>
         <p:txBody>
-          <a:bodyPr anchorCtr="0" anchor="ctr" bIns="45700" lIns="91425" spcFirstLastPara="1" rIns="91425" wrap="square" tIns="45700">
+          <a:bodyPr spcFirstLastPara="1" wrap="square" lIns="91425" tIns="45700" rIns="91425" bIns="45700" anchor="ctr" anchorCtr="0">
             <a:noAutofit/>
           </a:bodyPr>
           <a:lstStyle>
-            <a:lvl1pPr indent="0" lvl="0" marL="0" algn="r">
+            <a:lvl1pPr marL="0" lvl="0" indent="0" algn="r">
               <a:spcBef>
                 <a:spcPts val="0"/>
               </a:spcBef>
               <a:buNone/>
               <a:defRPr/>
             </a:lvl1pPr>
-            <a:lvl2pPr indent="0" lvl="1" marL="0" algn="r">
+            <a:lvl2pPr marL="0" lvl="1" indent="0" algn="r">
               <a:spcBef>
                 <a:spcPts val="0"/>
               </a:spcBef>
               <a:buNone/>
               <a:defRPr/>
             </a:lvl2pPr>
-            <a:lvl3pPr indent="0" lvl="2" marL="0" algn="r">
+            <a:lvl3pPr marL="0" lvl="2" indent="0" algn="r">
               <a:spcBef>
                 <a:spcPts val="0"/>
               </a:spcBef>
               <a:buNone/>
               <a:defRPr/>
             </a:lvl3pPr>
-            <a:lvl4pPr indent="0" lvl="3" marL="0" algn="r">
+            <a:lvl4pPr marL="0" lvl="3" indent="0" algn="r">
               <a:spcBef>
                 <a:spcPts val="0"/>
               </a:spcBef>
               <a:buNone/>
               <a:defRPr/>
             </a:lvl4pPr>
-            <a:lvl5pPr indent="0" lvl="4" marL="0" algn="r">
+            <a:lvl5pPr marL="0" lvl="4" indent="0" algn="r">
               <a:spcBef>
                 <a:spcPts val="0"/>
               </a:spcBef>
               <a:buNone/>
               <a:defRPr/>
             </a:lvl5pPr>
-            <a:lvl6pPr indent="0" lvl="5" marL="0" algn="r">
+            <a:lvl6pPr marL="0" lvl="5" indent="0" algn="r">
               <a:spcBef>
                 <a:spcPts val="0"/>
               </a:spcBef>
               <a:buNone/>
               <a:defRPr/>
             </a:lvl6pPr>
-            <a:lvl7pPr indent="0" lvl="6" marL="0" algn="r">
+            <a:lvl7pPr marL="0" lvl="6" indent="0" algn="r">
               <a:spcBef>
                 <a:spcPts val="0"/>
               </a:spcBef>
               <a:buNone/>
               <a:defRPr/>
             </a:lvl7pPr>
-            <a:lvl8pPr indent="0" lvl="7" marL="0" algn="r">
+            <a:lvl8pPr marL="0" lvl="7" indent="0" algn="r">
               <a:spcBef>
                 <a:spcPts val="0"/>
               </a:spcBef>
               <a:buNone/>
               <a:defRPr/>
             </a:lvl8pPr>
-            <a:lvl9pPr indent="0" lvl="8" marL="0" algn="r">
+            <a:lvl9pPr marL="0" lvl="8" indent="0" algn="r">
               <a:spcBef>
                 <a:spcPts val="0"/>
               </a:spcBef>
@@ -4946,7 +5091,7 @@
             </a:lvl9pPr>
           </a:lstStyle>
           <a:p>
-            <a:pPr indent="0" lvl="0" marL="0" rtl="0" algn="r">
+            <a:pPr marL="0" lvl="0" indent="0" algn="r" rtl="0">
               <a:spcBef>
                 <a:spcPts val="0"/>
               </a:spcBef>
@@ -4972,11 +5117,11 @@
 </file>
 
 <file path=ppt/slideLayouts/slideLayout4.xml><?xml version="1.0" encoding="utf-8"?>
-<p:sldLayout xmlns:a="http://schemas.openxmlformats.org/drawingml/2006/main" xmlns:r="http://schemas.openxmlformats.org/officeDocument/2006/relationships" xmlns:mc="http://schemas.openxmlformats.org/markup-compatibility/2006" xmlns:mv="urn:schemas-microsoft-com:mac:vml" xmlns:p="http://schemas.openxmlformats.org/presentationml/2006/main" xmlns:c="http://schemas.openxmlformats.org/drawingml/2006/chart" xmlns:dgm="http://schemas.openxmlformats.org/drawingml/2006/diagram" xmlns:o="urn:schemas-microsoft-com:office:office" xmlns:v="urn:schemas-microsoft-com:vml" xmlns:pvml="urn:schemas-microsoft-com:office:powerpoint" xmlns:com="http://schemas.openxmlformats.org/drawingml/2006/compatibility" xmlns:p14="http://schemas.microsoft.com/office/powerpoint/2010/main" xmlns:p15="http://schemas.microsoft.com/office/powerpoint/2012/main" xmlns:ahyp="http://schemas.microsoft.com/office/drawing/2018/hyperlinkcolor" matchingName="Two Content">
+<p:sldLayout xmlns:a="http://schemas.openxmlformats.org/drawingml/2006/main" xmlns:r="http://schemas.openxmlformats.org/officeDocument/2006/relationships" xmlns:p="http://schemas.openxmlformats.org/presentationml/2006/main" matchingName="Two Content">
   <p:cSld name="Two Content">
     <p:spTree>
       <p:nvGrpSpPr>
-        <p:cNvPr id="29" name="Shape 29"/>
+        <p:cNvPr id="1" name="Shape 29"/>
         <p:cNvGrpSpPr/>
         <p:nvPr/>
       </p:nvGrpSpPr>
@@ -4991,9 +5136,11 @@
       <p:sp>
         <p:nvSpPr>
           <p:cNvPr id="30" name="Google Shape;30;p8"/>
-          <p:cNvSpPr txBox="1"/>
+          <p:cNvSpPr txBox="1">
+            <a:spLocks noGrp="1"/>
+          </p:cNvSpPr>
           <p:nvPr>
-            <p:ph idx="1" type="body"/>
+            <p:ph type="body" idx="1"/>
           </p:nvPr>
         </p:nvSpPr>
         <p:spPr>
@@ -5010,11 +5157,11 @@
           </a:ln>
         </p:spPr>
         <p:txBody>
-          <a:bodyPr anchorCtr="0" anchor="t" bIns="45700" lIns="91425" spcFirstLastPara="1" rIns="91425" wrap="square" tIns="45700">
+          <a:bodyPr spcFirstLastPara="1" wrap="square" lIns="91425" tIns="45700" rIns="91425" bIns="45700" anchor="t" anchorCtr="0">
             <a:normAutofit/>
           </a:bodyPr>
           <a:lstStyle>
-            <a:lvl1pPr indent="-406400" lvl="0" marL="457200" algn="l">
+            <a:lvl1pPr marL="457200" lvl="0" indent="-406400" algn="l">
               <a:spcBef>
                 <a:spcPts val="560"/>
               </a:spcBef>
@@ -5028,7 +5175,7 @@
               <a:buChar char="•"/>
               <a:defRPr sz="2800"/>
             </a:lvl1pPr>
-            <a:lvl2pPr indent="-381000" lvl="1" marL="914400" algn="l">
+            <a:lvl2pPr marL="914400" lvl="1" indent="-381000" algn="l">
               <a:spcBef>
                 <a:spcPts val="480"/>
               </a:spcBef>
@@ -5042,7 +5189,7 @@
               <a:buChar char="–"/>
               <a:defRPr sz="2400"/>
             </a:lvl2pPr>
-            <a:lvl3pPr indent="-355600" lvl="2" marL="1371600" algn="l">
+            <a:lvl3pPr marL="1371600" lvl="2" indent="-355600" algn="l">
               <a:spcBef>
                 <a:spcPts val="400"/>
               </a:spcBef>
@@ -5056,7 +5203,7 @@
               <a:buChar char="•"/>
               <a:defRPr sz="2000"/>
             </a:lvl3pPr>
-            <a:lvl4pPr indent="-342900" lvl="3" marL="1828800" algn="l">
+            <a:lvl4pPr marL="1828800" lvl="3" indent="-342900" algn="l">
               <a:spcBef>
                 <a:spcPts val="360"/>
               </a:spcBef>
@@ -5070,7 +5217,7 @@
               <a:buChar char="–"/>
               <a:defRPr sz="1800"/>
             </a:lvl4pPr>
-            <a:lvl5pPr indent="-342900" lvl="4" marL="2286000" algn="l">
+            <a:lvl5pPr marL="2286000" lvl="4" indent="-342900" algn="l">
               <a:spcBef>
                 <a:spcPts val="360"/>
               </a:spcBef>
@@ -5084,7 +5231,7 @@
               <a:buChar char="»"/>
               <a:defRPr sz="1800"/>
             </a:lvl5pPr>
-            <a:lvl6pPr indent="-342900" lvl="5" marL="2743200" algn="l">
+            <a:lvl6pPr marL="2743200" lvl="5" indent="-342900" algn="l">
               <a:spcBef>
                 <a:spcPts val="360"/>
               </a:spcBef>
@@ -5098,7 +5245,7 @@
               <a:buChar char="•"/>
               <a:defRPr sz="1800"/>
             </a:lvl6pPr>
-            <a:lvl7pPr indent="-342900" lvl="6" marL="3200400" algn="l">
+            <a:lvl7pPr marL="3200400" lvl="6" indent="-342900" algn="l">
               <a:spcBef>
                 <a:spcPts val="360"/>
               </a:spcBef>
@@ -5112,7 +5259,7 @@
               <a:buChar char="•"/>
               <a:defRPr sz="1800"/>
             </a:lvl7pPr>
-            <a:lvl8pPr indent="-342900" lvl="7" marL="3657600" algn="l">
+            <a:lvl8pPr marL="3657600" lvl="7" indent="-342900" algn="l">
               <a:spcBef>
                 <a:spcPts val="360"/>
               </a:spcBef>
@@ -5126,7 +5273,7 @@
               <a:buChar char="•"/>
               <a:defRPr sz="1800"/>
             </a:lvl8pPr>
-            <a:lvl9pPr indent="-342900" lvl="8" marL="4114800" algn="l">
+            <a:lvl9pPr marL="4114800" lvl="8" indent="-342900" algn="l">
               <a:spcBef>
                 <a:spcPts val="360"/>
               </a:spcBef>
@@ -5141,15 +5288,19 @@
               <a:defRPr sz="1800"/>
             </a:lvl9pPr>
           </a:lstStyle>
-          <a:p/>
+          <a:p>
+            <a:endParaRPr/>
+          </a:p>
         </p:txBody>
       </p:sp>
       <p:sp>
         <p:nvSpPr>
           <p:cNvPr id="31" name="Google Shape;31;p8"/>
-          <p:cNvSpPr txBox="1"/>
+          <p:cNvSpPr txBox="1">
+            <a:spLocks noGrp="1"/>
+          </p:cNvSpPr>
           <p:nvPr>
-            <p:ph idx="2" type="body"/>
+            <p:ph type="body" idx="2"/>
           </p:nvPr>
         </p:nvSpPr>
         <p:spPr>
@@ -5166,11 +5317,11 @@
           </a:ln>
         </p:spPr>
         <p:txBody>
-          <a:bodyPr anchorCtr="0" anchor="t" bIns="45700" lIns="91425" spcFirstLastPara="1" rIns="91425" wrap="square" tIns="45700">
+          <a:bodyPr spcFirstLastPara="1" wrap="square" lIns="91425" tIns="45700" rIns="91425" bIns="45700" anchor="t" anchorCtr="0">
             <a:normAutofit/>
           </a:bodyPr>
           <a:lstStyle>
-            <a:lvl1pPr indent="-406400" lvl="0" marL="457200" algn="l">
+            <a:lvl1pPr marL="457200" lvl="0" indent="-406400" algn="l">
               <a:spcBef>
                 <a:spcPts val="560"/>
               </a:spcBef>
@@ -5184,7 +5335,7 @@
               <a:buChar char="•"/>
               <a:defRPr sz="2800"/>
             </a:lvl1pPr>
-            <a:lvl2pPr indent="-381000" lvl="1" marL="914400" algn="l">
+            <a:lvl2pPr marL="914400" lvl="1" indent="-381000" algn="l">
               <a:spcBef>
                 <a:spcPts val="480"/>
               </a:spcBef>
@@ -5198,7 +5349,7 @@
               <a:buChar char="–"/>
               <a:defRPr sz="2400"/>
             </a:lvl2pPr>
-            <a:lvl3pPr indent="-355600" lvl="2" marL="1371600" algn="l">
+            <a:lvl3pPr marL="1371600" lvl="2" indent="-355600" algn="l">
               <a:spcBef>
                 <a:spcPts val="400"/>
               </a:spcBef>
@@ -5212,7 +5363,7 @@
               <a:buChar char="•"/>
               <a:defRPr sz="2000"/>
             </a:lvl3pPr>
-            <a:lvl4pPr indent="-342900" lvl="3" marL="1828800" algn="l">
+            <a:lvl4pPr marL="1828800" lvl="3" indent="-342900" algn="l">
               <a:spcBef>
                 <a:spcPts val="360"/>
               </a:spcBef>
@@ -5226,7 +5377,7 @@
               <a:buChar char="–"/>
               <a:defRPr sz="1800"/>
             </a:lvl4pPr>
-            <a:lvl5pPr indent="-342900" lvl="4" marL="2286000" algn="l">
+            <a:lvl5pPr marL="2286000" lvl="4" indent="-342900" algn="l">
               <a:spcBef>
                 <a:spcPts val="360"/>
               </a:spcBef>
@@ -5240,7 +5391,7 @@
               <a:buChar char="»"/>
               <a:defRPr sz="1800"/>
             </a:lvl5pPr>
-            <a:lvl6pPr indent="-342900" lvl="5" marL="2743200" algn="l">
+            <a:lvl6pPr marL="2743200" lvl="5" indent="-342900" algn="l">
               <a:spcBef>
                 <a:spcPts val="360"/>
               </a:spcBef>
@@ -5254,7 +5405,7 @@
               <a:buChar char="•"/>
               <a:defRPr sz="1800"/>
             </a:lvl6pPr>
-            <a:lvl7pPr indent="-342900" lvl="6" marL="3200400" algn="l">
+            <a:lvl7pPr marL="3200400" lvl="6" indent="-342900" algn="l">
               <a:spcBef>
                 <a:spcPts val="360"/>
               </a:spcBef>
@@ -5268,7 +5419,7 @@
               <a:buChar char="•"/>
               <a:defRPr sz="1800"/>
             </a:lvl7pPr>
-            <a:lvl8pPr indent="-342900" lvl="7" marL="3657600" algn="l">
+            <a:lvl8pPr marL="3657600" lvl="7" indent="-342900" algn="l">
               <a:spcBef>
                 <a:spcPts val="360"/>
               </a:spcBef>
@@ -5282,7 +5433,7 @@
               <a:buChar char="•"/>
               <a:defRPr sz="1800"/>
             </a:lvl8pPr>
-            <a:lvl9pPr indent="-342900" lvl="8" marL="4114800" algn="l">
+            <a:lvl9pPr marL="4114800" lvl="8" indent="-342900" algn="l">
               <a:spcBef>
                 <a:spcPts val="360"/>
               </a:spcBef>
@@ -5297,15 +5448,19 @@
               <a:defRPr sz="1800"/>
             </a:lvl9pPr>
           </a:lstStyle>
-          <a:p/>
+          <a:p>
+            <a:endParaRPr/>
+          </a:p>
         </p:txBody>
       </p:sp>
       <p:sp>
         <p:nvSpPr>
           <p:cNvPr id="32" name="Google Shape;32;p8"/>
-          <p:cNvSpPr txBox="1"/>
+          <p:cNvSpPr txBox="1">
+            <a:spLocks noGrp="1"/>
+          </p:cNvSpPr>
           <p:nvPr>
-            <p:ph idx="10" type="dt"/>
+            <p:ph type="dt" idx="10"/>
           </p:nvPr>
         </p:nvSpPr>
         <p:spPr>
@@ -5322,7 +5477,7 @@
           </a:ln>
         </p:spPr>
         <p:txBody>
-          <a:bodyPr anchorCtr="0" anchor="ctr" bIns="45700" lIns="91425" spcFirstLastPara="1" rIns="91425" wrap="square" tIns="45700">
+          <a:bodyPr spcFirstLastPara="1" wrap="square" lIns="91425" tIns="45700" rIns="91425" bIns="45700" anchor="ctr" anchorCtr="0">
             <a:noAutofit/>
           </a:bodyPr>
           <a:lstStyle>
@@ -5426,15 +5581,19 @@
               <a:defRPr/>
             </a:lvl9pPr>
           </a:lstStyle>
-          <a:p/>
+          <a:p>
+            <a:endParaRPr/>
+          </a:p>
         </p:txBody>
       </p:sp>
       <p:sp>
         <p:nvSpPr>
           <p:cNvPr id="33" name="Google Shape;33;p8"/>
-          <p:cNvSpPr txBox="1"/>
+          <p:cNvSpPr txBox="1">
+            <a:spLocks noGrp="1"/>
+          </p:cNvSpPr>
           <p:nvPr>
-            <p:ph idx="11" type="ftr"/>
+            <p:ph type="ftr" idx="11"/>
           </p:nvPr>
         </p:nvSpPr>
         <p:spPr>
@@ -5451,7 +5610,7 @@
           </a:ln>
         </p:spPr>
         <p:txBody>
-          <a:bodyPr anchorCtr="0" anchor="ctr" bIns="45700" lIns="91425" spcFirstLastPara="1" rIns="91425" wrap="square" tIns="45700">
+          <a:bodyPr spcFirstLastPara="1" wrap="square" lIns="91425" tIns="45700" rIns="91425" bIns="45700" anchor="ctr" anchorCtr="0">
             <a:noAutofit/>
           </a:bodyPr>
           <a:lstStyle>
@@ -5555,15 +5714,19 @@
               <a:defRPr/>
             </a:lvl9pPr>
           </a:lstStyle>
-          <a:p/>
+          <a:p>
+            <a:endParaRPr/>
+          </a:p>
         </p:txBody>
       </p:sp>
       <p:sp>
         <p:nvSpPr>
           <p:cNvPr id="34" name="Google Shape;34;p8"/>
-          <p:cNvSpPr txBox="1"/>
+          <p:cNvSpPr txBox="1">
+            <a:spLocks noGrp="1"/>
+          </p:cNvSpPr>
           <p:nvPr>
-            <p:ph idx="12" type="sldNum"/>
+            <p:ph type="sldNum" idx="12"/>
           </p:nvPr>
         </p:nvSpPr>
         <p:spPr>
@@ -5580,67 +5743,67 @@
           </a:ln>
         </p:spPr>
         <p:txBody>
-          <a:bodyPr anchorCtr="0" anchor="ctr" bIns="45700" lIns="91425" spcFirstLastPara="1" rIns="91425" wrap="square" tIns="45700">
+          <a:bodyPr spcFirstLastPara="1" wrap="square" lIns="91425" tIns="45700" rIns="91425" bIns="45700" anchor="ctr" anchorCtr="0">
             <a:noAutofit/>
           </a:bodyPr>
           <a:lstStyle>
-            <a:lvl1pPr indent="0" lvl="0" marL="0" algn="r">
+            <a:lvl1pPr marL="0" lvl="0" indent="0" algn="r">
               <a:spcBef>
                 <a:spcPts val="0"/>
               </a:spcBef>
               <a:buNone/>
               <a:defRPr/>
             </a:lvl1pPr>
-            <a:lvl2pPr indent="0" lvl="1" marL="0" algn="r">
+            <a:lvl2pPr marL="0" lvl="1" indent="0" algn="r">
               <a:spcBef>
                 <a:spcPts val="0"/>
               </a:spcBef>
               <a:buNone/>
               <a:defRPr/>
             </a:lvl2pPr>
-            <a:lvl3pPr indent="0" lvl="2" marL="0" algn="r">
+            <a:lvl3pPr marL="0" lvl="2" indent="0" algn="r">
               <a:spcBef>
                 <a:spcPts val="0"/>
               </a:spcBef>
               <a:buNone/>
               <a:defRPr/>
             </a:lvl3pPr>
-            <a:lvl4pPr indent="0" lvl="3" marL="0" algn="r">
+            <a:lvl4pPr marL="0" lvl="3" indent="0" algn="r">
               <a:spcBef>
                 <a:spcPts val="0"/>
               </a:spcBef>
               <a:buNone/>
               <a:defRPr/>
             </a:lvl4pPr>
-            <a:lvl5pPr indent="0" lvl="4" marL="0" algn="r">
+            <a:lvl5pPr marL="0" lvl="4" indent="0" algn="r">
               <a:spcBef>
                 <a:spcPts val="0"/>
               </a:spcBef>
               <a:buNone/>
               <a:defRPr/>
             </a:lvl5pPr>
-            <a:lvl6pPr indent="0" lvl="5" marL="0" algn="r">
+            <a:lvl6pPr marL="0" lvl="5" indent="0" algn="r">
               <a:spcBef>
                 <a:spcPts val="0"/>
               </a:spcBef>
               <a:buNone/>
               <a:defRPr/>
             </a:lvl6pPr>
-            <a:lvl7pPr indent="0" lvl="6" marL="0" algn="r">
+            <a:lvl7pPr marL="0" lvl="6" indent="0" algn="r">
               <a:spcBef>
                 <a:spcPts val="0"/>
               </a:spcBef>
               <a:buNone/>
               <a:defRPr/>
             </a:lvl7pPr>
-            <a:lvl8pPr indent="0" lvl="7" marL="0" algn="r">
+            <a:lvl8pPr marL="0" lvl="7" indent="0" algn="r">
               <a:spcBef>
                 <a:spcPts val="0"/>
               </a:spcBef>
               <a:buNone/>
               <a:defRPr/>
             </a:lvl8pPr>
-            <a:lvl9pPr indent="0" lvl="8" marL="0" algn="r">
+            <a:lvl9pPr marL="0" lvl="8" indent="0" algn="r">
               <a:spcBef>
                 <a:spcPts val="0"/>
               </a:spcBef>
@@ -5649,7 +5812,7 @@
             </a:lvl9pPr>
           </a:lstStyle>
           <a:p>
-            <a:pPr indent="0" lvl="0" marL="0" rtl="0" algn="r">
+            <a:pPr marL="0" lvl="0" indent="0" algn="r" rtl="0">
               <a:spcBef>
                 <a:spcPts val="0"/>
               </a:spcBef>
@@ -5669,7 +5832,9 @@
       <p:sp>
         <p:nvSpPr>
           <p:cNvPr id="35" name="Google Shape;35;p8"/>
-          <p:cNvSpPr txBox="1"/>
+          <p:cNvSpPr txBox="1">
+            <a:spLocks noGrp="1"/>
+          </p:cNvSpPr>
           <p:nvPr>
             <p:ph type="title"/>
           </p:nvPr>
@@ -5688,7 +5853,7 @@
           </a:ln>
         </p:spPr>
         <p:txBody>
-          <a:bodyPr anchorCtr="0" anchor="ctr" bIns="45700" lIns="91425" spcFirstLastPara="1" rIns="91425" wrap="square" tIns="45700">
+          <a:bodyPr spcFirstLastPara="1" wrap="square" lIns="91425" tIns="45700" rIns="91425" bIns="45700" anchor="ctr" anchorCtr="0">
             <a:noAutofit/>
           </a:bodyPr>
           <a:lstStyle>
@@ -5705,7 +5870,7 @@
               <a:buSzPts val="3600"/>
               <a:buFont typeface="Calibri"/>
               <a:buNone/>
-              <a:defRPr b="1" sz="3600">
+              <a:defRPr sz="3600" b="1">
                 <a:solidFill>
                   <a:srgbClr val="FFC000"/>
                 </a:solidFill>
@@ -5800,7 +5965,9 @@
               <a:defRPr/>
             </a:lvl9pPr>
           </a:lstStyle>
-          <a:p/>
+          <a:p>
+            <a:endParaRPr/>
+          </a:p>
         </p:txBody>
       </p:sp>
     </p:spTree>
@@ -5812,11 +5979,11 @@
 </file>
 
 <file path=ppt/slideLayouts/slideLayout5.xml><?xml version="1.0" encoding="utf-8"?>
-<p:sldLayout xmlns:a="http://schemas.openxmlformats.org/drawingml/2006/main" xmlns:r="http://schemas.openxmlformats.org/officeDocument/2006/relationships" xmlns:mc="http://schemas.openxmlformats.org/markup-compatibility/2006" xmlns:mv="urn:schemas-microsoft-com:mac:vml" xmlns:p="http://schemas.openxmlformats.org/presentationml/2006/main" xmlns:c="http://schemas.openxmlformats.org/drawingml/2006/chart" xmlns:dgm="http://schemas.openxmlformats.org/drawingml/2006/diagram" xmlns:o="urn:schemas-microsoft-com:office:office" xmlns:v="urn:schemas-microsoft-com:vml" xmlns:pvml="urn:schemas-microsoft-com:office:powerpoint" xmlns:com="http://schemas.openxmlformats.org/drawingml/2006/compatibility" xmlns:p14="http://schemas.microsoft.com/office/powerpoint/2010/main" xmlns:p15="http://schemas.microsoft.com/office/powerpoint/2012/main" xmlns:ahyp="http://schemas.microsoft.com/office/drawing/2018/hyperlinkcolor" matchingName="Comparison">
+<p:sldLayout xmlns:a="http://schemas.openxmlformats.org/drawingml/2006/main" xmlns:r="http://schemas.openxmlformats.org/officeDocument/2006/relationships" xmlns:p="http://schemas.openxmlformats.org/presentationml/2006/main" matchingName="Comparison">
   <p:cSld name="Comparison">
     <p:spTree>
       <p:nvGrpSpPr>
-        <p:cNvPr id="36" name="Shape 36"/>
+        <p:cNvPr id="1" name="Shape 36"/>
         <p:cNvGrpSpPr/>
         <p:nvPr/>
       </p:nvGrpSpPr>
@@ -5831,9 +5998,11 @@
       <p:sp>
         <p:nvSpPr>
           <p:cNvPr id="37" name="Google Shape;37;p9"/>
-          <p:cNvSpPr txBox="1"/>
+          <p:cNvSpPr txBox="1">
+            <a:spLocks noGrp="1"/>
+          </p:cNvSpPr>
           <p:nvPr>
-            <p:ph idx="1" type="body"/>
+            <p:ph type="body" idx="1"/>
           </p:nvPr>
         </p:nvSpPr>
         <p:spPr>
@@ -5850,11 +6019,11 @@
           </a:ln>
         </p:spPr>
         <p:txBody>
-          <a:bodyPr anchorCtr="0" anchor="b" bIns="45700" lIns="91425" spcFirstLastPara="1" rIns="91425" wrap="square" tIns="45700">
+          <a:bodyPr spcFirstLastPara="1" wrap="square" lIns="91425" tIns="45700" rIns="91425" bIns="45700" anchor="b" anchorCtr="0">
             <a:normAutofit/>
           </a:bodyPr>
           <a:lstStyle>
-            <a:lvl1pPr indent="-228600" lvl="0" marL="457200" algn="l">
+            <a:lvl1pPr marL="457200" lvl="0" indent="-228600" algn="l">
               <a:spcBef>
                 <a:spcPts val="480"/>
               </a:spcBef>
@@ -5866,9 +6035,9 @@
               </a:buClr>
               <a:buSzPts val="2400"/>
               <a:buNone/>
-              <a:defRPr b="1" sz="2400"/>
+              <a:defRPr sz="2400" b="1"/>
             </a:lvl1pPr>
-            <a:lvl2pPr indent="-228600" lvl="1" marL="914400" algn="l">
+            <a:lvl2pPr marL="914400" lvl="1" indent="-228600" algn="l">
               <a:spcBef>
                 <a:spcPts val="400"/>
               </a:spcBef>
@@ -5880,9 +6049,9 @@
               </a:buClr>
               <a:buSzPts val="2000"/>
               <a:buNone/>
-              <a:defRPr b="1" sz="2000"/>
+              <a:defRPr sz="2000" b="1"/>
             </a:lvl2pPr>
-            <a:lvl3pPr indent="-228600" lvl="2" marL="1371600" algn="l">
+            <a:lvl3pPr marL="1371600" lvl="2" indent="-228600" algn="l">
               <a:spcBef>
                 <a:spcPts val="360"/>
               </a:spcBef>
@@ -5894,9 +6063,9 @@
               </a:buClr>
               <a:buSzPts val="1800"/>
               <a:buNone/>
-              <a:defRPr b="1" sz="1800"/>
+              <a:defRPr sz="1800" b="1"/>
             </a:lvl3pPr>
-            <a:lvl4pPr indent="-228600" lvl="3" marL="1828800" algn="l">
+            <a:lvl4pPr marL="1828800" lvl="3" indent="-228600" algn="l">
               <a:spcBef>
                 <a:spcPts val="320"/>
               </a:spcBef>
@@ -5908,9 +6077,9 @@
               </a:buClr>
               <a:buSzPts val="1600"/>
               <a:buNone/>
-              <a:defRPr b="1" sz="1600"/>
+              <a:defRPr sz="1600" b="1"/>
             </a:lvl4pPr>
-            <a:lvl5pPr indent="-228600" lvl="4" marL="2286000" algn="l">
+            <a:lvl5pPr marL="2286000" lvl="4" indent="-228600" algn="l">
               <a:spcBef>
                 <a:spcPts val="320"/>
               </a:spcBef>
@@ -5922,9 +6091,9 @@
               </a:buClr>
               <a:buSzPts val="1600"/>
               <a:buNone/>
-              <a:defRPr b="1" sz="1600"/>
+              <a:defRPr sz="1600" b="1"/>
             </a:lvl5pPr>
-            <a:lvl6pPr indent="-228600" lvl="5" marL="2743200" algn="l">
+            <a:lvl6pPr marL="2743200" lvl="5" indent="-228600" algn="l">
               <a:spcBef>
                 <a:spcPts val="320"/>
               </a:spcBef>
@@ -5936,9 +6105,9 @@
               </a:buClr>
               <a:buSzPts val="1600"/>
               <a:buNone/>
-              <a:defRPr b="1" sz="1600"/>
+              <a:defRPr sz="1600" b="1"/>
             </a:lvl6pPr>
-            <a:lvl7pPr indent="-228600" lvl="6" marL="3200400" algn="l">
+            <a:lvl7pPr marL="3200400" lvl="6" indent="-228600" algn="l">
               <a:spcBef>
                 <a:spcPts val="320"/>
               </a:spcBef>
@@ -5950,9 +6119,9 @@
               </a:buClr>
               <a:buSzPts val="1600"/>
               <a:buNone/>
-              <a:defRPr b="1" sz="1600"/>
+              <a:defRPr sz="1600" b="1"/>
             </a:lvl7pPr>
-            <a:lvl8pPr indent="-228600" lvl="7" marL="3657600" algn="l">
+            <a:lvl8pPr marL="3657600" lvl="7" indent="-228600" algn="l">
               <a:spcBef>
                 <a:spcPts val="320"/>
               </a:spcBef>
@@ -5964,9 +6133,9 @@
               </a:buClr>
               <a:buSzPts val="1600"/>
               <a:buNone/>
-              <a:defRPr b="1" sz="1600"/>
+              <a:defRPr sz="1600" b="1"/>
             </a:lvl8pPr>
-            <a:lvl9pPr indent="-228600" lvl="8" marL="4114800" algn="l">
+            <a:lvl9pPr marL="4114800" lvl="8" indent="-228600" algn="l">
               <a:spcBef>
                 <a:spcPts val="320"/>
               </a:spcBef>
@@ -5978,18 +6147,22 @@
               </a:buClr>
               <a:buSzPts val="1600"/>
               <a:buNone/>
-              <a:defRPr b="1" sz="1600"/>
+              <a:defRPr sz="1600" b="1"/>
             </a:lvl9pPr>
           </a:lstStyle>
-          <a:p/>
+          <a:p>
+            <a:endParaRPr/>
+          </a:p>
         </p:txBody>
       </p:sp>
       <p:sp>
         <p:nvSpPr>
           <p:cNvPr id="38" name="Google Shape;38;p9"/>
-          <p:cNvSpPr txBox="1"/>
+          <p:cNvSpPr txBox="1">
+            <a:spLocks noGrp="1"/>
+          </p:cNvSpPr>
           <p:nvPr>
-            <p:ph idx="2" type="body"/>
+            <p:ph type="body" idx="2"/>
           </p:nvPr>
         </p:nvSpPr>
         <p:spPr>
@@ -6006,11 +6179,11 @@
           </a:ln>
         </p:spPr>
         <p:txBody>
-          <a:bodyPr anchorCtr="0" anchor="t" bIns="45700" lIns="91425" spcFirstLastPara="1" rIns="91425" wrap="square" tIns="45700">
+          <a:bodyPr spcFirstLastPara="1" wrap="square" lIns="91425" tIns="45700" rIns="91425" bIns="45700" anchor="t" anchorCtr="0">
             <a:normAutofit/>
           </a:bodyPr>
           <a:lstStyle>
-            <a:lvl1pPr indent="-381000" lvl="0" marL="457200" algn="l">
+            <a:lvl1pPr marL="457200" lvl="0" indent="-381000" algn="l">
               <a:spcBef>
                 <a:spcPts val="480"/>
               </a:spcBef>
@@ -6024,7 +6197,7 @@
               <a:buChar char="•"/>
               <a:defRPr sz="2400"/>
             </a:lvl1pPr>
-            <a:lvl2pPr indent="-355600" lvl="1" marL="914400" algn="l">
+            <a:lvl2pPr marL="914400" lvl="1" indent="-355600" algn="l">
               <a:spcBef>
                 <a:spcPts val="400"/>
               </a:spcBef>
@@ -6038,7 +6211,7 @@
               <a:buChar char="–"/>
               <a:defRPr sz="2000"/>
             </a:lvl2pPr>
-            <a:lvl3pPr indent="-342900" lvl="2" marL="1371600" algn="l">
+            <a:lvl3pPr marL="1371600" lvl="2" indent="-342900" algn="l">
               <a:spcBef>
                 <a:spcPts val="360"/>
               </a:spcBef>
@@ -6052,7 +6225,7 @@
               <a:buChar char="•"/>
               <a:defRPr sz="1800"/>
             </a:lvl3pPr>
-            <a:lvl4pPr indent="-330200" lvl="3" marL="1828800" algn="l">
+            <a:lvl4pPr marL="1828800" lvl="3" indent="-330200" algn="l">
               <a:spcBef>
                 <a:spcPts val="320"/>
               </a:spcBef>
@@ -6066,7 +6239,7 @@
               <a:buChar char="–"/>
               <a:defRPr sz="1600"/>
             </a:lvl4pPr>
-            <a:lvl5pPr indent="-330200" lvl="4" marL="2286000" algn="l">
+            <a:lvl5pPr marL="2286000" lvl="4" indent="-330200" algn="l">
               <a:spcBef>
                 <a:spcPts val="320"/>
               </a:spcBef>
@@ -6080,7 +6253,7 @@
               <a:buChar char="»"/>
               <a:defRPr sz="1600"/>
             </a:lvl5pPr>
-            <a:lvl6pPr indent="-330200" lvl="5" marL="2743200" algn="l">
+            <a:lvl6pPr marL="2743200" lvl="5" indent="-330200" algn="l">
               <a:spcBef>
                 <a:spcPts val="320"/>
               </a:spcBef>
@@ -6094,7 +6267,7 @@
               <a:buChar char="•"/>
               <a:defRPr sz="1600"/>
             </a:lvl6pPr>
-            <a:lvl7pPr indent="-330200" lvl="6" marL="3200400" algn="l">
+            <a:lvl7pPr marL="3200400" lvl="6" indent="-330200" algn="l">
               <a:spcBef>
                 <a:spcPts val="320"/>
               </a:spcBef>
@@ -6108,7 +6281,7 @@
               <a:buChar char="•"/>
               <a:defRPr sz="1600"/>
             </a:lvl7pPr>
-            <a:lvl8pPr indent="-330200" lvl="7" marL="3657600" algn="l">
+            <a:lvl8pPr marL="3657600" lvl="7" indent="-330200" algn="l">
               <a:spcBef>
                 <a:spcPts val="320"/>
               </a:spcBef>
@@ -6122,7 +6295,7 @@
               <a:buChar char="•"/>
               <a:defRPr sz="1600"/>
             </a:lvl8pPr>
-            <a:lvl9pPr indent="-330200" lvl="8" marL="4114800" algn="l">
+            <a:lvl9pPr marL="4114800" lvl="8" indent="-330200" algn="l">
               <a:spcBef>
                 <a:spcPts val="320"/>
               </a:spcBef>
@@ -6137,15 +6310,19 @@
               <a:defRPr sz="1600"/>
             </a:lvl9pPr>
           </a:lstStyle>
-          <a:p/>
+          <a:p>
+            <a:endParaRPr/>
+          </a:p>
         </p:txBody>
       </p:sp>
       <p:sp>
         <p:nvSpPr>
           <p:cNvPr id="39" name="Google Shape;39;p9"/>
-          <p:cNvSpPr txBox="1"/>
+          <p:cNvSpPr txBox="1">
+            <a:spLocks noGrp="1"/>
+          </p:cNvSpPr>
           <p:nvPr>
-            <p:ph idx="3" type="body"/>
+            <p:ph type="body" idx="3"/>
           </p:nvPr>
         </p:nvSpPr>
         <p:spPr>
@@ -6162,11 +6339,11 @@
           </a:ln>
         </p:spPr>
         <p:txBody>
-          <a:bodyPr anchorCtr="0" anchor="b" bIns="45700" lIns="91425" spcFirstLastPara="1" rIns="91425" wrap="square" tIns="45700">
+          <a:bodyPr spcFirstLastPara="1" wrap="square" lIns="91425" tIns="45700" rIns="91425" bIns="45700" anchor="b" anchorCtr="0">
             <a:normAutofit/>
           </a:bodyPr>
           <a:lstStyle>
-            <a:lvl1pPr indent="-228600" lvl="0" marL="457200" algn="l">
+            <a:lvl1pPr marL="457200" lvl="0" indent="-228600" algn="l">
               <a:spcBef>
                 <a:spcPts val="480"/>
               </a:spcBef>
@@ -6178,9 +6355,9 @@
               </a:buClr>
               <a:buSzPts val="2400"/>
               <a:buNone/>
-              <a:defRPr b="1" sz="2400"/>
+              <a:defRPr sz="2400" b="1"/>
             </a:lvl1pPr>
-            <a:lvl2pPr indent="-228600" lvl="1" marL="914400" algn="l">
+            <a:lvl2pPr marL="914400" lvl="1" indent="-228600" algn="l">
               <a:spcBef>
                 <a:spcPts val="400"/>
               </a:spcBef>
@@ -6192,9 +6369,9 @@
               </a:buClr>
               <a:buSzPts val="2000"/>
               <a:buNone/>
-              <a:defRPr b="1" sz="2000"/>
+              <a:defRPr sz="2000" b="1"/>
             </a:lvl2pPr>
-            <a:lvl3pPr indent="-228600" lvl="2" marL="1371600" algn="l">
+            <a:lvl3pPr marL="1371600" lvl="2" indent="-228600" algn="l">
               <a:spcBef>
                 <a:spcPts val="360"/>
               </a:spcBef>
@@ -6206,9 +6383,9 @@
               </a:buClr>
               <a:buSzPts val="1800"/>
               <a:buNone/>
-              <a:defRPr b="1" sz="1800"/>
+              <a:defRPr sz="1800" b="1"/>
             </a:lvl3pPr>
-            <a:lvl4pPr indent="-228600" lvl="3" marL="1828800" algn="l">
+            <a:lvl4pPr marL="1828800" lvl="3" indent="-228600" algn="l">
               <a:spcBef>
                 <a:spcPts val="320"/>
               </a:spcBef>
@@ -6220,9 +6397,9 @@
               </a:buClr>
               <a:buSzPts val="1600"/>
               <a:buNone/>
-              <a:defRPr b="1" sz="1600"/>
+              <a:defRPr sz="1600" b="1"/>
             </a:lvl4pPr>
-            <a:lvl5pPr indent="-228600" lvl="4" marL="2286000" algn="l">
+            <a:lvl5pPr marL="2286000" lvl="4" indent="-228600" algn="l">
               <a:spcBef>
                 <a:spcPts val="320"/>
               </a:spcBef>
@@ -6234,9 +6411,9 @@
               </a:buClr>
               <a:buSzPts val="1600"/>
               <a:buNone/>
-              <a:defRPr b="1" sz="1600"/>
+              <a:defRPr sz="1600" b="1"/>
             </a:lvl5pPr>
-            <a:lvl6pPr indent="-228600" lvl="5" marL="2743200" algn="l">
+            <a:lvl6pPr marL="2743200" lvl="5" indent="-228600" algn="l">
               <a:spcBef>
                 <a:spcPts val="320"/>
               </a:spcBef>
@@ -6248,9 +6425,9 @@
               </a:buClr>
               <a:buSzPts val="1600"/>
               <a:buNone/>
-              <a:defRPr b="1" sz="1600"/>
+              <a:defRPr sz="1600" b="1"/>
             </a:lvl6pPr>
-            <a:lvl7pPr indent="-228600" lvl="6" marL="3200400" algn="l">
+            <a:lvl7pPr marL="3200400" lvl="6" indent="-228600" algn="l">
               <a:spcBef>
                 <a:spcPts val="320"/>
               </a:spcBef>
@@ -6262,9 +6439,9 @@
               </a:buClr>
               <a:buSzPts val="1600"/>
               <a:buNone/>
-              <a:defRPr b="1" sz="1600"/>
+              <a:defRPr sz="1600" b="1"/>
             </a:lvl7pPr>
-            <a:lvl8pPr indent="-228600" lvl="7" marL="3657600" algn="l">
+            <a:lvl8pPr marL="3657600" lvl="7" indent="-228600" algn="l">
               <a:spcBef>
                 <a:spcPts val="320"/>
               </a:spcBef>
@@ -6276,9 +6453,9 @@
               </a:buClr>
               <a:buSzPts val="1600"/>
               <a:buNone/>
-              <a:defRPr b="1" sz="1600"/>
+              <a:defRPr sz="1600" b="1"/>
             </a:lvl8pPr>
-            <a:lvl9pPr indent="-228600" lvl="8" marL="4114800" algn="l">
+            <a:lvl9pPr marL="4114800" lvl="8" indent="-228600" algn="l">
               <a:spcBef>
                 <a:spcPts val="320"/>
               </a:spcBef>
@@ -6290,18 +6467,22 @@
               </a:buClr>
               <a:buSzPts val="1600"/>
               <a:buNone/>
-              <a:defRPr b="1" sz="1600"/>
+              <a:defRPr sz="1600" b="1"/>
             </a:lvl9pPr>
           </a:lstStyle>
-          <a:p/>
+          <a:p>
+            <a:endParaRPr/>
+          </a:p>
         </p:txBody>
       </p:sp>
       <p:sp>
         <p:nvSpPr>
           <p:cNvPr id="40" name="Google Shape;40;p9"/>
-          <p:cNvSpPr txBox="1"/>
+          <p:cNvSpPr txBox="1">
+            <a:spLocks noGrp="1"/>
+          </p:cNvSpPr>
           <p:nvPr>
-            <p:ph idx="4" type="body"/>
+            <p:ph type="body" idx="4"/>
           </p:nvPr>
         </p:nvSpPr>
         <p:spPr>
@@ -6318,11 +6499,11 @@
           </a:ln>
         </p:spPr>
         <p:txBody>
-          <a:bodyPr anchorCtr="0" anchor="t" bIns="45700" lIns="91425" spcFirstLastPara="1" rIns="91425" wrap="square" tIns="45700">
+          <a:bodyPr spcFirstLastPara="1" wrap="square" lIns="91425" tIns="45700" rIns="91425" bIns="45700" anchor="t" anchorCtr="0">
             <a:normAutofit/>
           </a:bodyPr>
           <a:lstStyle>
-            <a:lvl1pPr indent="-381000" lvl="0" marL="457200" algn="l">
+            <a:lvl1pPr marL="457200" lvl="0" indent="-381000" algn="l">
               <a:spcBef>
                 <a:spcPts val="480"/>
               </a:spcBef>
@@ -6336,7 +6517,7 @@
               <a:buChar char="•"/>
               <a:defRPr sz="2400"/>
             </a:lvl1pPr>
-            <a:lvl2pPr indent="-355600" lvl="1" marL="914400" algn="l">
+            <a:lvl2pPr marL="914400" lvl="1" indent="-355600" algn="l">
               <a:spcBef>
                 <a:spcPts val="400"/>
               </a:spcBef>
@@ -6350,7 +6531,7 @@
               <a:buChar char="–"/>
               <a:defRPr sz="2000"/>
             </a:lvl2pPr>
-            <a:lvl3pPr indent="-342900" lvl="2" marL="1371600" algn="l">
+            <a:lvl3pPr marL="1371600" lvl="2" indent="-342900" algn="l">
               <a:spcBef>
                 <a:spcPts val="360"/>
               </a:spcBef>
@@ -6364,7 +6545,7 @@
               <a:buChar char="•"/>
               <a:defRPr sz="1800"/>
             </a:lvl3pPr>
-            <a:lvl4pPr indent="-330200" lvl="3" marL="1828800" algn="l">
+            <a:lvl4pPr marL="1828800" lvl="3" indent="-330200" algn="l">
               <a:spcBef>
                 <a:spcPts val="320"/>
               </a:spcBef>
@@ -6378,7 +6559,7 @@
               <a:buChar char="–"/>
               <a:defRPr sz="1600"/>
             </a:lvl4pPr>
-            <a:lvl5pPr indent="-330200" lvl="4" marL="2286000" algn="l">
+            <a:lvl5pPr marL="2286000" lvl="4" indent="-330200" algn="l">
               <a:spcBef>
                 <a:spcPts val="320"/>
               </a:spcBef>
@@ -6392,7 +6573,7 @@
               <a:buChar char="»"/>
               <a:defRPr sz="1600"/>
             </a:lvl5pPr>
-            <a:lvl6pPr indent="-330200" lvl="5" marL="2743200" algn="l">
+            <a:lvl6pPr marL="2743200" lvl="5" indent="-330200" algn="l">
               <a:spcBef>
                 <a:spcPts val="320"/>
               </a:spcBef>
@@ -6406,7 +6587,7 @@
               <a:buChar char="•"/>
               <a:defRPr sz="1600"/>
             </a:lvl6pPr>
-            <a:lvl7pPr indent="-330200" lvl="6" marL="3200400" algn="l">
+            <a:lvl7pPr marL="3200400" lvl="6" indent="-330200" algn="l">
               <a:spcBef>
                 <a:spcPts val="320"/>
               </a:spcBef>
@@ -6420,7 +6601,7 @@
               <a:buChar char="•"/>
               <a:defRPr sz="1600"/>
             </a:lvl7pPr>
-            <a:lvl8pPr indent="-330200" lvl="7" marL="3657600" algn="l">
+            <a:lvl8pPr marL="3657600" lvl="7" indent="-330200" algn="l">
               <a:spcBef>
                 <a:spcPts val="320"/>
               </a:spcBef>
@@ -6434,7 +6615,7 @@
               <a:buChar char="•"/>
               <a:defRPr sz="1600"/>
             </a:lvl8pPr>
-            <a:lvl9pPr indent="-330200" lvl="8" marL="4114800" algn="l">
+            <a:lvl9pPr marL="4114800" lvl="8" indent="-330200" algn="l">
               <a:spcBef>
                 <a:spcPts val="320"/>
               </a:spcBef>
@@ -6449,15 +6630,19 @@
               <a:defRPr sz="1600"/>
             </a:lvl9pPr>
           </a:lstStyle>
-          <a:p/>
+          <a:p>
+            <a:endParaRPr/>
+          </a:p>
         </p:txBody>
       </p:sp>
       <p:sp>
         <p:nvSpPr>
           <p:cNvPr id="41" name="Google Shape;41;p9"/>
-          <p:cNvSpPr txBox="1"/>
+          <p:cNvSpPr txBox="1">
+            <a:spLocks noGrp="1"/>
+          </p:cNvSpPr>
           <p:nvPr>
-            <p:ph idx="10" type="dt"/>
+            <p:ph type="dt" idx="10"/>
           </p:nvPr>
         </p:nvSpPr>
         <p:spPr>
@@ -6474,7 +6659,7 @@
           </a:ln>
         </p:spPr>
         <p:txBody>
-          <a:bodyPr anchorCtr="0" anchor="ctr" bIns="45700" lIns="91425" spcFirstLastPara="1" rIns="91425" wrap="square" tIns="45700">
+          <a:bodyPr spcFirstLastPara="1" wrap="square" lIns="91425" tIns="45700" rIns="91425" bIns="45700" anchor="ctr" anchorCtr="0">
             <a:noAutofit/>
           </a:bodyPr>
           <a:lstStyle>
@@ -6578,15 +6763,19 @@
               <a:defRPr/>
             </a:lvl9pPr>
           </a:lstStyle>
-          <a:p/>
+          <a:p>
+            <a:endParaRPr/>
+          </a:p>
         </p:txBody>
       </p:sp>
       <p:sp>
         <p:nvSpPr>
           <p:cNvPr id="42" name="Google Shape;42;p9"/>
-          <p:cNvSpPr txBox="1"/>
+          <p:cNvSpPr txBox="1">
+            <a:spLocks noGrp="1"/>
+          </p:cNvSpPr>
           <p:nvPr>
-            <p:ph idx="11" type="ftr"/>
+            <p:ph type="ftr" idx="11"/>
           </p:nvPr>
         </p:nvSpPr>
         <p:spPr>
@@ -6603,7 +6792,7 @@
           </a:ln>
         </p:spPr>
         <p:txBody>
-          <a:bodyPr anchorCtr="0" anchor="ctr" bIns="45700" lIns="91425" spcFirstLastPara="1" rIns="91425" wrap="square" tIns="45700">
+          <a:bodyPr spcFirstLastPara="1" wrap="square" lIns="91425" tIns="45700" rIns="91425" bIns="45700" anchor="ctr" anchorCtr="0">
             <a:noAutofit/>
           </a:bodyPr>
           <a:lstStyle>
@@ -6707,15 +6896,19 @@
               <a:defRPr/>
             </a:lvl9pPr>
           </a:lstStyle>
-          <a:p/>
+          <a:p>
+            <a:endParaRPr/>
+          </a:p>
         </p:txBody>
       </p:sp>
       <p:sp>
         <p:nvSpPr>
           <p:cNvPr id="43" name="Google Shape;43;p9"/>
-          <p:cNvSpPr txBox="1"/>
+          <p:cNvSpPr txBox="1">
+            <a:spLocks noGrp="1"/>
+          </p:cNvSpPr>
           <p:nvPr>
-            <p:ph idx="12" type="sldNum"/>
+            <p:ph type="sldNum" idx="12"/>
           </p:nvPr>
         </p:nvSpPr>
         <p:spPr>
@@ -6732,67 +6925,67 @@
           </a:ln>
         </p:spPr>
         <p:txBody>
-          <a:bodyPr anchorCtr="0" anchor="ctr" bIns="45700" lIns="91425" spcFirstLastPara="1" rIns="91425" wrap="square" tIns="45700">
+          <a:bodyPr spcFirstLastPara="1" wrap="square" lIns="91425" tIns="45700" rIns="91425" bIns="45700" anchor="ctr" anchorCtr="0">
             <a:noAutofit/>
           </a:bodyPr>
           <a:lstStyle>
-            <a:lvl1pPr indent="0" lvl="0" marL="0" algn="r">
+            <a:lvl1pPr marL="0" lvl="0" indent="0" algn="r">
               <a:spcBef>
                 <a:spcPts val="0"/>
               </a:spcBef>
               <a:buNone/>
               <a:defRPr/>
             </a:lvl1pPr>
-            <a:lvl2pPr indent="0" lvl="1" marL="0" algn="r">
+            <a:lvl2pPr marL="0" lvl="1" indent="0" algn="r">
               <a:spcBef>
                 <a:spcPts val="0"/>
               </a:spcBef>
               <a:buNone/>
               <a:defRPr/>
             </a:lvl2pPr>
-            <a:lvl3pPr indent="0" lvl="2" marL="0" algn="r">
+            <a:lvl3pPr marL="0" lvl="2" indent="0" algn="r">
               <a:spcBef>
                 <a:spcPts val="0"/>
               </a:spcBef>
               <a:buNone/>
               <a:defRPr/>
             </a:lvl3pPr>
-            <a:lvl4pPr indent="0" lvl="3" marL="0" algn="r">
+            <a:lvl4pPr marL="0" lvl="3" indent="0" algn="r">
               <a:spcBef>
                 <a:spcPts val="0"/>
               </a:spcBef>
               <a:buNone/>
               <a:defRPr/>
             </a:lvl4pPr>
-            <a:lvl5pPr indent="0" lvl="4" marL="0" algn="r">
+            <a:lvl5pPr marL="0" lvl="4" indent="0" algn="r">
               <a:spcBef>
                 <a:spcPts val="0"/>
               </a:spcBef>
               <a:buNone/>
               <a:defRPr/>
             </a:lvl5pPr>
-            <a:lvl6pPr indent="0" lvl="5" marL="0" algn="r">
+            <a:lvl6pPr marL="0" lvl="5" indent="0" algn="r">
               <a:spcBef>
                 <a:spcPts val="0"/>
               </a:spcBef>
               <a:buNone/>
               <a:defRPr/>
             </a:lvl6pPr>
-            <a:lvl7pPr indent="0" lvl="6" marL="0" algn="r">
+            <a:lvl7pPr marL="0" lvl="6" indent="0" algn="r">
               <a:spcBef>
                 <a:spcPts val="0"/>
               </a:spcBef>
               <a:buNone/>
               <a:defRPr/>
             </a:lvl7pPr>
-            <a:lvl8pPr indent="0" lvl="7" marL="0" algn="r">
+            <a:lvl8pPr marL="0" lvl="7" indent="0" algn="r">
               <a:spcBef>
                 <a:spcPts val="0"/>
               </a:spcBef>
               <a:buNone/>
               <a:defRPr/>
             </a:lvl8pPr>
-            <a:lvl9pPr indent="0" lvl="8" marL="0" algn="r">
+            <a:lvl9pPr marL="0" lvl="8" indent="0" algn="r">
               <a:spcBef>
                 <a:spcPts val="0"/>
               </a:spcBef>
@@ -6801,7 +6994,7 @@
             </a:lvl9pPr>
           </a:lstStyle>
           <a:p>
-            <a:pPr indent="0" lvl="0" marL="0" rtl="0" algn="r">
+            <a:pPr marL="0" lvl="0" indent="0" algn="r" rtl="0">
               <a:spcBef>
                 <a:spcPts val="0"/>
               </a:spcBef>
@@ -6821,7 +7014,9 @@
       <p:sp>
         <p:nvSpPr>
           <p:cNvPr id="44" name="Google Shape;44;p9"/>
-          <p:cNvSpPr txBox="1"/>
+          <p:cNvSpPr txBox="1">
+            <a:spLocks noGrp="1"/>
+          </p:cNvSpPr>
           <p:nvPr>
             <p:ph type="title"/>
           </p:nvPr>
@@ -6840,7 +7035,7 @@
           </a:ln>
         </p:spPr>
         <p:txBody>
-          <a:bodyPr anchorCtr="0" anchor="ctr" bIns="45700" lIns="91425" spcFirstLastPara="1" rIns="91425" wrap="square" tIns="45700">
+          <a:bodyPr spcFirstLastPara="1" wrap="square" lIns="91425" tIns="45700" rIns="91425" bIns="45700" anchor="ctr" anchorCtr="0">
             <a:noAutofit/>
           </a:bodyPr>
           <a:lstStyle>
@@ -6857,7 +7052,7 @@
               <a:buSzPts val="3600"/>
               <a:buFont typeface="Calibri"/>
               <a:buNone/>
-              <a:defRPr b="1" sz="3600">
+              <a:defRPr sz="3600" b="1">
                 <a:solidFill>
                   <a:srgbClr val="FFC000"/>
                 </a:solidFill>
@@ -6952,7 +7147,9 @@
               <a:defRPr/>
             </a:lvl9pPr>
           </a:lstStyle>
-          <a:p/>
+          <a:p>
+            <a:endParaRPr/>
+          </a:p>
         </p:txBody>
       </p:sp>
     </p:spTree>
@@ -6964,11 +7161,11 @@
 </file>
 
 <file path=ppt/slideLayouts/slideLayout6.xml><?xml version="1.0" encoding="utf-8"?>
-<p:sldLayout xmlns:a="http://schemas.openxmlformats.org/drawingml/2006/main" xmlns:r="http://schemas.openxmlformats.org/officeDocument/2006/relationships" xmlns:mc="http://schemas.openxmlformats.org/markup-compatibility/2006" xmlns:mv="urn:schemas-microsoft-com:mac:vml" xmlns:p="http://schemas.openxmlformats.org/presentationml/2006/main" xmlns:c="http://schemas.openxmlformats.org/drawingml/2006/chart" xmlns:dgm="http://schemas.openxmlformats.org/drawingml/2006/diagram" xmlns:o="urn:schemas-microsoft-com:office:office" xmlns:v="urn:schemas-microsoft-com:vml" xmlns:pvml="urn:schemas-microsoft-com:office:powerpoint" xmlns:com="http://schemas.openxmlformats.org/drawingml/2006/compatibility" xmlns:p14="http://schemas.microsoft.com/office/powerpoint/2010/main" xmlns:p15="http://schemas.microsoft.com/office/powerpoint/2012/main" xmlns:ahyp="http://schemas.microsoft.com/office/drawing/2018/hyperlinkcolor" matchingName="Title Only">
+<p:sldLayout xmlns:a="http://schemas.openxmlformats.org/drawingml/2006/main" xmlns:r="http://schemas.openxmlformats.org/officeDocument/2006/relationships" xmlns:p="http://schemas.openxmlformats.org/presentationml/2006/main" matchingName="Title Only">
   <p:cSld name="Title Only">
     <p:spTree>
       <p:nvGrpSpPr>
-        <p:cNvPr id="45" name="Shape 45"/>
+        <p:cNvPr id="1" name="Shape 45"/>
         <p:cNvGrpSpPr/>
         <p:nvPr/>
       </p:nvGrpSpPr>
@@ -6983,9 +7180,11 @@
       <p:sp>
         <p:nvSpPr>
           <p:cNvPr id="46" name="Google Shape;46;p10"/>
-          <p:cNvSpPr txBox="1"/>
+          <p:cNvSpPr txBox="1">
+            <a:spLocks noGrp="1"/>
+          </p:cNvSpPr>
           <p:nvPr>
-            <p:ph idx="10" type="dt"/>
+            <p:ph type="dt" idx="10"/>
           </p:nvPr>
         </p:nvSpPr>
         <p:spPr>
@@ -7002,7 +7201,7 @@
           </a:ln>
         </p:spPr>
         <p:txBody>
-          <a:bodyPr anchorCtr="0" anchor="ctr" bIns="45700" lIns="91425" spcFirstLastPara="1" rIns="91425" wrap="square" tIns="45700">
+          <a:bodyPr spcFirstLastPara="1" wrap="square" lIns="91425" tIns="45700" rIns="91425" bIns="45700" anchor="ctr" anchorCtr="0">
             <a:noAutofit/>
           </a:bodyPr>
           <a:lstStyle>
@@ -7106,15 +7305,19 @@
               <a:defRPr/>
             </a:lvl9pPr>
           </a:lstStyle>
-          <a:p/>
+          <a:p>
+            <a:endParaRPr/>
+          </a:p>
         </p:txBody>
       </p:sp>
       <p:sp>
         <p:nvSpPr>
           <p:cNvPr id="47" name="Google Shape;47;p10"/>
-          <p:cNvSpPr txBox="1"/>
+          <p:cNvSpPr txBox="1">
+            <a:spLocks noGrp="1"/>
+          </p:cNvSpPr>
           <p:nvPr>
-            <p:ph idx="11" type="ftr"/>
+            <p:ph type="ftr" idx="11"/>
           </p:nvPr>
         </p:nvSpPr>
         <p:spPr>
@@ -7131,7 +7334,7 @@
           </a:ln>
         </p:spPr>
         <p:txBody>
-          <a:bodyPr anchorCtr="0" anchor="ctr" bIns="45700" lIns="91425" spcFirstLastPara="1" rIns="91425" wrap="square" tIns="45700">
+          <a:bodyPr spcFirstLastPara="1" wrap="square" lIns="91425" tIns="45700" rIns="91425" bIns="45700" anchor="ctr" anchorCtr="0">
             <a:noAutofit/>
           </a:bodyPr>
           <a:lstStyle>
@@ -7235,15 +7438,19 @@
               <a:defRPr/>
             </a:lvl9pPr>
           </a:lstStyle>
-          <a:p/>
+          <a:p>
+            <a:endParaRPr/>
+          </a:p>
         </p:txBody>
       </p:sp>
       <p:sp>
         <p:nvSpPr>
           <p:cNvPr id="48" name="Google Shape;48;p10"/>
-          <p:cNvSpPr txBox="1"/>
+          <p:cNvSpPr txBox="1">
+            <a:spLocks noGrp="1"/>
+          </p:cNvSpPr>
           <p:nvPr>
-            <p:ph idx="12" type="sldNum"/>
+            <p:ph type="sldNum" idx="12"/>
           </p:nvPr>
         </p:nvSpPr>
         <p:spPr>
@@ -7260,67 +7467,67 @@
           </a:ln>
         </p:spPr>
         <p:txBody>
-          <a:bodyPr anchorCtr="0" anchor="ctr" bIns="45700" lIns="91425" spcFirstLastPara="1" rIns="91425" wrap="square" tIns="45700">
+          <a:bodyPr spcFirstLastPara="1" wrap="square" lIns="91425" tIns="45700" rIns="91425" bIns="45700" anchor="ctr" anchorCtr="0">
             <a:noAutofit/>
           </a:bodyPr>
           <a:lstStyle>
-            <a:lvl1pPr indent="0" lvl="0" marL="0" algn="r">
+            <a:lvl1pPr marL="0" lvl="0" indent="0" algn="r">
               <a:spcBef>
                 <a:spcPts val="0"/>
               </a:spcBef>
               <a:buNone/>
               <a:defRPr/>
             </a:lvl1pPr>
-            <a:lvl2pPr indent="0" lvl="1" marL="0" algn="r">
+            <a:lvl2pPr marL="0" lvl="1" indent="0" algn="r">
               <a:spcBef>
                 <a:spcPts val="0"/>
               </a:spcBef>
               <a:buNone/>
               <a:defRPr/>
             </a:lvl2pPr>
-            <a:lvl3pPr indent="0" lvl="2" marL="0" algn="r">
+            <a:lvl3pPr marL="0" lvl="2" indent="0" algn="r">
               <a:spcBef>
                 <a:spcPts val="0"/>
               </a:spcBef>
               <a:buNone/>
               <a:defRPr/>
             </a:lvl3pPr>
-            <a:lvl4pPr indent="0" lvl="3" marL="0" algn="r">
+            <a:lvl4pPr marL="0" lvl="3" indent="0" algn="r">
               <a:spcBef>
                 <a:spcPts val="0"/>
               </a:spcBef>
               <a:buNone/>
               <a:defRPr/>
             </a:lvl4pPr>
-            <a:lvl5pPr indent="0" lvl="4" marL="0" algn="r">
+            <a:lvl5pPr marL="0" lvl="4" indent="0" algn="r">
               <a:spcBef>
                 <a:spcPts val="0"/>
               </a:spcBef>
               <a:buNone/>
               <a:defRPr/>
             </a:lvl5pPr>
-            <a:lvl6pPr indent="0" lvl="5" marL="0" algn="r">
+            <a:lvl6pPr marL="0" lvl="5" indent="0" algn="r">
               <a:spcBef>
                 <a:spcPts val="0"/>
               </a:spcBef>
               <a:buNone/>
               <a:defRPr/>
             </a:lvl6pPr>
-            <a:lvl7pPr indent="0" lvl="6" marL="0" algn="r">
+            <a:lvl7pPr marL="0" lvl="6" indent="0" algn="r">
               <a:spcBef>
                 <a:spcPts val="0"/>
               </a:spcBef>
               <a:buNone/>
               <a:defRPr/>
             </a:lvl7pPr>
-            <a:lvl8pPr indent="0" lvl="7" marL="0" algn="r">
+            <a:lvl8pPr marL="0" lvl="7" indent="0" algn="r">
               <a:spcBef>
                 <a:spcPts val="0"/>
               </a:spcBef>
               <a:buNone/>
               <a:defRPr/>
             </a:lvl8pPr>
-            <a:lvl9pPr indent="0" lvl="8" marL="0" algn="r">
+            <a:lvl9pPr marL="0" lvl="8" indent="0" algn="r">
               <a:spcBef>
                 <a:spcPts val="0"/>
               </a:spcBef>
@@ -7329,7 +7536,7 @@
             </a:lvl9pPr>
           </a:lstStyle>
           <a:p>
-            <a:pPr indent="0" lvl="0" marL="0" rtl="0" algn="r">
+            <a:pPr marL="0" lvl="0" indent="0" algn="r" rtl="0">
               <a:spcBef>
                 <a:spcPts val="0"/>
               </a:spcBef>
@@ -7349,7 +7556,9 @@
       <p:sp>
         <p:nvSpPr>
           <p:cNvPr id="49" name="Google Shape;49;p10"/>
-          <p:cNvSpPr txBox="1"/>
+          <p:cNvSpPr txBox="1">
+            <a:spLocks noGrp="1"/>
+          </p:cNvSpPr>
           <p:nvPr>
             <p:ph type="title"/>
           </p:nvPr>
@@ -7368,7 +7577,7 @@
           </a:ln>
         </p:spPr>
         <p:txBody>
-          <a:bodyPr anchorCtr="0" anchor="ctr" bIns="45700" lIns="91425" spcFirstLastPara="1" rIns="91425" wrap="square" tIns="45700">
+          <a:bodyPr spcFirstLastPara="1" wrap="square" lIns="91425" tIns="45700" rIns="91425" bIns="45700" anchor="ctr" anchorCtr="0">
             <a:noAutofit/>
           </a:bodyPr>
           <a:lstStyle>
@@ -7385,7 +7594,7 @@
               <a:buSzPts val="3600"/>
               <a:buFont typeface="Calibri"/>
               <a:buNone/>
-              <a:defRPr b="1" sz="3600">
+              <a:defRPr sz="3600" b="1">
                 <a:solidFill>
                   <a:srgbClr val="FFC000"/>
                 </a:solidFill>
@@ -7480,7 +7689,9 @@
               <a:defRPr/>
             </a:lvl9pPr>
           </a:lstStyle>
-          <a:p/>
+          <a:p>
+            <a:endParaRPr/>
+          </a:p>
         </p:txBody>
       </p:sp>
     </p:spTree>
@@ -7492,11 +7703,11 @@
 </file>
 
 <file path=ppt/slideLayouts/slideLayout7.xml><?xml version="1.0" encoding="utf-8"?>
-<p:sldLayout xmlns:a="http://schemas.openxmlformats.org/drawingml/2006/main" xmlns:r="http://schemas.openxmlformats.org/officeDocument/2006/relationships" xmlns:mc="http://schemas.openxmlformats.org/markup-compatibility/2006" xmlns:mv="urn:schemas-microsoft-com:mac:vml" xmlns:p="http://schemas.openxmlformats.org/presentationml/2006/main" xmlns:c="http://schemas.openxmlformats.org/drawingml/2006/chart" xmlns:dgm="http://schemas.openxmlformats.org/drawingml/2006/diagram" xmlns:o="urn:schemas-microsoft-com:office:office" xmlns:v="urn:schemas-microsoft-com:vml" xmlns:pvml="urn:schemas-microsoft-com:office:powerpoint" xmlns:com="http://schemas.openxmlformats.org/drawingml/2006/compatibility" xmlns:p14="http://schemas.microsoft.com/office/powerpoint/2010/main" xmlns:p15="http://schemas.microsoft.com/office/powerpoint/2012/main" xmlns:ahyp="http://schemas.microsoft.com/office/drawing/2018/hyperlinkcolor" matchingName="Blank" type="blank">
+<p:sldLayout xmlns:a="http://schemas.openxmlformats.org/drawingml/2006/main" xmlns:r="http://schemas.openxmlformats.org/officeDocument/2006/relationships" xmlns:p="http://schemas.openxmlformats.org/presentationml/2006/main" matchingName="Blank" type="blank">
   <p:cSld name="BLANK">
     <p:spTree>
       <p:nvGrpSpPr>
-        <p:cNvPr id="50" name="Shape 50"/>
+        <p:cNvPr id="1" name="Shape 50"/>
         <p:cNvGrpSpPr/>
         <p:nvPr/>
       </p:nvGrpSpPr>
@@ -7511,9 +7722,11 @@
       <p:sp>
         <p:nvSpPr>
           <p:cNvPr id="51" name="Google Shape;51;p11"/>
-          <p:cNvSpPr txBox="1"/>
+          <p:cNvSpPr txBox="1">
+            <a:spLocks noGrp="1"/>
+          </p:cNvSpPr>
           <p:nvPr>
-            <p:ph idx="10" type="dt"/>
+            <p:ph type="dt" idx="10"/>
           </p:nvPr>
         </p:nvSpPr>
         <p:spPr>
@@ -7530,7 +7743,7 @@
           </a:ln>
         </p:spPr>
         <p:txBody>
-          <a:bodyPr anchorCtr="0" anchor="ctr" bIns="45700" lIns="91425" spcFirstLastPara="1" rIns="91425" wrap="square" tIns="45700">
+          <a:bodyPr spcFirstLastPara="1" wrap="square" lIns="91425" tIns="45700" rIns="91425" bIns="45700" anchor="ctr" anchorCtr="0">
             <a:noAutofit/>
           </a:bodyPr>
           <a:lstStyle>
@@ -7634,15 +7847,19 @@
               <a:defRPr/>
             </a:lvl9pPr>
           </a:lstStyle>
-          <a:p/>
+          <a:p>
+            <a:endParaRPr/>
+          </a:p>
         </p:txBody>
       </p:sp>
       <p:sp>
         <p:nvSpPr>
           <p:cNvPr id="52" name="Google Shape;52;p11"/>
-          <p:cNvSpPr txBox="1"/>
+          <p:cNvSpPr txBox="1">
+            <a:spLocks noGrp="1"/>
+          </p:cNvSpPr>
           <p:nvPr>
-            <p:ph idx="11" type="ftr"/>
+            <p:ph type="ftr" idx="11"/>
           </p:nvPr>
         </p:nvSpPr>
         <p:spPr>
@@ -7659,7 +7876,7 @@
           </a:ln>
         </p:spPr>
         <p:txBody>
-          <a:bodyPr anchorCtr="0" anchor="ctr" bIns="45700" lIns="91425" spcFirstLastPara="1" rIns="91425" wrap="square" tIns="45700">
+          <a:bodyPr spcFirstLastPara="1" wrap="square" lIns="91425" tIns="45700" rIns="91425" bIns="45700" anchor="ctr" anchorCtr="0">
             <a:noAutofit/>
           </a:bodyPr>
           <a:lstStyle>
@@ -7763,15 +7980,19 @@
               <a:defRPr/>
             </a:lvl9pPr>
           </a:lstStyle>
-          <a:p/>
+          <a:p>
+            <a:endParaRPr/>
+          </a:p>
         </p:txBody>
       </p:sp>
       <p:sp>
         <p:nvSpPr>
           <p:cNvPr id="53" name="Google Shape;53;p11"/>
-          <p:cNvSpPr txBox="1"/>
+          <p:cNvSpPr txBox="1">
+            <a:spLocks noGrp="1"/>
+          </p:cNvSpPr>
           <p:nvPr>
-            <p:ph idx="12" type="sldNum"/>
+            <p:ph type="sldNum" idx="12"/>
           </p:nvPr>
         </p:nvSpPr>
         <p:spPr>
@@ -7788,67 +8009,67 @@
           </a:ln>
         </p:spPr>
         <p:txBody>
-          <a:bodyPr anchorCtr="0" anchor="ctr" bIns="45700" lIns="91425" spcFirstLastPara="1" rIns="91425" wrap="square" tIns="45700">
+          <a:bodyPr spcFirstLastPara="1" wrap="square" lIns="91425" tIns="45700" rIns="91425" bIns="45700" anchor="ctr" anchorCtr="0">
             <a:noAutofit/>
           </a:bodyPr>
           <a:lstStyle>
-            <a:lvl1pPr indent="0" lvl="0" marL="0" algn="r">
+            <a:lvl1pPr marL="0" lvl="0" indent="0" algn="r">
               <a:spcBef>
                 <a:spcPts val="0"/>
               </a:spcBef>
               <a:buNone/>
               <a:defRPr/>
             </a:lvl1pPr>
-            <a:lvl2pPr indent="0" lvl="1" marL="0" algn="r">
+            <a:lvl2pPr marL="0" lvl="1" indent="0" algn="r">
               <a:spcBef>
                 <a:spcPts val="0"/>
               </a:spcBef>
               <a:buNone/>
               <a:defRPr/>
             </a:lvl2pPr>
-            <a:lvl3pPr indent="0" lvl="2" marL="0" algn="r">
+            <a:lvl3pPr marL="0" lvl="2" indent="0" algn="r">
               <a:spcBef>
                 <a:spcPts val="0"/>
               </a:spcBef>
               <a:buNone/>
               <a:defRPr/>
             </a:lvl3pPr>
-            <a:lvl4pPr indent="0" lvl="3" marL="0" algn="r">
+            <a:lvl4pPr marL="0" lvl="3" indent="0" algn="r">
               <a:spcBef>
                 <a:spcPts val="0"/>
               </a:spcBef>
               <a:buNone/>
               <a:defRPr/>
             </a:lvl4pPr>
-            <a:lvl5pPr indent="0" lvl="4" marL="0" algn="r">
+            <a:lvl5pPr marL="0" lvl="4" indent="0" algn="r">
               <a:spcBef>
                 <a:spcPts val="0"/>
               </a:spcBef>
               <a:buNone/>
               <a:defRPr/>
             </a:lvl5pPr>
-            <a:lvl6pPr indent="0" lvl="5" marL="0" algn="r">
+            <a:lvl6pPr marL="0" lvl="5" indent="0" algn="r">
               <a:spcBef>
                 <a:spcPts val="0"/>
               </a:spcBef>
               <a:buNone/>
               <a:defRPr/>
             </a:lvl6pPr>
-            <a:lvl7pPr indent="0" lvl="6" marL="0" algn="r">
+            <a:lvl7pPr marL="0" lvl="6" indent="0" algn="r">
               <a:spcBef>
                 <a:spcPts val="0"/>
               </a:spcBef>
               <a:buNone/>
               <a:defRPr/>
             </a:lvl7pPr>
-            <a:lvl8pPr indent="0" lvl="7" marL="0" algn="r">
+            <a:lvl8pPr marL="0" lvl="7" indent="0" algn="r">
               <a:spcBef>
                 <a:spcPts val="0"/>
               </a:spcBef>
               <a:buNone/>
               <a:defRPr/>
             </a:lvl8pPr>
-            <a:lvl9pPr indent="0" lvl="8" marL="0" algn="r">
+            <a:lvl9pPr marL="0" lvl="8" indent="0" algn="r">
               <a:spcBef>
                 <a:spcPts val="0"/>
               </a:spcBef>
@@ -7857,7 +8078,7 @@
             </a:lvl9pPr>
           </a:lstStyle>
           <a:p>
-            <a:pPr indent="0" lvl="0" marL="0" rtl="0" algn="r">
+            <a:pPr marL="0" lvl="0" indent="0" algn="r" rtl="0">
               <a:spcBef>
                 <a:spcPts val="0"/>
               </a:spcBef>
@@ -7883,11 +8104,11 @@
 </file>
 
 <file path=ppt/slideLayouts/slideLayout8.xml><?xml version="1.0" encoding="utf-8"?>
-<p:sldLayout xmlns:a="http://schemas.openxmlformats.org/drawingml/2006/main" xmlns:r="http://schemas.openxmlformats.org/officeDocument/2006/relationships" xmlns:mc="http://schemas.openxmlformats.org/markup-compatibility/2006" xmlns:mv="urn:schemas-microsoft-com:mac:vml" xmlns:p="http://schemas.openxmlformats.org/presentationml/2006/main" xmlns:c="http://schemas.openxmlformats.org/drawingml/2006/chart" xmlns:dgm="http://schemas.openxmlformats.org/drawingml/2006/diagram" xmlns:o="urn:schemas-microsoft-com:office:office" xmlns:v="urn:schemas-microsoft-com:vml" xmlns:pvml="urn:schemas-microsoft-com:office:powerpoint" xmlns:com="http://schemas.openxmlformats.org/drawingml/2006/compatibility" xmlns:p14="http://schemas.microsoft.com/office/powerpoint/2010/main" xmlns:p15="http://schemas.microsoft.com/office/powerpoint/2012/main" xmlns:ahyp="http://schemas.microsoft.com/office/drawing/2018/hyperlinkcolor" matchingName="Content with Caption" type="objTx">
+<p:sldLayout xmlns:a="http://schemas.openxmlformats.org/drawingml/2006/main" xmlns:r="http://schemas.openxmlformats.org/officeDocument/2006/relationships" xmlns:p="http://schemas.openxmlformats.org/presentationml/2006/main" matchingName="Content with Caption" type="objTx">
   <p:cSld name="OBJECT_WITH_CAPTION_TEXT">
     <p:spTree>
       <p:nvGrpSpPr>
-        <p:cNvPr id="54" name="Shape 54"/>
+        <p:cNvPr id="1" name="Shape 54"/>
         <p:cNvGrpSpPr/>
         <p:nvPr/>
       </p:nvGrpSpPr>
@@ -7902,7 +8123,9 @@
       <p:sp>
         <p:nvSpPr>
           <p:cNvPr id="55" name="Google Shape;55;p12"/>
-          <p:cNvSpPr txBox="1"/>
+          <p:cNvSpPr txBox="1">
+            <a:spLocks noGrp="1"/>
+          </p:cNvSpPr>
           <p:nvPr>
             <p:ph type="title"/>
           </p:nvPr>
@@ -7921,7 +8144,7 @@
           </a:ln>
         </p:spPr>
         <p:txBody>
-          <a:bodyPr anchorCtr="0" anchor="b" bIns="45700" lIns="91425" spcFirstLastPara="1" rIns="91425" wrap="square" tIns="45700">
+          <a:bodyPr spcFirstLastPara="1" wrap="square" lIns="91425" tIns="45700" rIns="91425" bIns="45700" anchor="b" anchorCtr="0">
             <a:normAutofit/>
           </a:bodyPr>
           <a:lstStyle>
@@ -7938,7 +8161,7 @@
               <a:buSzPts val="2000"/>
               <a:buFont typeface="Calibri"/>
               <a:buNone/>
-              <a:defRPr b="1" sz="2000"/>
+              <a:defRPr sz="2000" b="1"/>
             </a:lvl1pPr>
             <a:lvl2pPr lvl="1">
               <a:spcBef>
@@ -8029,15 +8252,19 @@
               <a:defRPr/>
             </a:lvl9pPr>
           </a:lstStyle>
-          <a:p/>
+          <a:p>
+            <a:endParaRPr/>
+          </a:p>
         </p:txBody>
       </p:sp>
       <p:sp>
         <p:nvSpPr>
           <p:cNvPr id="56" name="Google Shape;56;p12"/>
-          <p:cNvSpPr txBox="1"/>
+          <p:cNvSpPr txBox="1">
+            <a:spLocks noGrp="1"/>
+          </p:cNvSpPr>
           <p:nvPr>
-            <p:ph idx="1" type="body"/>
+            <p:ph type="body" idx="1"/>
           </p:nvPr>
         </p:nvSpPr>
         <p:spPr>
@@ -8054,11 +8281,11 @@
           </a:ln>
         </p:spPr>
         <p:txBody>
-          <a:bodyPr anchorCtr="0" anchor="t" bIns="45700" lIns="91425" spcFirstLastPara="1" rIns="91425" wrap="square" tIns="45700">
+          <a:bodyPr spcFirstLastPara="1" wrap="square" lIns="91425" tIns="45700" rIns="91425" bIns="45700" anchor="t" anchorCtr="0">
             <a:normAutofit/>
           </a:bodyPr>
           <a:lstStyle>
-            <a:lvl1pPr indent="-431800" lvl="0" marL="457200" algn="l">
+            <a:lvl1pPr marL="457200" lvl="0" indent="-431800" algn="l">
               <a:spcBef>
                 <a:spcPts val="640"/>
               </a:spcBef>
@@ -8072,7 +8299,7 @@
               <a:buChar char="•"/>
               <a:defRPr sz="3200"/>
             </a:lvl1pPr>
-            <a:lvl2pPr indent="-406400" lvl="1" marL="914400" algn="l">
+            <a:lvl2pPr marL="914400" lvl="1" indent="-406400" algn="l">
               <a:spcBef>
                 <a:spcPts val="560"/>
               </a:spcBef>
@@ -8086,7 +8313,7 @@
               <a:buChar char="–"/>
               <a:defRPr sz="2800"/>
             </a:lvl2pPr>
-            <a:lvl3pPr indent="-381000" lvl="2" marL="1371600" algn="l">
+            <a:lvl3pPr marL="1371600" lvl="2" indent="-381000" algn="l">
               <a:spcBef>
                 <a:spcPts val="480"/>
               </a:spcBef>
@@ -8100,7 +8327,7 @@
               <a:buChar char="•"/>
               <a:defRPr sz="2400"/>
             </a:lvl3pPr>
-            <a:lvl4pPr indent="-355600" lvl="3" marL="1828800" algn="l">
+            <a:lvl4pPr marL="1828800" lvl="3" indent="-355600" algn="l">
               <a:spcBef>
                 <a:spcPts val="400"/>
               </a:spcBef>
@@ -8114,7 +8341,7 @@
               <a:buChar char="–"/>
               <a:defRPr sz="2000"/>
             </a:lvl4pPr>
-            <a:lvl5pPr indent="-355600" lvl="4" marL="2286000" algn="l">
+            <a:lvl5pPr marL="2286000" lvl="4" indent="-355600" algn="l">
               <a:spcBef>
                 <a:spcPts val="400"/>
               </a:spcBef>
@@ -8128,7 +8355,7 @@
               <a:buChar char="»"/>
               <a:defRPr sz="2000"/>
             </a:lvl5pPr>
-            <a:lvl6pPr indent="-355600" lvl="5" marL="2743200" algn="l">
+            <a:lvl6pPr marL="2743200" lvl="5" indent="-355600" algn="l">
               <a:spcBef>
                 <a:spcPts val="400"/>
               </a:spcBef>
@@ -8142,7 +8369,7 @@
               <a:buChar char="•"/>
               <a:defRPr sz="2000"/>
             </a:lvl6pPr>
-            <a:lvl7pPr indent="-355600" lvl="6" marL="3200400" algn="l">
+            <a:lvl7pPr marL="3200400" lvl="6" indent="-355600" algn="l">
               <a:spcBef>
                 <a:spcPts val="400"/>
               </a:spcBef>
@@ -8156,7 +8383,7 @@
               <a:buChar char="•"/>
               <a:defRPr sz="2000"/>
             </a:lvl7pPr>
-            <a:lvl8pPr indent="-355600" lvl="7" marL="3657600" algn="l">
+            <a:lvl8pPr marL="3657600" lvl="7" indent="-355600" algn="l">
               <a:spcBef>
                 <a:spcPts val="400"/>
               </a:spcBef>
@@ -8170,7 +8397,7 @@
               <a:buChar char="•"/>
               <a:defRPr sz="2000"/>
             </a:lvl8pPr>
-            <a:lvl9pPr indent="-355600" lvl="8" marL="4114800" algn="l">
+            <a:lvl9pPr marL="4114800" lvl="8" indent="-355600" algn="l">
               <a:spcBef>
                 <a:spcPts val="400"/>
               </a:spcBef>
@@ -8185,15 +8412,19 @@
               <a:defRPr sz="2000"/>
             </a:lvl9pPr>
           </a:lstStyle>
-          <a:p/>
+          <a:p>
+            <a:endParaRPr/>
+          </a:p>
         </p:txBody>
       </p:sp>
       <p:sp>
         <p:nvSpPr>
           <p:cNvPr id="57" name="Google Shape;57;p12"/>
-          <p:cNvSpPr txBox="1"/>
+          <p:cNvSpPr txBox="1">
+            <a:spLocks noGrp="1"/>
+          </p:cNvSpPr>
           <p:nvPr>
-            <p:ph idx="2" type="body"/>
+            <p:ph type="body" idx="2"/>
           </p:nvPr>
         </p:nvSpPr>
         <p:spPr>
@@ -8210,11 +8441,11 @@
           </a:ln>
         </p:spPr>
         <p:txBody>
-          <a:bodyPr anchorCtr="0" anchor="t" bIns="45700" lIns="91425" spcFirstLastPara="1" rIns="91425" wrap="square" tIns="45700">
+          <a:bodyPr spcFirstLastPara="1" wrap="square" lIns="91425" tIns="45700" rIns="91425" bIns="45700" anchor="t" anchorCtr="0">
             <a:normAutofit/>
           </a:bodyPr>
           <a:lstStyle>
-            <a:lvl1pPr indent="-228600" lvl="0" marL="457200" algn="l">
+            <a:lvl1pPr marL="457200" lvl="0" indent="-228600" algn="l">
               <a:spcBef>
                 <a:spcPts val="280"/>
               </a:spcBef>
@@ -8228,7 +8459,7 @@
               <a:buNone/>
               <a:defRPr sz="1400"/>
             </a:lvl1pPr>
-            <a:lvl2pPr indent="-228600" lvl="1" marL="914400" algn="l">
+            <a:lvl2pPr marL="914400" lvl="1" indent="-228600" algn="l">
               <a:spcBef>
                 <a:spcPts val="240"/>
               </a:spcBef>
@@ -8242,7 +8473,7 @@
               <a:buNone/>
               <a:defRPr sz="1200"/>
             </a:lvl2pPr>
-            <a:lvl3pPr indent="-228600" lvl="2" marL="1371600" algn="l">
+            <a:lvl3pPr marL="1371600" lvl="2" indent="-228600" algn="l">
               <a:spcBef>
                 <a:spcPts val="200"/>
               </a:spcBef>
@@ -8256,7 +8487,7 @@
               <a:buNone/>
               <a:defRPr sz="1000"/>
             </a:lvl3pPr>
-            <a:lvl4pPr indent="-228600" lvl="3" marL="1828800" algn="l">
+            <a:lvl4pPr marL="1828800" lvl="3" indent="-228600" algn="l">
               <a:spcBef>
                 <a:spcPts val="180"/>
               </a:spcBef>
@@ -8270,7 +8501,7 @@
               <a:buNone/>
               <a:defRPr sz="900"/>
             </a:lvl4pPr>
-            <a:lvl5pPr indent="-228600" lvl="4" marL="2286000" algn="l">
+            <a:lvl5pPr marL="2286000" lvl="4" indent="-228600" algn="l">
               <a:spcBef>
                 <a:spcPts val="180"/>
               </a:spcBef>
@@ -8284,7 +8515,7 @@
               <a:buNone/>
               <a:defRPr sz="900"/>
             </a:lvl5pPr>
-            <a:lvl6pPr indent="-228600" lvl="5" marL="2743200" algn="l">
+            <a:lvl6pPr marL="2743200" lvl="5" indent="-228600" algn="l">
               <a:spcBef>
                 <a:spcPts val="180"/>
               </a:spcBef>
@@ -8298,7 +8529,7 @@
               <a:buNone/>
               <a:defRPr sz="900"/>
             </a:lvl6pPr>
-            <a:lvl7pPr indent="-228600" lvl="6" marL="3200400" algn="l">
+            <a:lvl7pPr marL="3200400" lvl="6" indent="-228600" algn="l">
               <a:spcBef>
                 <a:spcPts val="180"/>
               </a:spcBef>
@@ -8312,7 +8543,7 @@
               <a:buNone/>
               <a:defRPr sz="900"/>
             </a:lvl7pPr>
-            <a:lvl8pPr indent="-228600" lvl="7" marL="3657600" algn="l">
+            <a:lvl8pPr marL="3657600" lvl="7" indent="-228600" algn="l">
               <a:spcBef>
                 <a:spcPts val="180"/>
               </a:spcBef>
@@ -8326,7 +8557,7 @@
               <a:buNone/>
               <a:defRPr sz="900"/>
             </a:lvl8pPr>
-            <a:lvl9pPr indent="-228600" lvl="8" marL="4114800" algn="l">
+            <a:lvl9pPr marL="4114800" lvl="8" indent="-228600" algn="l">
               <a:spcBef>
                 <a:spcPts val="180"/>
               </a:spcBef>
@@ -8341,15 +8572,19 @@
               <a:defRPr sz="900"/>
             </a:lvl9pPr>
           </a:lstStyle>
-          <a:p/>
+          <a:p>
+            <a:endParaRPr/>
+          </a:p>
         </p:txBody>
       </p:sp>
       <p:sp>
         <p:nvSpPr>
           <p:cNvPr id="58" name="Google Shape;58;p12"/>
-          <p:cNvSpPr txBox="1"/>
+          <p:cNvSpPr txBox="1">
+            <a:spLocks noGrp="1"/>
+          </p:cNvSpPr>
           <p:nvPr>
-            <p:ph idx="10" type="dt"/>
+            <p:ph type="dt" idx="10"/>
           </p:nvPr>
         </p:nvSpPr>
         <p:spPr>
@@ -8366,7 +8601,7 @@
           </a:ln>
         </p:spPr>
         <p:txBody>
-          <a:bodyPr anchorCtr="0" anchor="ctr" bIns="45700" lIns="91425" spcFirstLastPara="1" rIns="91425" wrap="square" tIns="45700">
+          <a:bodyPr spcFirstLastPara="1" wrap="square" lIns="91425" tIns="45700" rIns="91425" bIns="45700" anchor="ctr" anchorCtr="0">
             <a:noAutofit/>
           </a:bodyPr>
           <a:lstStyle>
@@ -8470,15 +8705,19 @@
               <a:defRPr/>
             </a:lvl9pPr>
           </a:lstStyle>
-          <a:p/>
+          <a:p>
+            <a:endParaRPr/>
+          </a:p>
         </p:txBody>
       </p:sp>
       <p:sp>
         <p:nvSpPr>
           <p:cNvPr id="59" name="Google Shape;59;p12"/>
-          <p:cNvSpPr txBox="1"/>
+          <p:cNvSpPr txBox="1">
+            <a:spLocks noGrp="1"/>
+          </p:cNvSpPr>
           <p:nvPr>
-            <p:ph idx="11" type="ftr"/>
+            <p:ph type="ftr" idx="11"/>
           </p:nvPr>
         </p:nvSpPr>
         <p:spPr>
@@ -8495,7 +8734,7 @@
           </a:ln>
         </p:spPr>
         <p:txBody>
-          <a:bodyPr anchorCtr="0" anchor="ctr" bIns="45700" lIns="91425" spcFirstLastPara="1" rIns="91425" wrap="square" tIns="45700">
+          <a:bodyPr spcFirstLastPara="1" wrap="square" lIns="91425" tIns="45700" rIns="91425" bIns="45700" anchor="ctr" anchorCtr="0">
             <a:noAutofit/>
           </a:bodyPr>
           <a:lstStyle>
@@ -8599,15 +8838,19 @@
               <a:defRPr/>
             </a:lvl9pPr>
           </a:lstStyle>
-          <a:p/>
+          <a:p>
+            <a:endParaRPr/>
+          </a:p>
         </p:txBody>
       </p:sp>
       <p:sp>
         <p:nvSpPr>
           <p:cNvPr id="60" name="Google Shape;60;p12"/>
-          <p:cNvSpPr txBox="1"/>
+          <p:cNvSpPr txBox="1">
+            <a:spLocks noGrp="1"/>
+          </p:cNvSpPr>
           <p:nvPr>
-            <p:ph idx="12" type="sldNum"/>
+            <p:ph type="sldNum" idx="12"/>
           </p:nvPr>
         </p:nvSpPr>
         <p:spPr>
@@ -8624,67 +8867,67 @@
           </a:ln>
         </p:spPr>
         <p:txBody>
-          <a:bodyPr anchorCtr="0" anchor="ctr" bIns="45700" lIns="91425" spcFirstLastPara="1" rIns="91425" wrap="square" tIns="45700">
+          <a:bodyPr spcFirstLastPara="1" wrap="square" lIns="91425" tIns="45700" rIns="91425" bIns="45700" anchor="ctr" anchorCtr="0">
             <a:noAutofit/>
           </a:bodyPr>
           <a:lstStyle>
-            <a:lvl1pPr indent="0" lvl="0" marL="0" algn="r">
+            <a:lvl1pPr marL="0" lvl="0" indent="0" algn="r">
               <a:spcBef>
                 <a:spcPts val="0"/>
               </a:spcBef>
               <a:buNone/>
               <a:defRPr/>
             </a:lvl1pPr>
-            <a:lvl2pPr indent="0" lvl="1" marL="0" algn="r">
+            <a:lvl2pPr marL="0" lvl="1" indent="0" algn="r">
               <a:spcBef>
                 <a:spcPts val="0"/>
               </a:spcBef>
               <a:buNone/>
               <a:defRPr/>
             </a:lvl2pPr>
-            <a:lvl3pPr indent="0" lvl="2" marL="0" algn="r">
+            <a:lvl3pPr marL="0" lvl="2" indent="0" algn="r">
               <a:spcBef>
                 <a:spcPts val="0"/>
               </a:spcBef>
               <a:buNone/>
               <a:defRPr/>
             </a:lvl3pPr>
-            <a:lvl4pPr indent="0" lvl="3" marL="0" algn="r">
+            <a:lvl4pPr marL="0" lvl="3" indent="0" algn="r">
               <a:spcBef>
                 <a:spcPts val="0"/>
               </a:spcBef>
               <a:buNone/>
               <a:defRPr/>
             </a:lvl4pPr>
-            <a:lvl5pPr indent="0" lvl="4" marL="0" algn="r">
+            <a:lvl5pPr marL="0" lvl="4" indent="0" algn="r">
               <a:spcBef>
                 <a:spcPts val="0"/>
               </a:spcBef>
               <a:buNone/>
               <a:defRPr/>
             </a:lvl5pPr>
-            <a:lvl6pPr indent="0" lvl="5" marL="0" algn="r">
+            <a:lvl6pPr marL="0" lvl="5" indent="0" algn="r">
               <a:spcBef>
                 <a:spcPts val="0"/>
               </a:spcBef>
               <a:buNone/>
               <a:defRPr/>
             </a:lvl6pPr>
-            <a:lvl7pPr indent="0" lvl="6" marL="0" algn="r">
+            <a:lvl7pPr marL="0" lvl="6" indent="0" algn="r">
               <a:spcBef>
                 <a:spcPts val="0"/>
               </a:spcBef>
               <a:buNone/>
               <a:defRPr/>
             </a:lvl7pPr>
-            <a:lvl8pPr indent="0" lvl="7" marL="0" algn="r">
+            <a:lvl8pPr marL="0" lvl="7" indent="0" algn="r">
               <a:spcBef>
                 <a:spcPts val="0"/>
               </a:spcBef>
               <a:buNone/>
               <a:defRPr/>
             </a:lvl8pPr>
-            <a:lvl9pPr indent="0" lvl="8" marL="0" algn="r">
+            <a:lvl9pPr marL="0" lvl="8" indent="0" algn="r">
               <a:spcBef>
                 <a:spcPts val="0"/>
               </a:spcBef>
@@ -8693,7 +8936,7 @@
             </a:lvl9pPr>
           </a:lstStyle>
           <a:p>
-            <a:pPr indent="0" lvl="0" marL="0" rtl="0" algn="r">
+            <a:pPr marL="0" lvl="0" indent="0" algn="r" rtl="0">
               <a:spcBef>
                 <a:spcPts val="0"/>
               </a:spcBef>
@@ -8719,11 +8962,11 @@
 </file>
 
 <file path=ppt/slideLayouts/slideLayout9.xml><?xml version="1.0" encoding="utf-8"?>
-<p:sldLayout xmlns:a="http://schemas.openxmlformats.org/drawingml/2006/main" xmlns:r="http://schemas.openxmlformats.org/officeDocument/2006/relationships" xmlns:mc="http://schemas.openxmlformats.org/markup-compatibility/2006" xmlns:mv="urn:schemas-microsoft-com:mac:vml" xmlns:p="http://schemas.openxmlformats.org/presentationml/2006/main" xmlns:c="http://schemas.openxmlformats.org/drawingml/2006/chart" xmlns:dgm="http://schemas.openxmlformats.org/drawingml/2006/diagram" xmlns:o="urn:schemas-microsoft-com:office:office" xmlns:v="urn:schemas-microsoft-com:vml" xmlns:pvml="urn:schemas-microsoft-com:office:powerpoint" xmlns:com="http://schemas.openxmlformats.org/drawingml/2006/compatibility" xmlns:p14="http://schemas.microsoft.com/office/powerpoint/2010/main" xmlns:p15="http://schemas.microsoft.com/office/powerpoint/2012/main" xmlns:ahyp="http://schemas.microsoft.com/office/drawing/2018/hyperlinkcolor" matchingName="Picture with Caption" type="picTx">
+<p:sldLayout xmlns:a="http://schemas.openxmlformats.org/drawingml/2006/main" xmlns:r="http://schemas.openxmlformats.org/officeDocument/2006/relationships" xmlns:p="http://schemas.openxmlformats.org/presentationml/2006/main" matchingName="Picture with Caption" type="picTx">
   <p:cSld name="PICTURE_WITH_CAPTION_TEXT">
     <p:spTree>
       <p:nvGrpSpPr>
-        <p:cNvPr id="61" name="Shape 61"/>
+        <p:cNvPr id="1" name="Shape 61"/>
         <p:cNvGrpSpPr/>
         <p:nvPr/>
       </p:nvGrpSpPr>
@@ -8738,7 +8981,9 @@
       <p:sp>
         <p:nvSpPr>
           <p:cNvPr id="62" name="Google Shape;62;p13"/>
-          <p:cNvSpPr txBox="1"/>
+          <p:cNvSpPr txBox="1">
+            <a:spLocks noGrp="1"/>
+          </p:cNvSpPr>
           <p:nvPr>
             <p:ph type="title"/>
           </p:nvPr>
@@ -8757,7 +9002,7 @@
           </a:ln>
         </p:spPr>
         <p:txBody>
-          <a:bodyPr anchorCtr="0" anchor="b" bIns="45700" lIns="91425" spcFirstLastPara="1" rIns="91425" wrap="square" tIns="45700">
+          <a:bodyPr spcFirstLastPara="1" wrap="square" lIns="91425" tIns="45700" rIns="91425" bIns="45700" anchor="b" anchorCtr="0">
             <a:normAutofit/>
           </a:bodyPr>
           <a:lstStyle>
@@ -8774,7 +9019,7 @@
               <a:buSzPts val="2000"/>
               <a:buFont typeface="Calibri"/>
               <a:buNone/>
-              <a:defRPr b="1" sz="2000"/>
+              <a:defRPr sz="2000" b="1"/>
             </a:lvl1pPr>
             <a:lvl2pPr lvl="1">
               <a:spcBef>
@@ -8865,15 +9110,19 @@
               <a:defRPr/>
             </a:lvl9pPr>
           </a:lstStyle>
-          <a:p/>
+          <a:p>
+            <a:endParaRPr/>
+          </a:p>
         </p:txBody>
       </p:sp>
       <p:sp>
         <p:nvSpPr>
           <p:cNvPr id="63" name="Google Shape;63;p13"/>
-          <p:cNvSpPr/>
+          <p:cNvSpPr>
+            <a:spLocks noGrp="1"/>
+          </p:cNvSpPr>
           <p:nvPr>
-            <p:ph idx="2" type="pic"/>
+            <p:ph type="pic" idx="2"/>
           </p:nvPr>
         </p:nvSpPr>
         <p:spPr>
@@ -8893,9 +9142,11 @@
       <p:sp>
         <p:nvSpPr>
           <p:cNvPr id="64" name="Google Shape;64;p13"/>
-          <p:cNvSpPr txBox="1"/>
+          <p:cNvSpPr txBox="1">
+            <a:spLocks noGrp="1"/>
+          </p:cNvSpPr>
           <p:nvPr>
-            <p:ph idx="1" type="body"/>
+            <p:ph type="body" idx="1"/>
           </p:nvPr>
         </p:nvSpPr>
         <p:spPr>
@@ -8912,11 +9163,11 @@
           </a:ln>
         </p:spPr>
         <p:txBody>
-          <a:bodyPr anchorCtr="0" anchor="t" bIns="45700" lIns="91425" spcFirstLastPara="1" rIns="91425" wrap="square" tIns="45700">
+          <a:bodyPr spcFirstLastPara="1" wrap="square" lIns="91425" tIns="45700" rIns="91425" bIns="45700" anchor="t" anchorCtr="0">
             <a:normAutofit/>
           </a:bodyPr>
           <a:lstStyle>
-            <a:lvl1pPr indent="-228600" lvl="0" marL="457200" algn="l">
+            <a:lvl1pPr marL="457200" lvl="0" indent="-228600" algn="l">
               <a:spcBef>
                 <a:spcPts val="280"/>
               </a:spcBef>
@@ -8930,7 +9181,7 @@
               <a:buNone/>
               <a:defRPr sz="1400"/>
             </a:lvl1pPr>
-            <a:lvl2pPr indent="-228600" lvl="1" marL="914400" algn="l">
+            <a:lvl2pPr marL="914400" lvl="1" indent="-228600" algn="l">
               <a:spcBef>
                 <a:spcPts val="240"/>
               </a:spcBef>
@@ -8944,7 +9195,7 @@
               <a:buNone/>
               <a:defRPr sz="1200"/>
             </a:lvl2pPr>
-            <a:lvl3pPr indent="-228600" lvl="2" marL="1371600" algn="l">
+            <a:lvl3pPr marL="1371600" lvl="2" indent="-228600" algn="l">
               <a:spcBef>
                 <a:spcPts val="200"/>
               </a:spcBef>
@@ -8958,7 +9209,7 @@
               <a:buNone/>
               <a:defRPr sz="1000"/>
             </a:lvl3pPr>
-            <a:lvl4pPr indent="-228600" lvl="3" marL="1828800" algn="l">
+            <a:lvl4pPr marL="1828800" lvl="3" indent="-228600" algn="l">
               <a:spcBef>
                 <a:spcPts val="180"/>
               </a:spcBef>
@@ -8972,7 +9223,7 @@
               <a:buNone/>
               <a:defRPr sz="900"/>
             </a:lvl4pPr>
-            <a:lvl5pPr indent="-228600" lvl="4" marL="2286000" algn="l">
+            <a:lvl5pPr marL="2286000" lvl="4" indent="-228600" algn="l">
               <a:spcBef>
                 <a:spcPts val="180"/>
               </a:spcBef>
@@ -8986,7 +9237,7 @@
               <a:buNone/>
               <a:defRPr sz="900"/>
             </a:lvl5pPr>
-            <a:lvl6pPr indent="-228600" lvl="5" marL="2743200" algn="l">
+            <a:lvl6pPr marL="2743200" lvl="5" indent="-228600" algn="l">
               <a:spcBef>
                 <a:spcPts val="180"/>
               </a:spcBef>
@@ -9000,7 +9251,7 @@
               <a:buNone/>
               <a:defRPr sz="900"/>
             </a:lvl6pPr>
-            <a:lvl7pPr indent="-228600" lvl="6" marL="3200400" algn="l">
+            <a:lvl7pPr marL="3200400" lvl="6" indent="-228600" algn="l">
               <a:spcBef>
                 <a:spcPts val="180"/>
               </a:spcBef>
@@ -9014,7 +9265,7 @@
               <a:buNone/>
               <a:defRPr sz="900"/>
             </a:lvl7pPr>
-            <a:lvl8pPr indent="-228600" lvl="7" marL="3657600" algn="l">
+            <a:lvl8pPr marL="3657600" lvl="7" indent="-228600" algn="l">
               <a:spcBef>
                 <a:spcPts val="180"/>
               </a:spcBef>
@@ -9028,7 +9279,7 @@
               <a:buNone/>
               <a:defRPr sz="900"/>
             </a:lvl8pPr>
-            <a:lvl9pPr indent="-228600" lvl="8" marL="4114800" algn="l">
+            <a:lvl9pPr marL="4114800" lvl="8" indent="-228600" algn="l">
               <a:spcBef>
                 <a:spcPts val="180"/>
               </a:spcBef>
@@ -9043,15 +9294,19 @@
               <a:defRPr sz="900"/>
             </a:lvl9pPr>
           </a:lstStyle>
-          <a:p/>
+          <a:p>
+            <a:endParaRPr/>
+          </a:p>
         </p:txBody>
       </p:sp>
       <p:sp>
         <p:nvSpPr>
           <p:cNvPr id="65" name="Google Shape;65;p13"/>
-          <p:cNvSpPr txBox="1"/>
+          <p:cNvSpPr txBox="1">
+            <a:spLocks noGrp="1"/>
+          </p:cNvSpPr>
           <p:nvPr>
-            <p:ph idx="10" type="dt"/>
+            <p:ph type="dt" idx="10"/>
           </p:nvPr>
         </p:nvSpPr>
         <p:spPr>
@@ -9068,7 +9323,7 @@
           </a:ln>
         </p:spPr>
         <p:txBody>
-          <a:bodyPr anchorCtr="0" anchor="ctr" bIns="45700" lIns="91425" spcFirstLastPara="1" rIns="91425" wrap="square" tIns="45700">
+          <a:bodyPr spcFirstLastPara="1" wrap="square" lIns="91425" tIns="45700" rIns="91425" bIns="45700" anchor="ctr" anchorCtr="0">
             <a:noAutofit/>
           </a:bodyPr>
           <a:lstStyle>
@@ -9172,15 +9427,19 @@
               <a:defRPr/>
             </a:lvl9pPr>
           </a:lstStyle>
-          <a:p/>
+          <a:p>
+            <a:endParaRPr/>
+          </a:p>
         </p:txBody>
       </p:sp>
       <p:sp>
         <p:nvSpPr>
           <p:cNvPr id="66" name="Google Shape;66;p13"/>
-          <p:cNvSpPr txBox="1"/>
+          <p:cNvSpPr txBox="1">
+            <a:spLocks noGrp="1"/>
+          </p:cNvSpPr>
           <p:nvPr>
-            <p:ph idx="11" type="ftr"/>
+            <p:ph type="ftr" idx="11"/>
           </p:nvPr>
         </p:nvSpPr>
         <p:spPr>
@@ -9197,7 +9456,7 @@
           </a:ln>
         </p:spPr>
         <p:txBody>
-          <a:bodyPr anchorCtr="0" anchor="ctr" bIns="45700" lIns="91425" spcFirstLastPara="1" rIns="91425" wrap="square" tIns="45700">
+          <a:bodyPr spcFirstLastPara="1" wrap="square" lIns="91425" tIns="45700" rIns="91425" bIns="45700" anchor="ctr" anchorCtr="0">
             <a:noAutofit/>
           </a:bodyPr>
           <a:lstStyle>
@@ -9301,15 +9560,19 @@
               <a:defRPr/>
             </a:lvl9pPr>
           </a:lstStyle>
-          <a:p/>
+          <a:p>
+            <a:endParaRPr/>
+          </a:p>
         </p:txBody>
       </p:sp>
       <p:sp>
         <p:nvSpPr>
           <p:cNvPr id="67" name="Google Shape;67;p13"/>
-          <p:cNvSpPr txBox="1"/>
+          <p:cNvSpPr txBox="1">
+            <a:spLocks noGrp="1"/>
+          </p:cNvSpPr>
           <p:nvPr>
-            <p:ph idx="12" type="sldNum"/>
+            <p:ph type="sldNum" idx="12"/>
           </p:nvPr>
         </p:nvSpPr>
         <p:spPr>
@@ -9326,67 +9589,67 @@
           </a:ln>
         </p:spPr>
         <p:txBody>
-          <a:bodyPr anchorCtr="0" anchor="ctr" bIns="45700" lIns="91425" spcFirstLastPara="1" rIns="91425" wrap="square" tIns="45700">
+          <a:bodyPr spcFirstLastPara="1" wrap="square" lIns="91425" tIns="45700" rIns="91425" bIns="45700" anchor="ctr" anchorCtr="0">
             <a:noAutofit/>
           </a:bodyPr>
           <a:lstStyle>
-            <a:lvl1pPr indent="0" lvl="0" marL="0" algn="r">
+            <a:lvl1pPr marL="0" lvl="0" indent="0" algn="r">
               <a:spcBef>
                 <a:spcPts val="0"/>
               </a:spcBef>
               <a:buNone/>
               <a:defRPr/>
             </a:lvl1pPr>
-            <a:lvl2pPr indent="0" lvl="1" marL="0" algn="r">
+            <a:lvl2pPr marL="0" lvl="1" indent="0" algn="r">
               <a:spcBef>
                 <a:spcPts val="0"/>
               </a:spcBef>
               <a:buNone/>
               <a:defRPr/>
             </a:lvl2pPr>
-            <a:lvl3pPr indent="0" lvl="2" marL="0" algn="r">
+            <a:lvl3pPr marL="0" lvl="2" indent="0" algn="r">
               <a:spcBef>
                 <a:spcPts val="0"/>
               </a:spcBef>
               <a:buNone/>
               <a:defRPr/>
             </a:lvl3pPr>
-            <a:lvl4pPr indent="0" lvl="3" marL="0" algn="r">
+            <a:lvl4pPr marL="0" lvl="3" indent="0" algn="r">
               <a:spcBef>
                 <a:spcPts val="0"/>
               </a:spcBef>
               <a:buNone/>
               <a:defRPr/>
             </a:lvl4pPr>
-            <a:lvl5pPr indent="0" lvl="4" marL="0" algn="r">
+            <a:lvl5pPr marL="0" lvl="4" indent="0" algn="r">
               <a:spcBef>
                 <a:spcPts val="0"/>
               </a:spcBef>
               <a:buNone/>
               <a:defRPr/>
             </a:lvl5pPr>
-            <a:lvl6pPr indent="0" lvl="5" marL="0" algn="r">
+            <a:lvl6pPr marL="0" lvl="5" indent="0" algn="r">
               <a:spcBef>
                 <a:spcPts val="0"/>
               </a:spcBef>
               <a:buNone/>
               <a:defRPr/>
             </a:lvl6pPr>
-            <a:lvl7pPr indent="0" lvl="6" marL="0" algn="r">
+            <a:lvl7pPr marL="0" lvl="6" indent="0" algn="r">
               <a:spcBef>
                 <a:spcPts val="0"/>
               </a:spcBef>
               <a:buNone/>
               <a:defRPr/>
             </a:lvl7pPr>
-            <a:lvl8pPr indent="0" lvl="7" marL="0" algn="r">
+            <a:lvl8pPr marL="0" lvl="7" indent="0" algn="r">
               <a:spcBef>
                 <a:spcPts val="0"/>
               </a:spcBef>
               <a:buNone/>
               <a:defRPr/>
             </a:lvl8pPr>
-            <a:lvl9pPr indent="0" lvl="8" marL="0" algn="r">
+            <a:lvl9pPr marL="0" lvl="8" indent="0" algn="r">
               <a:spcBef>
                 <a:spcPts val="0"/>
               </a:spcBef>
@@ -9395,7 +9658,7 @@
             </a:lvl9pPr>
           </a:lstStyle>
           <a:p>
-            <a:pPr indent="0" lvl="0" marL="0" rtl="0" algn="r">
+            <a:pPr marL="0" lvl="0" indent="0" algn="r" rtl="0">
               <a:spcBef>
                 <a:spcPts val="0"/>
               </a:spcBef>
@@ -9421,23 +9684,24 @@
 </file>
 
 <file path=ppt/slideMasters/slideMaster1.xml><?xml version="1.0" encoding="utf-8"?>
-<p:sldMaster xmlns:a="http://schemas.openxmlformats.org/drawingml/2006/main" xmlns:r="http://schemas.openxmlformats.org/officeDocument/2006/relationships" xmlns:mc="http://schemas.openxmlformats.org/markup-compatibility/2006" xmlns:mv="urn:schemas-microsoft-com:mac:vml" xmlns:p="http://schemas.openxmlformats.org/presentationml/2006/main" xmlns:c="http://schemas.openxmlformats.org/drawingml/2006/chart" xmlns:dgm="http://schemas.openxmlformats.org/drawingml/2006/diagram" xmlns:o="urn:schemas-microsoft-com:office:office" xmlns:v="urn:schemas-microsoft-com:vml" xmlns:pvml="urn:schemas-microsoft-com:office:powerpoint" xmlns:com="http://schemas.openxmlformats.org/drawingml/2006/compatibility" xmlns:p14="http://schemas.microsoft.com/office/powerpoint/2010/main" xmlns:p15="http://schemas.microsoft.com/office/powerpoint/2012/main" xmlns:ahyp="http://schemas.microsoft.com/office/drawing/2018/hyperlinkcolor">
+<p:sldMaster xmlns:a="http://schemas.openxmlformats.org/drawingml/2006/main" xmlns:r="http://schemas.openxmlformats.org/officeDocument/2006/relationships" xmlns:p="http://schemas.openxmlformats.org/presentationml/2006/main">
   <p:cSld>
     <p:bg>
       <p:bgPr>
         <a:blipFill>
-          <a:blip r:embed="rId1">
+          <a:blip r:embed="rId13">
             <a:alphaModFix/>
           </a:blip>
           <a:stretch>
             <a:fillRect/>
           </a:stretch>
         </a:blipFill>
+        <a:effectLst/>
       </p:bgPr>
     </p:bg>
     <p:spTree>
       <p:nvGrpSpPr>
-        <p:cNvPr id="5" name="Shape 5"/>
+        <p:cNvPr id="1" name="Shape 5"/>
         <p:cNvGrpSpPr/>
         <p:nvPr/>
       </p:nvGrpSpPr>
@@ -9452,7 +9716,9 @@
       <p:sp>
         <p:nvSpPr>
           <p:cNvPr id="6" name="Google Shape;6;p4"/>
-          <p:cNvSpPr txBox="1"/>
+          <p:cNvSpPr txBox="1">
+            <a:spLocks noGrp="1"/>
+          </p:cNvSpPr>
           <p:nvPr>
             <p:ph type="title"/>
           </p:nvPr>
@@ -9471,11 +9737,11 @@
           </a:ln>
         </p:spPr>
         <p:txBody>
-          <a:bodyPr anchorCtr="0" anchor="ctr" bIns="45700" lIns="91425" spcFirstLastPara="1" rIns="91425" wrap="square" tIns="45700">
+          <a:bodyPr spcFirstLastPara="1" wrap="square" lIns="91425" tIns="45700" rIns="91425" bIns="45700" anchor="ctr" anchorCtr="0">
             <a:normAutofit/>
           </a:bodyPr>
           <a:lstStyle>
-            <a:lvl1pPr lvl="0" marR="0" rtl="0" algn="ctr">
+            <a:lvl1pPr marR="0" lvl="0" algn="ctr" rtl="0">
               <a:spcBef>
                 <a:spcPts val="0"/>
               </a:spcBef>
@@ -9488,7 +9754,7 @@
               <a:buSzPts val="4400"/>
               <a:buFont typeface="Calibri"/>
               <a:buNone/>
-              <a:defRPr b="0" i="0" sz="4400" u="none" cap="none" strike="noStrike">
+              <a:defRPr sz="4400" b="0" i="0" u="none" strike="noStrike" cap="none">
                 <a:solidFill>
                   <a:schemeClr val="dk1"/>
                 </a:solidFill>
@@ -9587,15 +9853,19 @@
               <a:defRPr sz="1800"/>
             </a:lvl9pPr>
           </a:lstStyle>
-          <a:p/>
+          <a:p>
+            <a:endParaRPr/>
+          </a:p>
         </p:txBody>
       </p:sp>
       <p:sp>
         <p:nvSpPr>
           <p:cNvPr id="7" name="Google Shape;7;p4"/>
-          <p:cNvSpPr txBox="1"/>
+          <p:cNvSpPr txBox="1">
+            <a:spLocks noGrp="1"/>
+          </p:cNvSpPr>
           <p:nvPr>
-            <p:ph idx="1" type="body"/>
+            <p:ph type="body" idx="1"/>
           </p:nvPr>
         </p:nvSpPr>
         <p:spPr>
@@ -9612,11 +9882,11 @@
           </a:ln>
         </p:spPr>
         <p:txBody>
-          <a:bodyPr anchorCtr="0" anchor="t" bIns="45700" lIns="91425" spcFirstLastPara="1" rIns="91425" wrap="square" tIns="45700">
+          <a:bodyPr spcFirstLastPara="1" wrap="square" lIns="91425" tIns="45700" rIns="91425" bIns="45700" anchor="t" anchorCtr="0">
             <a:normAutofit/>
           </a:bodyPr>
           <a:lstStyle>
-            <a:lvl1pPr indent="-431800" lvl="0" marL="457200" marR="0" rtl="0" algn="l">
+            <a:lvl1pPr marL="457200" marR="0" lvl="0" indent="-431800" algn="l" rtl="0">
               <a:spcBef>
                 <a:spcPts val="640"/>
               </a:spcBef>
@@ -9629,7 +9899,7 @@
               <a:buSzPts val="3200"/>
               <a:buFont typeface="Arial"/>
               <a:buChar char="•"/>
-              <a:defRPr b="0" i="0" sz="3200" u="none" cap="none" strike="noStrike">
+              <a:defRPr sz="3200" b="0" i="0" u="none" strike="noStrike" cap="none">
                 <a:solidFill>
                   <a:schemeClr val="dk1"/>
                 </a:solidFill>
@@ -9639,7 +9909,7 @@
                 <a:sym typeface="Calibri"/>
               </a:defRPr>
             </a:lvl1pPr>
-            <a:lvl2pPr indent="-406400" lvl="1" marL="914400" marR="0" rtl="0" algn="l">
+            <a:lvl2pPr marL="914400" marR="0" lvl="1" indent="-406400" algn="l" rtl="0">
               <a:spcBef>
                 <a:spcPts val="560"/>
               </a:spcBef>
@@ -9652,7 +9922,7 @@
               <a:buSzPts val="2800"/>
               <a:buFont typeface="Arial"/>
               <a:buChar char="–"/>
-              <a:defRPr b="0" i="0" sz="2800" u="none" cap="none" strike="noStrike">
+              <a:defRPr sz="2800" b="0" i="0" u="none" strike="noStrike" cap="none">
                 <a:solidFill>
                   <a:schemeClr val="dk1"/>
                 </a:solidFill>
@@ -9662,7 +9932,7 @@
                 <a:sym typeface="Calibri"/>
               </a:defRPr>
             </a:lvl2pPr>
-            <a:lvl3pPr indent="-381000" lvl="2" marL="1371600" marR="0" rtl="0" algn="l">
+            <a:lvl3pPr marL="1371600" marR="0" lvl="2" indent="-381000" algn="l" rtl="0">
               <a:spcBef>
                 <a:spcPts val="480"/>
               </a:spcBef>
@@ -9675,7 +9945,7 @@
               <a:buSzPts val="2400"/>
               <a:buFont typeface="Arial"/>
               <a:buChar char="•"/>
-              <a:defRPr b="0" i="0" sz="2400" u="none" cap="none" strike="noStrike">
+              <a:defRPr sz="2400" b="0" i="0" u="none" strike="noStrike" cap="none">
                 <a:solidFill>
                   <a:schemeClr val="dk1"/>
                 </a:solidFill>
@@ -9685,7 +9955,7 @@
                 <a:sym typeface="Calibri"/>
               </a:defRPr>
             </a:lvl3pPr>
-            <a:lvl4pPr indent="-355600" lvl="3" marL="1828800" marR="0" rtl="0" algn="l">
+            <a:lvl4pPr marL="1828800" marR="0" lvl="3" indent="-355600" algn="l" rtl="0">
               <a:spcBef>
                 <a:spcPts val="400"/>
               </a:spcBef>
@@ -9698,7 +9968,7 @@
               <a:buSzPts val="2000"/>
               <a:buFont typeface="Arial"/>
               <a:buChar char="–"/>
-              <a:defRPr b="0" i="0" sz="2000" u="none" cap="none" strike="noStrike">
+              <a:defRPr sz="2000" b="0" i="0" u="none" strike="noStrike" cap="none">
                 <a:solidFill>
                   <a:schemeClr val="dk1"/>
                 </a:solidFill>
@@ -9708,7 +9978,7 @@
                 <a:sym typeface="Calibri"/>
               </a:defRPr>
             </a:lvl4pPr>
-            <a:lvl5pPr indent="-355600" lvl="4" marL="2286000" marR="0" rtl="0" algn="l">
+            <a:lvl5pPr marL="2286000" marR="0" lvl="4" indent="-355600" algn="l" rtl="0">
               <a:spcBef>
                 <a:spcPts val="400"/>
               </a:spcBef>
@@ -9721,7 +9991,7 @@
               <a:buSzPts val="2000"/>
               <a:buFont typeface="Arial"/>
               <a:buChar char="»"/>
-              <a:defRPr b="0" i="0" sz="2000" u="none" cap="none" strike="noStrike">
+              <a:defRPr sz="2000" b="0" i="0" u="none" strike="noStrike" cap="none">
                 <a:solidFill>
                   <a:schemeClr val="dk1"/>
                 </a:solidFill>
@@ -9731,7 +10001,7 @@
                 <a:sym typeface="Calibri"/>
               </a:defRPr>
             </a:lvl5pPr>
-            <a:lvl6pPr indent="-355600" lvl="5" marL="2743200" marR="0" rtl="0" algn="l">
+            <a:lvl6pPr marL="2743200" marR="0" lvl="5" indent="-355600" algn="l" rtl="0">
               <a:spcBef>
                 <a:spcPts val="400"/>
               </a:spcBef>
@@ -9744,7 +10014,7 @@
               <a:buSzPts val="2000"/>
               <a:buFont typeface="Arial"/>
               <a:buChar char="•"/>
-              <a:defRPr b="0" i="0" sz="2000" u="none" cap="none" strike="noStrike">
+              <a:defRPr sz="2000" b="0" i="0" u="none" strike="noStrike" cap="none">
                 <a:solidFill>
                   <a:schemeClr val="dk1"/>
                 </a:solidFill>
@@ -9754,7 +10024,7 @@
                 <a:sym typeface="Calibri"/>
               </a:defRPr>
             </a:lvl6pPr>
-            <a:lvl7pPr indent="-355600" lvl="6" marL="3200400" marR="0" rtl="0" algn="l">
+            <a:lvl7pPr marL="3200400" marR="0" lvl="6" indent="-355600" algn="l" rtl="0">
               <a:spcBef>
                 <a:spcPts val="400"/>
               </a:spcBef>
@@ -9767,7 +10037,7 @@
               <a:buSzPts val="2000"/>
               <a:buFont typeface="Arial"/>
               <a:buChar char="•"/>
-              <a:defRPr b="0" i="0" sz="2000" u="none" cap="none" strike="noStrike">
+              <a:defRPr sz="2000" b="0" i="0" u="none" strike="noStrike" cap="none">
                 <a:solidFill>
                   <a:schemeClr val="dk1"/>
                 </a:solidFill>
@@ -9777,7 +10047,7 @@
                 <a:sym typeface="Calibri"/>
               </a:defRPr>
             </a:lvl7pPr>
-            <a:lvl8pPr indent="-355600" lvl="7" marL="3657600" marR="0" rtl="0" algn="l">
+            <a:lvl8pPr marL="3657600" marR="0" lvl="7" indent="-355600" algn="l" rtl="0">
               <a:spcBef>
                 <a:spcPts val="400"/>
               </a:spcBef>
@@ -9790,7 +10060,7 @@
               <a:buSzPts val="2000"/>
               <a:buFont typeface="Arial"/>
               <a:buChar char="•"/>
-              <a:defRPr b="0" i="0" sz="2000" u="none" cap="none" strike="noStrike">
+              <a:defRPr sz="2000" b="0" i="0" u="none" strike="noStrike" cap="none">
                 <a:solidFill>
                   <a:schemeClr val="dk1"/>
                 </a:solidFill>
@@ -9800,7 +10070,7 @@
                 <a:sym typeface="Calibri"/>
               </a:defRPr>
             </a:lvl8pPr>
-            <a:lvl9pPr indent="-355600" lvl="8" marL="4114800" marR="0" rtl="0" algn="l">
+            <a:lvl9pPr marL="4114800" marR="0" lvl="8" indent="-355600" algn="l" rtl="0">
               <a:spcBef>
                 <a:spcPts val="400"/>
               </a:spcBef>
@@ -9813,7 +10083,7 @@
               <a:buSzPts val="2000"/>
               <a:buFont typeface="Arial"/>
               <a:buChar char="•"/>
-              <a:defRPr b="0" i="0" sz="2000" u="none" cap="none" strike="noStrike">
+              <a:defRPr sz="2000" b="0" i="0" u="none" strike="noStrike" cap="none">
                 <a:solidFill>
                   <a:schemeClr val="dk1"/>
                 </a:solidFill>
@@ -9824,15 +10094,19 @@
               </a:defRPr>
             </a:lvl9pPr>
           </a:lstStyle>
-          <a:p/>
+          <a:p>
+            <a:endParaRPr/>
+          </a:p>
         </p:txBody>
       </p:sp>
       <p:sp>
         <p:nvSpPr>
           <p:cNvPr id="8" name="Google Shape;8;p4"/>
-          <p:cNvSpPr txBox="1"/>
+          <p:cNvSpPr txBox="1">
+            <a:spLocks noGrp="1"/>
+          </p:cNvSpPr>
           <p:nvPr>
-            <p:ph idx="10" type="dt"/>
+            <p:ph type="dt" idx="10"/>
           </p:nvPr>
         </p:nvSpPr>
         <p:spPr>
@@ -9849,20 +10123,20 @@
           </a:ln>
         </p:spPr>
         <p:txBody>
-          <a:bodyPr anchorCtr="0" anchor="ctr" bIns="45700" lIns="91425" spcFirstLastPara="1" rIns="91425" wrap="square" tIns="45700">
+          <a:bodyPr spcFirstLastPara="1" wrap="square" lIns="91425" tIns="45700" rIns="91425" bIns="45700" anchor="ctr" anchorCtr="0">
             <a:noAutofit/>
           </a:bodyPr>
           <a:lstStyle>
-            <a:lvl1pPr lvl="0" marR="0" rtl="0" algn="l">
-              <a:spcBef>
-                <a:spcPts val="0"/>
-              </a:spcBef>
-              <a:spcAft>
-                <a:spcPts val="0"/>
-              </a:spcAft>
-              <a:buSzPts val="1400"/>
-              <a:buNone/>
-              <a:defRPr b="0" i="0" sz="1200" u="none" cap="none" strike="noStrike">
+            <a:lvl1pPr marR="0" lvl="0" algn="l" rtl="0">
+              <a:spcBef>
+                <a:spcPts val="0"/>
+              </a:spcBef>
+              <a:spcAft>
+                <a:spcPts val="0"/>
+              </a:spcAft>
+              <a:buSzPts val="1400"/>
+              <a:buNone/>
+              <a:defRPr sz="1200" b="0" i="0" u="none" strike="noStrike" cap="none">
                 <a:solidFill>
                   <a:srgbClr val="888888"/>
                 </a:solidFill>
@@ -9872,16 +10146,16 @@
                 <a:sym typeface="Calibri"/>
               </a:defRPr>
             </a:lvl1pPr>
-            <a:lvl2pPr lvl="1" marR="0" rtl="0" algn="l">
-              <a:spcBef>
-                <a:spcPts val="0"/>
-              </a:spcBef>
-              <a:spcAft>
-                <a:spcPts val="0"/>
-              </a:spcAft>
-              <a:buSzPts val="1400"/>
-              <a:buNone/>
-              <a:defRPr b="0" i="0" sz="1800" u="none" cap="none" strike="noStrike">
+            <a:lvl2pPr marR="0" lvl="1" algn="l" rtl="0">
+              <a:spcBef>
+                <a:spcPts val="0"/>
+              </a:spcBef>
+              <a:spcAft>
+                <a:spcPts val="0"/>
+              </a:spcAft>
+              <a:buSzPts val="1400"/>
+              <a:buNone/>
+              <a:defRPr sz="1800" b="0" i="0" u="none" strike="noStrike" cap="none">
                 <a:solidFill>
                   <a:schemeClr val="dk1"/>
                 </a:solidFill>
@@ -9891,16 +10165,16 @@
                 <a:sym typeface="Calibri"/>
               </a:defRPr>
             </a:lvl2pPr>
-            <a:lvl3pPr lvl="2" marR="0" rtl="0" algn="l">
-              <a:spcBef>
-                <a:spcPts val="0"/>
-              </a:spcBef>
-              <a:spcAft>
-                <a:spcPts val="0"/>
-              </a:spcAft>
-              <a:buSzPts val="1400"/>
-              <a:buNone/>
-              <a:defRPr b="0" i="0" sz="1800" u="none" cap="none" strike="noStrike">
+            <a:lvl3pPr marR="0" lvl="2" algn="l" rtl="0">
+              <a:spcBef>
+                <a:spcPts val="0"/>
+              </a:spcBef>
+              <a:spcAft>
+                <a:spcPts val="0"/>
+              </a:spcAft>
+              <a:buSzPts val="1400"/>
+              <a:buNone/>
+              <a:defRPr sz="1800" b="0" i="0" u="none" strike="noStrike" cap="none">
                 <a:solidFill>
                   <a:schemeClr val="dk1"/>
                 </a:solidFill>
@@ -9910,16 +10184,16 @@
                 <a:sym typeface="Calibri"/>
               </a:defRPr>
             </a:lvl3pPr>
-            <a:lvl4pPr lvl="3" marR="0" rtl="0" algn="l">
-              <a:spcBef>
-                <a:spcPts val="0"/>
-              </a:spcBef>
-              <a:spcAft>
-                <a:spcPts val="0"/>
-              </a:spcAft>
-              <a:buSzPts val="1400"/>
-              <a:buNone/>
-              <a:defRPr b="0" i="0" sz="1800" u="none" cap="none" strike="noStrike">
+            <a:lvl4pPr marR="0" lvl="3" algn="l" rtl="0">
+              <a:spcBef>
+                <a:spcPts val="0"/>
+              </a:spcBef>
+              <a:spcAft>
+                <a:spcPts val="0"/>
+              </a:spcAft>
+              <a:buSzPts val="1400"/>
+              <a:buNone/>
+              <a:defRPr sz="1800" b="0" i="0" u="none" strike="noStrike" cap="none">
                 <a:solidFill>
                   <a:schemeClr val="dk1"/>
                 </a:solidFill>
@@ -9929,16 +10203,16 @@
                 <a:sym typeface="Calibri"/>
               </a:defRPr>
             </a:lvl4pPr>
-            <a:lvl5pPr lvl="4" marR="0" rtl="0" algn="l">
-              <a:spcBef>
-                <a:spcPts val="0"/>
-              </a:spcBef>
-              <a:spcAft>
-                <a:spcPts val="0"/>
-              </a:spcAft>
-              <a:buSzPts val="1400"/>
-              <a:buNone/>
-              <a:defRPr b="0" i="0" sz="1800" u="none" cap="none" strike="noStrike">
+            <a:lvl5pPr marR="0" lvl="4" algn="l" rtl="0">
+              <a:spcBef>
+                <a:spcPts val="0"/>
+              </a:spcBef>
+              <a:spcAft>
+                <a:spcPts val="0"/>
+              </a:spcAft>
+              <a:buSzPts val="1400"/>
+              <a:buNone/>
+              <a:defRPr sz="1800" b="0" i="0" u="none" strike="noStrike" cap="none">
                 <a:solidFill>
                   <a:schemeClr val="dk1"/>
                 </a:solidFill>
@@ -9948,16 +10222,16 @@
                 <a:sym typeface="Calibri"/>
               </a:defRPr>
             </a:lvl5pPr>
-            <a:lvl6pPr lvl="5" marR="0" rtl="0" algn="l">
-              <a:spcBef>
-                <a:spcPts val="0"/>
-              </a:spcBef>
-              <a:spcAft>
-                <a:spcPts val="0"/>
-              </a:spcAft>
-              <a:buSzPts val="1400"/>
-              <a:buNone/>
-              <a:defRPr b="0" i="0" sz="1800" u="none" cap="none" strike="noStrike">
+            <a:lvl6pPr marR="0" lvl="5" algn="l" rtl="0">
+              <a:spcBef>
+                <a:spcPts val="0"/>
+              </a:spcBef>
+              <a:spcAft>
+                <a:spcPts val="0"/>
+              </a:spcAft>
+              <a:buSzPts val="1400"/>
+              <a:buNone/>
+              <a:defRPr sz="1800" b="0" i="0" u="none" strike="noStrike" cap="none">
                 <a:solidFill>
                   <a:schemeClr val="dk1"/>
                 </a:solidFill>
@@ -9967,16 +10241,16 @@
                 <a:sym typeface="Calibri"/>
               </a:defRPr>
             </a:lvl6pPr>
-            <a:lvl7pPr lvl="6" marR="0" rtl="0" algn="l">
-              <a:spcBef>
-                <a:spcPts val="0"/>
-              </a:spcBef>
-              <a:spcAft>
-                <a:spcPts val="0"/>
-              </a:spcAft>
-              <a:buSzPts val="1400"/>
-              <a:buNone/>
-              <a:defRPr b="0" i="0" sz="1800" u="none" cap="none" strike="noStrike">
+            <a:lvl7pPr marR="0" lvl="6" algn="l" rtl="0">
+              <a:spcBef>
+                <a:spcPts val="0"/>
+              </a:spcBef>
+              <a:spcAft>
+                <a:spcPts val="0"/>
+              </a:spcAft>
+              <a:buSzPts val="1400"/>
+              <a:buNone/>
+              <a:defRPr sz="1800" b="0" i="0" u="none" strike="noStrike" cap="none">
                 <a:solidFill>
                   <a:schemeClr val="dk1"/>
                 </a:solidFill>
@@ -9986,16 +10260,16 @@
                 <a:sym typeface="Calibri"/>
               </a:defRPr>
             </a:lvl7pPr>
-            <a:lvl8pPr lvl="7" marR="0" rtl="0" algn="l">
-              <a:spcBef>
-                <a:spcPts val="0"/>
-              </a:spcBef>
-              <a:spcAft>
-                <a:spcPts val="0"/>
-              </a:spcAft>
-              <a:buSzPts val="1400"/>
-              <a:buNone/>
-              <a:defRPr b="0" i="0" sz="1800" u="none" cap="none" strike="noStrike">
+            <a:lvl8pPr marR="0" lvl="7" algn="l" rtl="0">
+              <a:spcBef>
+                <a:spcPts val="0"/>
+              </a:spcBef>
+              <a:spcAft>
+                <a:spcPts val="0"/>
+              </a:spcAft>
+              <a:buSzPts val="1400"/>
+              <a:buNone/>
+              <a:defRPr sz="1800" b="0" i="0" u="none" strike="noStrike" cap="none">
                 <a:solidFill>
                   <a:schemeClr val="dk1"/>
                 </a:solidFill>
@@ -10005,16 +10279,16 @@
                 <a:sym typeface="Calibri"/>
               </a:defRPr>
             </a:lvl8pPr>
-            <a:lvl9pPr lvl="8" marR="0" rtl="0" algn="l">
-              <a:spcBef>
-                <a:spcPts val="0"/>
-              </a:spcBef>
-              <a:spcAft>
-                <a:spcPts val="0"/>
-              </a:spcAft>
-              <a:buSzPts val="1400"/>
-              <a:buNone/>
-              <a:defRPr b="0" i="0" sz="1800" u="none" cap="none" strike="noStrike">
+            <a:lvl9pPr marR="0" lvl="8" algn="l" rtl="0">
+              <a:spcBef>
+                <a:spcPts val="0"/>
+              </a:spcBef>
+              <a:spcAft>
+                <a:spcPts val="0"/>
+              </a:spcAft>
+              <a:buSzPts val="1400"/>
+              <a:buNone/>
+              <a:defRPr sz="1800" b="0" i="0" u="none" strike="noStrike" cap="none">
                 <a:solidFill>
                   <a:schemeClr val="dk1"/>
                 </a:solidFill>
@@ -10025,15 +10299,19 @@
               </a:defRPr>
             </a:lvl9pPr>
           </a:lstStyle>
-          <a:p/>
+          <a:p>
+            <a:endParaRPr/>
+          </a:p>
         </p:txBody>
       </p:sp>
       <p:sp>
         <p:nvSpPr>
           <p:cNvPr id="9" name="Google Shape;9;p4"/>
-          <p:cNvSpPr txBox="1"/>
+          <p:cNvSpPr txBox="1">
+            <a:spLocks noGrp="1"/>
+          </p:cNvSpPr>
           <p:nvPr>
-            <p:ph idx="11" type="ftr"/>
+            <p:ph type="ftr" idx="11"/>
           </p:nvPr>
         </p:nvSpPr>
         <p:spPr>
@@ -10050,20 +10328,20 @@
           </a:ln>
         </p:spPr>
         <p:txBody>
-          <a:bodyPr anchorCtr="0" anchor="ctr" bIns="45700" lIns="91425" spcFirstLastPara="1" rIns="91425" wrap="square" tIns="45700">
+          <a:bodyPr spcFirstLastPara="1" wrap="square" lIns="91425" tIns="45700" rIns="91425" bIns="45700" anchor="ctr" anchorCtr="0">
             <a:noAutofit/>
           </a:bodyPr>
           <a:lstStyle>
-            <a:lvl1pPr lvl="0" marR="0" rtl="0" algn="ctr">
-              <a:spcBef>
-                <a:spcPts val="0"/>
-              </a:spcBef>
-              <a:spcAft>
-                <a:spcPts val="0"/>
-              </a:spcAft>
-              <a:buSzPts val="1400"/>
-              <a:buNone/>
-              <a:defRPr b="0" i="0" sz="1200" u="none" cap="none" strike="noStrike">
+            <a:lvl1pPr marR="0" lvl="0" algn="ctr" rtl="0">
+              <a:spcBef>
+                <a:spcPts val="0"/>
+              </a:spcBef>
+              <a:spcAft>
+                <a:spcPts val="0"/>
+              </a:spcAft>
+              <a:buSzPts val="1400"/>
+              <a:buNone/>
+              <a:defRPr sz="1200" b="0" i="0" u="none" strike="noStrike" cap="none">
                 <a:solidFill>
                   <a:srgbClr val="888888"/>
                 </a:solidFill>
@@ -10073,16 +10351,16 @@
                 <a:sym typeface="Calibri"/>
               </a:defRPr>
             </a:lvl1pPr>
-            <a:lvl2pPr lvl="1" marR="0" rtl="0" algn="l">
-              <a:spcBef>
-                <a:spcPts val="0"/>
-              </a:spcBef>
-              <a:spcAft>
-                <a:spcPts val="0"/>
-              </a:spcAft>
-              <a:buSzPts val="1400"/>
-              <a:buNone/>
-              <a:defRPr b="0" i="0" sz="1800" u="none" cap="none" strike="noStrike">
+            <a:lvl2pPr marR="0" lvl="1" algn="l" rtl="0">
+              <a:spcBef>
+                <a:spcPts val="0"/>
+              </a:spcBef>
+              <a:spcAft>
+                <a:spcPts val="0"/>
+              </a:spcAft>
+              <a:buSzPts val="1400"/>
+              <a:buNone/>
+              <a:defRPr sz="1800" b="0" i="0" u="none" strike="noStrike" cap="none">
                 <a:solidFill>
                   <a:schemeClr val="dk1"/>
                 </a:solidFill>
@@ -10092,16 +10370,16 @@
                 <a:sym typeface="Calibri"/>
               </a:defRPr>
             </a:lvl2pPr>
-            <a:lvl3pPr lvl="2" marR="0" rtl="0" algn="l">
-              <a:spcBef>
-                <a:spcPts val="0"/>
-              </a:spcBef>
-              <a:spcAft>
-                <a:spcPts val="0"/>
-              </a:spcAft>
-              <a:buSzPts val="1400"/>
-              <a:buNone/>
-              <a:defRPr b="0" i="0" sz="1800" u="none" cap="none" strike="noStrike">
+            <a:lvl3pPr marR="0" lvl="2" algn="l" rtl="0">
+              <a:spcBef>
+                <a:spcPts val="0"/>
+              </a:spcBef>
+              <a:spcAft>
+                <a:spcPts val="0"/>
+              </a:spcAft>
+              <a:buSzPts val="1400"/>
+              <a:buNone/>
+              <a:defRPr sz="1800" b="0" i="0" u="none" strike="noStrike" cap="none">
                 <a:solidFill>
                   <a:schemeClr val="dk1"/>
                 </a:solidFill>
@@ -10111,16 +10389,16 @@
                 <a:sym typeface="Calibri"/>
               </a:defRPr>
             </a:lvl3pPr>
-            <a:lvl4pPr lvl="3" marR="0" rtl="0" algn="l">
-              <a:spcBef>
-                <a:spcPts val="0"/>
-              </a:spcBef>
-              <a:spcAft>
-                <a:spcPts val="0"/>
-              </a:spcAft>
-              <a:buSzPts val="1400"/>
-              <a:buNone/>
-              <a:defRPr b="0" i="0" sz="1800" u="none" cap="none" strike="noStrike">
+            <a:lvl4pPr marR="0" lvl="3" algn="l" rtl="0">
+              <a:spcBef>
+                <a:spcPts val="0"/>
+              </a:spcBef>
+              <a:spcAft>
+                <a:spcPts val="0"/>
+              </a:spcAft>
+              <a:buSzPts val="1400"/>
+              <a:buNone/>
+              <a:defRPr sz="1800" b="0" i="0" u="none" strike="noStrike" cap="none">
                 <a:solidFill>
                   <a:schemeClr val="dk1"/>
                 </a:solidFill>
@@ -10130,16 +10408,16 @@
                 <a:sym typeface="Calibri"/>
               </a:defRPr>
             </a:lvl4pPr>
-            <a:lvl5pPr lvl="4" marR="0" rtl="0" algn="l">
-              <a:spcBef>
-                <a:spcPts val="0"/>
-              </a:spcBef>
-              <a:spcAft>
-                <a:spcPts val="0"/>
-              </a:spcAft>
-              <a:buSzPts val="1400"/>
-              <a:buNone/>
-              <a:defRPr b="0" i="0" sz="1800" u="none" cap="none" strike="noStrike">
+            <a:lvl5pPr marR="0" lvl="4" algn="l" rtl="0">
+              <a:spcBef>
+                <a:spcPts val="0"/>
+              </a:spcBef>
+              <a:spcAft>
+                <a:spcPts val="0"/>
+              </a:spcAft>
+              <a:buSzPts val="1400"/>
+              <a:buNone/>
+              <a:defRPr sz="1800" b="0" i="0" u="none" strike="noStrike" cap="none">
                 <a:solidFill>
                   <a:schemeClr val="dk1"/>
                 </a:solidFill>
@@ -10149,16 +10427,16 @@
                 <a:sym typeface="Calibri"/>
               </a:defRPr>
             </a:lvl5pPr>
-            <a:lvl6pPr lvl="5" marR="0" rtl="0" algn="l">
-              <a:spcBef>
-                <a:spcPts val="0"/>
-              </a:spcBef>
-              <a:spcAft>
-                <a:spcPts val="0"/>
-              </a:spcAft>
-              <a:buSzPts val="1400"/>
-              <a:buNone/>
-              <a:defRPr b="0" i="0" sz="1800" u="none" cap="none" strike="noStrike">
+            <a:lvl6pPr marR="0" lvl="5" algn="l" rtl="0">
+              <a:spcBef>
+                <a:spcPts val="0"/>
+              </a:spcBef>
+              <a:spcAft>
+                <a:spcPts val="0"/>
+              </a:spcAft>
+              <a:buSzPts val="1400"/>
+              <a:buNone/>
+              <a:defRPr sz="1800" b="0" i="0" u="none" strike="noStrike" cap="none">
                 <a:solidFill>
                   <a:schemeClr val="dk1"/>
                 </a:solidFill>
@@ -10168,16 +10446,16 @@
                 <a:sym typeface="Calibri"/>
               </a:defRPr>
             </a:lvl6pPr>
-            <a:lvl7pPr lvl="6" marR="0" rtl="0" algn="l">
-              <a:spcBef>
-                <a:spcPts val="0"/>
-              </a:spcBef>
-              <a:spcAft>
-                <a:spcPts val="0"/>
-              </a:spcAft>
-              <a:buSzPts val="1400"/>
-              <a:buNone/>
-              <a:defRPr b="0" i="0" sz="1800" u="none" cap="none" strike="noStrike">
+            <a:lvl7pPr marR="0" lvl="6" algn="l" rtl="0">
+              <a:spcBef>
+                <a:spcPts val="0"/>
+              </a:spcBef>
+              <a:spcAft>
+                <a:spcPts val="0"/>
+              </a:spcAft>
+              <a:buSzPts val="1400"/>
+              <a:buNone/>
+              <a:defRPr sz="1800" b="0" i="0" u="none" strike="noStrike" cap="none">
                 <a:solidFill>
                   <a:schemeClr val="dk1"/>
                 </a:solidFill>
@@ -10187,16 +10465,16 @@
                 <a:sym typeface="Calibri"/>
               </a:defRPr>
             </a:lvl7pPr>
-            <a:lvl8pPr lvl="7" marR="0" rtl="0" algn="l">
-              <a:spcBef>
-                <a:spcPts val="0"/>
-              </a:spcBef>
-              <a:spcAft>
-                <a:spcPts val="0"/>
-              </a:spcAft>
-              <a:buSzPts val="1400"/>
-              <a:buNone/>
-              <a:defRPr b="0" i="0" sz="1800" u="none" cap="none" strike="noStrike">
+            <a:lvl8pPr marR="0" lvl="7" algn="l" rtl="0">
+              <a:spcBef>
+                <a:spcPts val="0"/>
+              </a:spcBef>
+              <a:spcAft>
+                <a:spcPts val="0"/>
+              </a:spcAft>
+              <a:buSzPts val="1400"/>
+              <a:buNone/>
+              <a:defRPr sz="1800" b="0" i="0" u="none" strike="noStrike" cap="none">
                 <a:solidFill>
                   <a:schemeClr val="dk1"/>
                 </a:solidFill>
@@ -10206,16 +10484,16 @@
                 <a:sym typeface="Calibri"/>
               </a:defRPr>
             </a:lvl8pPr>
-            <a:lvl9pPr lvl="8" marR="0" rtl="0" algn="l">
-              <a:spcBef>
-                <a:spcPts val="0"/>
-              </a:spcBef>
-              <a:spcAft>
-                <a:spcPts val="0"/>
-              </a:spcAft>
-              <a:buSzPts val="1400"/>
-              <a:buNone/>
-              <a:defRPr b="0" i="0" sz="1800" u="none" cap="none" strike="noStrike">
+            <a:lvl9pPr marR="0" lvl="8" algn="l" rtl="0">
+              <a:spcBef>
+                <a:spcPts val="0"/>
+              </a:spcBef>
+              <a:spcAft>
+                <a:spcPts val="0"/>
+              </a:spcAft>
+              <a:buSzPts val="1400"/>
+              <a:buNone/>
+              <a:defRPr sz="1800" b="0" i="0" u="none" strike="noStrike" cap="none">
                 <a:solidFill>
                   <a:schemeClr val="dk1"/>
                 </a:solidFill>
@@ -10226,15 +10504,19 @@
               </a:defRPr>
             </a:lvl9pPr>
           </a:lstStyle>
-          <a:p/>
+          <a:p>
+            <a:endParaRPr/>
+          </a:p>
         </p:txBody>
       </p:sp>
       <p:sp>
         <p:nvSpPr>
           <p:cNvPr id="10" name="Google Shape;10;p4"/>
-          <p:cNvSpPr txBox="1"/>
+          <p:cNvSpPr txBox="1">
+            <a:spLocks noGrp="1"/>
+          </p:cNvSpPr>
           <p:nvPr>
-            <p:ph idx="12" type="sldNum"/>
+            <p:ph type="sldNum" idx="12"/>
           </p:nvPr>
         </p:nvSpPr>
         <p:spPr>
@@ -10251,16 +10533,16 @@
           </a:ln>
         </p:spPr>
         <p:txBody>
-          <a:bodyPr anchorCtr="0" anchor="ctr" bIns="45700" lIns="91425" spcFirstLastPara="1" rIns="91425" wrap="square" tIns="45700">
+          <a:bodyPr spcFirstLastPara="1" wrap="square" lIns="91425" tIns="45700" rIns="91425" bIns="45700" anchor="ctr" anchorCtr="0">
             <a:noAutofit/>
           </a:bodyPr>
           <a:lstStyle>
-            <a:lvl1pPr indent="0" lvl="0" marL="0" marR="0" rtl="0" algn="r">
-              <a:spcBef>
-                <a:spcPts val="0"/>
-              </a:spcBef>
-              <a:buNone/>
-              <a:defRPr b="0" i="0" sz="1200" u="none" cap="none" strike="noStrike">
+            <a:lvl1pPr marL="0" marR="0" lvl="0" indent="0" algn="r" rtl="0">
+              <a:spcBef>
+                <a:spcPts val="0"/>
+              </a:spcBef>
+              <a:buNone/>
+              <a:defRPr sz="1200" b="0" i="0" u="none" strike="noStrike" cap="none">
                 <a:solidFill>
                   <a:srgbClr val="888888"/>
                 </a:solidFill>
@@ -10270,12 +10552,12 @@
                 <a:sym typeface="Calibri"/>
               </a:defRPr>
             </a:lvl1pPr>
-            <a:lvl2pPr indent="0" lvl="1" marL="0" marR="0" rtl="0" algn="r">
-              <a:spcBef>
-                <a:spcPts val="0"/>
-              </a:spcBef>
-              <a:buNone/>
-              <a:defRPr b="0" i="0" sz="1200" u="none" cap="none" strike="noStrike">
+            <a:lvl2pPr marL="0" marR="0" lvl="1" indent="0" algn="r" rtl="0">
+              <a:spcBef>
+                <a:spcPts val="0"/>
+              </a:spcBef>
+              <a:buNone/>
+              <a:defRPr sz="1200" b="0" i="0" u="none" strike="noStrike" cap="none">
                 <a:solidFill>
                   <a:srgbClr val="888888"/>
                 </a:solidFill>
@@ -10285,12 +10567,12 @@
                 <a:sym typeface="Calibri"/>
               </a:defRPr>
             </a:lvl2pPr>
-            <a:lvl3pPr indent="0" lvl="2" marL="0" marR="0" rtl="0" algn="r">
-              <a:spcBef>
-                <a:spcPts val="0"/>
-              </a:spcBef>
-              <a:buNone/>
-              <a:defRPr b="0" i="0" sz="1200" u="none" cap="none" strike="noStrike">
+            <a:lvl3pPr marL="0" marR="0" lvl="2" indent="0" algn="r" rtl="0">
+              <a:spcBef>
+                <a:spcPts val="0"/>
+              </a:spcBef>
+              <a:buNone/>
+              <a:defRPr sz="1200" b="0" i="0" u="none" strike="noStrike" cap="none">
                 <a:solidFill>
                   <a:srgbClr val="888888"/>
                 </a:solidFill>
@@ -10300,12 +10582,12 @@
                 <a:sym typeface="Calibri"/>
               </a:defRPr>
             </a:lvl3pPr>
-            <a:lvl4pPr indent="0" lvl="3" marL="0" marR="0" rtl="0" algn="r">
-              <a:spcBef>
-                <a:spcPts val="0"/>
-              </a:spcBef>
-              <a:buNone/>
-              <a:defRPr b="0" i="0" sz="1200" u="none" cap="none" strike="noStrike">
+            <a:lvl4pPr marL="0" marR="0" lvl="3" indent="0" algn="r" rtl="0">
+              <a:spcBef>
+                <a:spcPts val="0"/>
+              </a:spcBef>
+              <a:buNone/>
+              <a:defRPr sz="1200" b="0" i="0" u="none" strike="noStrike" cap="none">
                 <a:solidFill>
                   <a:srgbClr val="888888"/>
                 </a:solidFill>
@@ -10315,12 +10597,12 @@
                 <a:sym typeface="Calibri"/>
               </a:defRPr>
             </a:lvl4pPr>
-            <a:lvl5pPr indent="0" lvl="4" marL="0" marR="0" rtl="0" algn="r">
-              <a:spcBef>
-                <a:spcPts val="0"/>
-              </a:spcBef>
-              <a:buNone/>
-              <a:defRPr b="0" i="0" sz="1200" u="none" cap="none" strike="noStrike">
+            <a:lvl5pPr marL="0" marR="0" lvl="4" indent="0" algn="r" rtl="0">
+              <a:spcBef>
+                <a:spcPts val="0"/>
+              </a:spcBef>
+              <a:buNone/>
+              <a:defRPr sz="1200" b="0" i="0" u="none" strike="noStrike" cap="none">
                 <a:solidFill>
                   <a:srgbClr val="888888"/>
                 </a:solidFill>
@@ -10330,12 +10612,12 @@
                 <a:sym typeface="Calibri"/>
               </a:defRPr>
             </a:lvl5pPr>
-            <a:lvl6pPr indent="0" lvl="5" marL="0" marR="0" rtl="0" algn="r">
-              <a:spcBef>
-                <a:spcPts val="0"/>
-              </a:spcBef>
-              <a:buNone/>
-              <a:defRPr b="0" i="0" sz="1200" u="none" cap="none" strike="noStrike">
+            <a:lvl6pPr marL="0" marR="0" lvl="5" indent="0" algn="r" rtl="0">
+              <a:spcBef>
+                <a:spcPts val="0"/>
+              </a:spcBef>
+              <a:buNone/>
+              <a:defRPr sz="1200" b="0" i="0" u="none" strike="noStrike" cap="none">
                 <a:solidFill>
                   <a:srgbClr val="888888"/>
                 </a:solidFill>
@@ -10345,12 +10627,12 @@
                 <a:sym typeface="Calibri"/>
               </a:defRPr>
             </a:lvl6pPr>
-            <a:lvl7pPr indent="0" lvl="6" marL="0" marR="0" rtl="0" algn="r">
-              <a:spcBef>
-                <a:spcPts val="0"/>
-              </a:spcBef>
-              <a:buNone/>
-              <a:defRPr b="0" i="0" sz="1200" u="none" cap="none" strike="noStrike">
+            <a:lvl7pPr marL="0" marR="0" lvl="6" indent="0" algn="r" rtl="0">
+              <a:spcBef>
+                <a:spcPts val="0"/>
+              </a:spcBef>
+              <a:buNone/>
+              <a:defRPr sz="1200" b="0" i="0" u="none" strike="noStrike" cap="none">
                 <a:solidFill>
                   <a:srgbClr val="888888"/>
                 </a:solidFill>
@@ -10360,12 +10642,12 @@
                 <a:sym typeface="Calibri"/>
               </a:defRPr>
             </a:lvl7pPr>
-            <a:lvl8pPr indent="0" lvl="7" marL="0" marR="0" rtl="0" algn="r">
-              <a:spcBef>
-                <a:spcPts val="0"/>
-              </a:spcBef>
-              <a:buNone/>
-              <a:defRPr b="0" i="0" sz="1200" u="none" cap="none" strike="noStrike">
+            <a:lvl8pPr marL="0" marR="0" lvl="7" indent="0" algn="r" rtl="0">
+              <a:spcBef>
+                <a:spcPts val="0"/>
+              </a:spcBef>
+              <a:buNone/>
+              <a:defRPr sz="1200" b="0" i="0" u="none" strike="noStrike" cap="none">
                 <a:solidFill>
                   <a:srgbClr val="888888"/>
                 </a:solidFill>
@@ -10375,12 +10657,12 @@
                 <a:sym typeface="Calibri"/>
               </a:defRPr>
             </a:lvl8pPr>
-            <a:lvl9pPr indent="0" lvl="8" marL="0" marR="0" rtl="0" algn="r">
-              <a:spcBef>
-                <a:spcPts val="0"/>
-              </a:spcBef>
-              <a:buNone/>
-              <a:defRPr b="0" i="0" sz="1200" u="none" cap="none" strike="noStrike">
+            <a:lvl9pPr marL="0" marR="0" lvl="8" indent="0" algn="r" rtl="0">
+              <a:spcBef>
+                <a:spcPts val="0"/>
+              </a:spcBef>
+              <a:buNone/>
+              <a:defRPr sz="1200" b="0" i="0" u="none" strike="noStrike" cap="none">
                 <a:solidFill>
                   <a:srgbClr val="888888"/>
                 </a:solidFill>
@@ -10392,7 +10674,7 @@
             </a:lvl9pPr>
           </a:lstStyle>
           <a:p>
-            <a:pPr indent="0" lvl="0" marL="0" rtl="0" algn="r">
+            <a:pPr marL="0" lvl="0" indent="0" algn="r" rtl="0">
               <a:spcBef>
                 <a:spcPts val="0"/>
               </a:spcBef>
@@ -10411,24 +10693,24 @@
       </p:sp>
     </p:spTree>
   </p:cSld>
-  <p:clrMap accent1="accent1" accent2="accent2" accent3="accent3" accent4="accent4" accent5="accent5" accent6="accent6" bg1="lt1" bg2="dk2" tx1="dk1" tx2="lt2" folHlink="folHlink" hlink="hlink"/>
+  <p:clrMap bg1="lt1" tx1="dk1" bg2="dk2" tx2="lt2" accent1="accent1" accent2="accent2" accent3="accent3" accent4="accent4" accent5="accent5" accent6="accent6" hlink="hlink" folHlink="folHlink"/>
   <p:sldLayoutIdLst>
-    <p:sldLayoutId id="2147483649" r:id="rId2"/>
-    <p:sldLayoutId id="2147483650" r:id="rId3"/>
-    <p:sldLayoutId id="2147483651" r:id="rId4"/>
-    <p:sldLayoutId id="2147483652" r:id="rId5"/>
-    <p:sldLayoutId id="2147483653" r:id="rId6"/>
-    <p:sldLayoutId id="2147483654" r:id="rId7"/>
-    <p:sldLayoutId id="2147483655" r:id="rId8"/>
-    <p:sldLayoutId id="2147483656" r:id="rId9"/>
-    <p:sldLayoutId id="2147483657" r:id="rId10"/>
-    <p:sldLayoutId id="2147483658" r:id="rId11"/>
-    <p:sldLayoutId id="2147483659" r:id="rId12"/>
+    <p:sldLayoutId id="2147483649" r:id="rId1"/>
+    <p:sldLayoutId id="2147483650" r:id="rId2"/>
+    <p:sldLayoutId id="2147483651" r:id="rId3"/>
+    <p:sldLayoutId id="2147483652" r:id="rId4"/>
+    <p:sldLayoutId id="2147483653" r:id="rId5"/>
+    <p:sldLayoutId id="2147483654" r:id="rId6"/>
+    <p:sldLayoutId id="2147483655" r:id="rId7"/>
+    <p:sldLayoutId id="2147483656" r:id="rId8"/>
+    <p:sldLayoutId id="2147483657" r:id="rId9"/>
+    <p:sldLayoutId id="2147483658" r:id="rId10"/>
+    <p:sldLayoutId id="2147483659" r:id="rId11"/>
   </p:sldLayoutIdLst>
-  <p:hf dt="0" ftr="0" hdr="0" sldNum="0"/>
+  <p:hf sldNum="0" hdr="0" ftr="0" dt="0"/>
   <p:txStyles>
     <p:titleStyle>
-      <a:defPPr lvl="0" marR="0" rtl="0" algn="l">
+      <a:defPPr marR="0" lvl="0" algn="l" rtl="0">
         <a:lnSpc>
           <a:spcPct val="100000"/>
         </a:lnSpc>
@@ -10439,7 +10721,7 @@
           <a:spcPts val="0"/>
         </a:spcAft>
       </a:defPPr>
-      <a:lvl1pPr lvl="0" marR="0" rtl="0" algn="l">
+      <a:lvl1pPr marR="0" lvl="0" algn="l" rtl="0">
         <a:lnSpc>
           <a:spcPct val="100000"/>
         </a:lnSpc>
@@ -10453,7 +10735,7 @@
           <a:srgbClr val="000000"/>
         </a:buClr>
         <a:buFont typeface="Arial"/>
-        <a:defRPr b="0" i="0" sz="1400" u="none" cap="none" strike="noStrike">
+        <a:defRPr sz="1400" b="0" i="0" u="none" strike="noStrike" cap="none">
           <a:solidFill>
             <a:srgbClr val="000000"/>
           </a:solidFill>
@@ -10463,7 +10745,7 @@
           <a:sym typeface="Arial"/>
         </a:defRPr>
       </a:lvl1pPr>
-      <a:lvl2pPr lvl="1" marR="0" rtl="0" algn="l">
+      <a:lvl2pPr marR="0" lvl="1" algn="l" rtl="0">
         <a:lnSpc>
           <a:spcPct val="100000"/>
         </a:lnSpc>
@@ -10477,7 +10759,7 @@
           <a:srgbClr val="000000"/>
         </a:buClr>
         <a:buFont typeface="Arial"/>
-        <a:defRPr b="0" i="0" sz="1400" u="none" cap="none" strike="noStrike">
+        <a:defRPr sz="1400" b="0" i="0" u="none" strike="noStrike" cap="none">
           <a:solidFill>
             <a:srgbClr val="000000"/>
           </a:solidFill>
@@ -10487,7 +10769,7 @@
           <a:sym typeface="Arial"/>
         </a:defRPr>
       </a:lvl2pPr>
-      <a:lvl3pPr lvl="2" marR="0" rtl="0" algn="l">
+      <a:lvl3pPr marR="0" lvl="2" algn="l" rtl="0">
         <a:lnSpc>
           <a:spcPct val="100000"/>
         </a:lnSpc>
@@ -10501,7 +10783,7 @@
           <a:srgbClr val="000000"/>
         </a:buClr>
         <a:buFont typeface="Arial"/>
-        <a:defRPr b="0" i="0" sz="1400" u="none" cap="none" strike="noStrike">
+        <a:defRPr sz="1400" b="0" i="0" u="none" strike="noStrike" cap="none">
           <a:solidFill>
             <a:srgbClr val="000000"/>
           </a:solidFill>
@@ -10511,7 +10793,7 @@
           <a:sym typeface="Arial"/>
         </a:defRPr>
       </a:lvl3pPr>
-      <a:lvl4pPr lvl="3" marR="0" rtl="0" algn="l">
+      <a:lvl4pPr marR="0" lvl="3" algn="l" rtl="0">
         <a:lnSpc>
           <a:spcPct val="100000"/>
         </a:lnSpc>
@@ -10525,7 +10807,7 @@
           <a:srgbClr val="000000"/>
         </a:buClr>
         <a:buFont typeface="Arial"/>
-        <a:defRPr b="0" i="0" sz="1400" u="none" cap="none" strike="noStrike">
+        <a:defRPr sz="1400" b="0" i="0" u="none" strike="noStrike" cap="none">
           <a:solidFill>
             <a:srgbClr val="000000"/>
           </a:solidFill>
@@ -10535,7 +10817,7 @@
           <a:sym typeface="Arial"/>
         </a:defRPr>
       </a:lvl4pPr>
-      <a:lvl5pPr lvl="4" marR="0" rtl="0" algn="l">
+      <a:lvl5pPr marR="0" lvl="4" algn="l" rtl="0">
         <a:lnSpc>
           <a:spcPct val="100000"/>
         </a:lnSpc>
@@ -10549,7 +10831,7 @@
           <a:srgbClr val="000000"/>
         </a:buClr>
         <a:buFont typeface="Arial"/>
-        <a:defRPr b="0" i="0" sz="1400" u="none" cap="none" strike="noStrike">
+        <a:defRPr sz="1400" b="0" i="0" u="none" strike="noStrike" cap="none">
           <a:solidFill>
             <a:srgbClr val="000000"/>
           </a:solidFill>
@@ -10559,7 +10841,7 @@
           <a:sym typeface="Arial"/>
         </a:defRPr>
       </a:lvl5pPr>
-      <a:lvl6pPr lvl="5" marR="0" rtl="0" algn="l">
+      <a:lvl6pPr marR="0" lvl="5" algn="l" rtl="0">
         <a:lnSpc>
           <a:spcPct val="100000"/>
         </a:lnSpc>
@@ -10573,7 +10855,7 @@
           <a:srgbClr val="000000"/>
         </a:buClr>
         <a:buFont typeface="Arial"/>
-        <a:defRPr b="0" i="0" sz="1400" u="none" cap="none" strike="noStrike">
+        <a:defRPr sz="1400" b="0" i="0" u="none" strike="noStrike" cap="none">
           <a:solidFill>
             <a:srgbClr val="000000"/>
           </a:solidFill>
@@ -10583,7 +10865,7 @@
           <a:sym typeface="Arial"/>
         </a:defRPr>
       </a:lvl6pPr>
-      <a:lvl7pPr lvl="6" marR="0" rtl="0" algn="l">
+      <a:lvl7pPr marR="0" lvl="6" algn="l" rtl="0">
         <a:lnSpc>
           <a:spcPct val="100000"/>
         </a:lnSpc>
@@ -10597,7 +10879,7 @@
           <a:srgbClr val="000000"/>
         </a:buClr>
         <a:buFont typeface="Arial"/>
-        <a:defRPr b="0" i="0" sz="1400" u="none" cap="none" strike="noStrike">
+        <a:defRPr sz="1400" b="0" i="0" u="none" strike="noStrike" cap="none">
           <a:solidFill>
             <a:srgbClr val="000000"/>
           </a:solidFill>
@@ -10607,7 +10889,7 @@
           <a:sym typeface="Arial"/>
         </a:defRPr>
       </a:lvl7pPr>
-      <a:lvl8pPr lvl="7" marR="0" rtl="0" algn="l">
+      <a:lvl8pPr marR="0" lvl="7" algn="l" rtl="0">
         <a:lnSpc>
           <a:spcPct val="100000"/>
         </a:lnSpc>
@@ -10621,7 +10903,7 @@
           <a:srgbClr val="000000"/>
         </a:buClr>
         <a:buFont typeface="Arial"/>
-        <a:defRPr b="0" i="0" sz="1400" u="none" cap="none" strike="noStrike">
+        <a:defRPr sz="1400" b="0" i="0" u="none" strike="noStrike" cap="none">
           <a:solidFill>
             <a:srgbClr val="000000"/>
           </a:solidFill>
@@ -10631,7 +10913,7 @@
           <a:sym typeface="Arial"/>
         </a:defRPr>
       </a:lvl8pPr>
-      <a:lvl9pPr lvl="8" marR="0" rtl="0" algn="l">
+      <a:lvl9pPr marR="0" lvl="8" algn="l" rtl="0">
         <a:lnSpc>
           <a:spcPct val="100000"/>
         </a:lnSpc>
@@ -10645,7 +10927,7 @@
           <a:srgbClr val="000000"/>
         </a:buClr>
         <a:buFont typeface="Arial"/>
-        <a:defRPr b="0" i="0" sz="1400" u="none" cap="none" strike="noStrike">
+        <a:defRPr sz="1400" b="0" i="0" u="none" strike="noStrike" cap="none">
           <a:solidFill>
             <a:srgbClr val="000000"/>
           </a:solidFill>
@@ -10657,7 +10939,7 @@
       </a:lvl9pPr>
     </p:titleStyle>
     <p:bodyStyle>
-      <a:defPPr lvl="0" marR="0" rtl="0" algn="l">
+      <a:defPPr marR="0" lvl="0" algn="l" rtl="0">
         <a:lnSpc>
           <a:spcPct val="100000"/>
         </a:lnSpc>
@@ -10668,7 +10950,7 @@
           <a:spcPts val="0"/>
         </a:spcAft>
       </a:defPPr>
-      <a:lvl1pPr lvl="0" marR="0" rtl="0" algn="l">
+      <a:lvl1pPr marR="0" lvl="0" algn="l" rtl="0">
         <a:lnSpc>
           <a:spcPct val="100000"/>
         </a:lnSpc>
@@ -10682,7 +10964,7 @@
           <a:srgbClr val="000000"/>
         </a:buClr>
         <a:buFont typeface="Arial"/>
-        <a:defRPr b="0" i="0" sz="1400" u="none" cap="none" strike="noStrike">
+        <a:defRPr sz="1400" b="0" i="0" u="none" strike="noStrike" cap="none">
           <a:solidFill>
             <a:srgbClr val="000000"/>
           </a:solidFill>
@@ -10692,7 +10974,7 @@
           <a:sym typeface="Arial"/>
         </a:defRPr>
       </a:lvl1pPr>
-      <a:lvl2pPr lvl="1" marR="0" rtl="0" algn="l">
+      <a:lvl2pPr marR="0" lvl="1" algn="l" rtl="0">
         <a:lnSpc>
           <a:spcPct val="100000"/>
         </a:lnSpc>
@@ -10706,7 +10988,7 @@
           <a:srgbClr val="000000"/>
         </a:buClr>
         <a:buFont typeface="Arial"/>
-        <a:defRPr b="0" i="0" sz="1400" u="none" cap="none" strike="noStrike">
+        <a:defRPr sz="1400" b="0" i="0" u="none" strike="noStrike" cap="none">
           <a:solidFill>
             <a:srgbClr val="000000"/>
           </a:solidFill>
@@ -10716,7 +10998,7 @@
           <a:sym typeface="Arial"/>
         </a:defRPr>
       </a:lvl2pPr>
-      <a:lvl3pPr lvl="2" marR="0" rtl="0" algn="l">
+      <a:lvl3pPr marR="0" lvl="2" algn="l" rtl="0">
         <a:lnSpc>
           <a:spcPct val="100000"/>
         </a:lnSpc>
@@ -10730,7 +11012,7 @@
           <a:srgbClr val="000000"/>
         </a:buClr>
         <a:buFont typeface="Arial"/>
-        <a:defRPr b="0" i="0" sz="1400" u="none" cap="none" strike="noStrike">
+        <a:defRPr sz="1400" b="0" i="0" u="none" strike="noStrike" cap="none">
           <a:solidFill>
             <a:srgbClr val="000000"/>
           </a:solidFill>
@@ -10740,7 +11022,7 @@
           <a:sym typeface="Arial"/>
         </a:defRPr>
       </a:lvl3pPr>
-      <a:lvl4pPr lvl="3" marR="0" rtl="0" algn="l">
+      <a:lvl4pPr marR="0" lvl="3" algn="l" rtl="0">
         <a:lnSpc>
           <a:spcPct val="100000"/>
         </a:lnSpc>
@@ -10754,7 +11036,7 @@
           <a:srgbClr val="000000"/>
         </a:buClr>
         <a:buFont typeface="Arial"/>
-        <a:defRPr b="0" i="0" sz="1400" u="none" cap="none" strike="noStrike">
+        <a:defRPr sz="1400" b="0" i="0" u="none" strike="noStrike" cap="none">
           <a:solidFill>
             <a:srgbClr val="000000"/>
           </a:solidFill>
@@ -10764,7 +11046,7 @@
           <a:sym typeface="Arial"/>
         </a:defRPr>
       </a:lvl4pPr>
-      <a:lvl5pPr lvl="4" marR="0" rtl="0" algn="l">
+      <a:lvl5pPr marR="0" lvl="4" algn="l" rtl="0">
         <a:lnSpc>
           <a:spcPct val="100000"/>
         </a:lnSpc>
@@ -10778,7 +11060,7 @@
           <a:srgbClr val="000000"/>
         </a:buClr>
         <a:buFont typeface="Arial"/>
-        <a:defRPr b="0" i="0" sz="1400" u="none" cap="none" strike="noStrike">
+        <a:defRPr sz="1400" b="0" i="0" u="none" strike="noStrike" cap="none">
           <a:solidFill>
             <a:srgbClr val="000000"/>
           </a:solidFill>
@@ -10788,7 +11070,7 @@
           <a:sym typeface="Arial"/>
         </a:defRPr>
       </a:lvl5pPr>
-      <a:lvl6pPr lvl="5" marR="0" rtl="0" algn="l">
+      <a:lvl6pPr marR="0" lvl="5" algn="l" rtl="0">
         <a:lnSpc>
           <a:spcPct val="100000"/>
         </a:lnSpc>
@@ -10802,7 +11084,7 @@
           <a:srgbClr val="000000"/>
         </a:buClr>
         <a:buFont typeface="Arial"/>
-        <a:defRPr b="0" i="0" sz="1400" u="none" cap="none" strike="noStrike">
+        <a:defRPr sz="1400" b="0" i="0" u="none" strike="noStrike" cap="none">
           <a:solidFill>
             <a:srgbClr val="000000"/>
           </a:solidFill>
@@ -10812,7 +11094,7 @@
           <a:sym typeface="Arial"/>
         </a:defRPr>
       </a:lvl6pPr>
-      <a:lvl7pPr lvl="6" marR="0" rtl="0" algn="l">
+      <a:lvl7pPr marR="0" lvl="6" algn="l" rtl="0">
         <a:lnSpc>
           <a:spcPct val="100000"/>
         </a:lnSpc>
@@ -10826,7 +11108,7 @@
           <a:srgbClr val="000000"/>
         </a:buClr>
         <a:buFont typeface="Arial"/>
-        <a:defRPr b="0" i="0" sz="1400" u="none" cap="none" strike="noStrike">
+        <a:defRPr sz="1400" b="0" i="0" u="none" strike="noStrike" cap="none">
           <a:solidFill>
             <a:srgbClr val="000000"/>
           </a:solidFill>
@@ -10836,7 +11118,7 @@
           <a:sym typeface="Arial"/>
         </a:defRPr>
       </a:lvl7pPr>
-      <a:lvl8pPr lvl="7" marR="0" rtl="0" algn="l">
+      <a:lvl8pPr marR="0" lvl="7" algn="l" rtl="0">
         <a:lnSpc>
           <a:spcPct val="100000"/>
         </a:lnSpc>
@@ -10850,7 +11132,7 @@
           <a:srgbClr val="000000"/>
         </a:buClr>
         <a:buFont typeface="Arial"/>
-        <a:defRPr b="0" i="0" sz="1400" u="none" cap="none" strike="noStrike">
+        <a:defRPr sz="1400" b="0" i="0" u="none" strike="noStrike" cap="none">
           <a:solidFill>
             <a:srgbClr val="000000"/>
           </a:solidFill>
@@ -10860,7 +11142,7 @@
           <a:sym typeface="Arial"/>
         </a:defRPr>
       </a:lvl8pPr>
-      <a:lvl9pPr lvl="8" marR="0" rtl="0" algn="l">
+      <a:lvl9pPr marR="0" lvl="8" algn="l" rtl="0">
         <a:lnSpc>
           <a:spcPct val="100000"/>
         </a:lnSpc>
@@ -10874,7 +11156,7 @@
           <a:srgbClr val="000000"/>
         </a:buClr>
         <a:buFont typeface="Arial"/>
-        <a:defRPr b="0" i="0" sz="1400" u="none" cap="none" strike="noStrike">
+        <a:defRPr sz="1400" b="0" i="0" u="none" strike="noStrike" cap="none">
           <a:solidFill>
             <a:srgbClr val="000000"/>
           </a:solidFill>
@@ -10886,7 +11168,7 @@
       </a:lvl9pPr>
     </p:bodyStyle>
     <p:otherStyle>
-      <a:defPPr lvl="0" marR="0" rtl="0" algn="l">
+      <a:defPPr marR="0" lvl="0" algn="l" rtl="0">
         <a:lnSpc>
           <a:spcPct val="100000"/>
         </a:lnSpc>
@@ -10897,7 +11179,7 @@
           <a:spcPts val="0"/>
         </a:spcAft>
       </a:defPPr>
-      <a:lvl1pPr lvl="0" marR="0" rtl="0" algn="l">
+      <a:lvl1pPr marR="0" lvl="0" algn="l" rtl="0">
         <a:lnSpc>
           <a:spcPct val="100000"/>
         </a:lnSpc>
@@ -10911,7 +11193,7 @@
           <a:srgbClr val="000000"/>
         </a:buClr>
         <a:buFont typeface="Arial"/>
-        <a:defRPr b="0" i="0" sz="1400" u="none" cap="none" strike="noStrike">
+        <a:defRPr sz="1400" b="0" i="0" u="none" strike="noStrike" cap="none">
           <a:solidFill>
             <a:srgbClr val="000000"/>
           </a:solidFill>
@@ -10921,7 +11203,7 @@
           <a:sym typeface="Arial"/>
         </a:defRPr>
       </a:lvl1pPr>
-      <a:lvl2pPr lvl="1" marR="0" rtl="0" algn="l">
+      <a:lvl2pPr marR="0" lvl="1" algn="l" rtl="0">
         <a:lnSpc>
           <a:spcPct val="100000"/>
         </a:lnSpc>
@@ -10935,7 +11217,7 @@
           <a:srgbClr val="000000"/>
         </a:buClr>
         <a:buFont typeface="Arial"/>
-        <a:defRPr b="0" i="0" sz="1400" u="none" cap="none" strike="noStrike">
+        <a:defRPr sz="1400" b="0" i="0" u="none" strike="noStrike" cap="none">
           <a:solidFill>
             <a:srgbClr val="000000"/>
           </a:solidFill>
@@ -10945,7 +11227,7 @@
           <a:sym typeface="Arial"/>
         </a:defRPr>
       </a:lvl2pPr>
-      <a:lvl3pPr lvl="2" marR="0" rtl="0" algn="l">
+      <a:lvl3pPr marR="0" lvl="2" algn="l" rtl="0">
         <a:lnSpc>
           <a:spcPct val="100000"/>
         </a:lnSpc>
@@ -10959,7 +11241,7 @@
           <a:srgbClr val="000000"/>
         </a:buClr>
         <a:buFont typeface="Arial"/>
-        <a:defRPr b="0" i="0" sz="1400" u="none" cap="none" strike="noStrike">
+        <a:defRPr sz="1400" b="0" i="0" u="none" strike="noStrike" cap="none">
           <a:solidFill>
             <a:srgbClr val="000000"/>
           </a:solidFill>
@@ -10969,7 +11251,7 @@
           <a:sym typeface="Arial"/>
         </a:defRPr>
       </a:lvl3pPr>
-      <a:lvl4pPr lvl="3" marR="0" rtl="0" algn="l">
+      <a:lvl4pPr marR="0" lvl="3" algn="l" rtl="0">
         <a:lnSpc>
           <a:spcPct val="100000"/>
         </a:lnSpc>
@@ -10983,7 +11265,7 @@
           <a:srgbClr val="000000"/>
         </a:buClr>
         <a:buFont typeface="Arial"/>
-        <a:defRPr b="0" i="0" sz="1400" u="none" cap="none" strike="noStrike">
+        <a:defRPr sz="1400" b="0" i="0" u="none" strike="noStrike" cap="none">
           <a:solidFill>
             <a:srgbClr val="000000"/>
           </a:solidFill>
@@ -10993,7 +11275,7 @@
           <a:sym typeface="Arial"/>
         </a:defRPr>
       </a:lvl4pPr>
-      <a:lvl5pPr lvl="4" marR="0" rtl="0" algn="l">
+      <a:lvl5pPr marR="0" lvl="4" algn="l" rtl="0">
         <a:lnSpc>
           <a:spcPct val="100000"/>
         </a:lnSpc>
@@ -11007,7 +11289,7 @@
           <a:srgbClr val="000000"/>
         </a:buClr>
         <a:buFont typeface="Arial"/>
-        <a:defRPr b="0" i="0" sz="1400" u="none" cap="none" strike="noStrike">
+        <a:defRPr sz="1400" b="0" i="0" u="none" strike="noStrike" cap="none">
           <a:solidFill>
             <a:srgbClr val="000000"/>
           </a:solidFill>
@@ -11017,7 +11299,7 @@
           <a:sym typeface="Arial"/>
         </a:defRPr>
       </a:lvl5pPr>
-      <a:lvl6pPr lvl="5" marR="0" rtl="0" algn="l">
+      <a:lvl6pPr marR="0" lvl="5" algn="l" rtl="0">
         <a:lnSpc>
           <a:spcPct val="100000"/>
         </a:lnSpc>
@@ -11031,7 +11313,7 @@
           <a:srgbClr val="000000"/>
         </a:buClr>
         <a:buFont typeface="Arial"/>
-        <a:defRPr b="0" i="0" sz="1400" u="none" cap="none" strike="noStrike">
+        <a:defRPr sz="1400" b="0" i="0" u="none" strike="noStrike" cap="none">
           <a:solidFill>
             <a:srgbClr val="000000"/>
           </a:solidFill>
@@ -11041,7 +11323,7 @@
           <a:sym typeface="Arial"/>
         </a:defRPr>
       </a:lvl6pPr>
-      <a:lvl7pPr lvl="6" marR="0" rtl="0" algn="l">
+      <a:lvl7pPr marR="0" lvl="6" algn="l" rtl="0">
         <a:lnSpc>
           <a:spcPct val="100000"/>
         </a:lnSpc>
@@ -11055,7 +11337,7 @@
           <a:srgbClr val="000000"/>
         </a:buClr>
         <a:buFont typeface="Arial"/>
-        <a:defRPr b="0" i="0" sz="1400" u="none" cap="none" strike="noStrike">
+        <a:defRPr sz="1400" b="0" i="0" u="none" strike="noStrike" cap="none">
           <a:solidFill>
             <a:srgbClr val="000000"/>
           </a:solidFill>
@@ -11065,7 +11347,7 @@
           <a:sym typeface="Arial"/>
         </a:defRPr>
       </a:lvl7pPr>
-      <a:lvl8pPr lvl="7" marR="0" rtl="0" algn="l">
+      <a:lvl8pPr marR="0" lvl="7" algn="l" rtl="0">
         <a:lnSpc>
           <a:spcPct val="100000"/>
         </a:lnSpc>
@@ -11079,7 +11361,7 @@
           <a:srgbClr val="000000"/>
         </a:buClr>
         <a:buFont typeface="Arial"/>
-        <a:defRPr b="0" i="0" sz="1400" u="none" cap="none" strike="noStrike">
+        <a:defRPr sz="1400" b="0" i="0" u="none" strike="noStrike" cap="none">
           <a:solidFill>
             <a:srgbClr val="000000"/>
           </a:solidFill>
@@ -11089,7 +11371,7 @@
           <a:sym typeface="Arial"/>
         </a:defRPr>
       </a:lvl8pPr>
-      <a:lvl9pPr lvl="8" marR="0" rtl="0" algn="l">
+      <a:lvl9pPr marR="0" lvl="8" algn="l" rtl="0">
         <a:lnSpc>
           <a:spcPct val="100000"/>
         </a:lnSpc>
@@ -11103,7 +11385,7 @@
           <a:srgbClr val="000000"/>
         </a:buClr>
         <a:buFont typeface="Arial"/>
-        <a:defRPr b="0" i="0" sz="1400" u="none" cap="none" strike="noStrike">
+        <a:defRPr sz="1400" b="0" i="0" u="none" strike="noStrike" cap="none">
           <a:solidFill>
             <a:srgbClr val="000000"/>
           </a:solidFill>
@@ -11119,7 +11401,7 @@
 </file>
 
 <file path=ppt/slides/slide1.xml><?xml version="1.0" encoding="utf-8"?>
-<p:sld xmlns:a="http://schemas.openxmlformats.org/drawingml/2006/main" xmlns:r="http://schemas.openxmlformats.org/officeDocument/2006/relationships" xmlns:mc="http://schemas.openxmlformats.org/markup-compatibility/2006" xmlns:mv="urn:schemas-microsoft-com:mac:vml" xmlns:p="http://schemas.openxmlformats.org/presentationml/2006/main" xmlns:c="http://schemas.openxmlformats.org/drawingml/2006/chart" xmlns:dgm="http://schemas.openxmlformats.org/drawingml/2006/diagram" xmlns:o="urn:schemas-microsoft-com:office:office" xmlns:v="urn:schemas-microsoft-com:vml" xmlns:pvml="urn:schemas-microsoft-com:office:powerpoint" xmlns:com="http://schemas.openxmlformats.org/drawingml/2006/compatibility" xmlns:p14="http://schemas.microsoft.com/office/powerpoint/2010/main" xmlns:p15="http://schemas.microsoft.com/office/powerpoint/2012/main" xmlns:ahyp="http://schemas.microsoft.com/office/drawing/2018/hyperlinkcolor">
+<p:sld xmlns:a="http://schemas.openxmlformats.org/drawingml/2006/main" xmlns:r="http://schemas.openxmlformats.org/officeDocument/2006/relationships" xmlns:p="http://schemas.openxmlformats.org/presentationml/2006/main">
   <p:cSld>
     <p:bg>
       <p:bgPr>
@@ -11131,11 +11413,12 @@
             <a:fillRect/>
           </a:stretch>
         </a:blipFill>
+        <a:effectLst/>
       </p:bgPr>
     </p:bg>
     <p:spTree>
       <p:nvGrpSpPr>
-        <p:cNvPr id="83" name="Shape 83"/>
+        <p:cNvPr id="1" name="Shape 83"/>
         <p:cNvGrpSpPr/>
         <p:nvPr/>
       </p:nvGrpSpPr>
@@ -11150,7 +11433,9 @@
       <p:sp>
         <p:nvSpPr>
           <p:cNvPr id="84" name="Google Shape;84;p1"/>
-          <p:cNvSpPr txBox="1"/>
+          <p:cNvSpPr txBox="1">
+            <a:spLocks noGrp="1"/>
+          </p:cNvSpPr>
           <p:nvPr>
             <p:ph type="ctrTitle"/>
           </p:nvPr>
@@ -11169,12 +11454,12 @@
           </a:ln>
         </p:spPr>
         <p:txBody>
-          <a:bodyPr anchorCtr="0" anchor="ctr" bIns="45700" lIns="91425" spcFirstLastPara="1" rIns="91425" wrap="square" tIns="45700">
+          <a:bodyPr spcFirstLastPara="1" wrap="square" lIns="91425" tIns="45700" rIns="91425" bIns="45700" anchor="ctr" anchorCtr="0">
             <a:noAutofit/>
           </a:bodyPr>
           <a:lstStyle/>
           <a:p>
-            <a:pPr indent="0" lvl="0" marL="0" rtl="0" algn="ctr">
+            <a:pPr marL="0" lvl="0" indent="0" algn="ctr" rtl="0">
               <a:spcBef>
                 <a:spcPts val="0"/>
               </a:spcBef>
@@ -11189,7 +11474,7 @@
               <a:buNone/>
             </a:pPr>
             <a:r>
-              <a:rPr b="0" lang="en-US" sz="2462">
+              <a:rPr lang="en-US" sz="2462" b="0">
                 <a:solidFill>
                   <a:srgbClr val="FFC000"/>
                 </a:solidFill>
@@ -11211,9 +11496,11 @@
       <p:sp>
         <p:nvSpPr>
           <p:cNvPr id="85" name="Google Shape;85;p1"/>
-          <p:cNvSpPr txBox="1"/>
+          <p:cNvSpPr txBox="1">
+            <a:spLocks noGrp="1"/>
+          </p:cNvSpPr>
           <p:nvPr>
-            <p:ph idx="1" type="subTitle"/>
+            <p:ph type="subTitle" idx="1"/>
           </p:nvPr>
         </p:nvSpPr>
         <p:spPr>
@@ -11230,12 +11517,12 @@
           </a:ln>
         </p:spPr>
         <p:txBody>
-          <a:bodyPr anchorCtr="0" anchor="t" bIns="45700" lIns="91425" spcFirstLastPara="1" rIns="91425" wrap="square" tIns="45700">
+          <a:bodyPr spcFirstLastPara="1" wrap="square" lIns="91425" tIns="45700" rIns="91425" bIns="45700" anchor="t" anchorCtr="0">
             <a:normAutofit fontScale="62500" lnSpcReduction="20000"/>
           </a:bodyPr>
           <a:lstStyle/>
           <a:p>
-            <a:pPr indent="0" lvl="0" marL="0" rtl="0" algn="l">
+            <a:pPr marL="0" lvl="0" indent="0" algn="l" rtl="0">
               <a:spcBef>
                 <a:spcPts val="0"/>
               </a:spcBef>
@@ -11262,7 +11549,7 @@
             <a:endParaRPr/>
           </a:p>
           <a:p>
-            <a:pPr indent="0" lvl="0" marL="0" rtl="0" algn="l">
+            <a:pPr marL="0" lvl="0" indent="0" algn="l" rtl="0">
               <a:spcBef>
                 <a:spcPts val="0"/>
               </a:spcBef>
@@ -11282,7 +11569,7 @@
             <a:endParaRPr/>
           </a:p>
           <a:p>
-            <a:pPr indent="0" lvl="0" marL="0" rtl="0" algn="l">
+            <a:pPr marL="0" lvl="0" indent="0" algn="l" rtl="0">
               <a:spcBef>
                 <a:spcPts val="0"/>
               </a:spcBef>
@@ -11312,11 +11599,11 @@
 </file>
 
 <file path=ppt/slides/slide2.xml><?xml version="1.0" encoding="utf-8"?>
-<p:sld xmlns:a="http://schemas.openxmlformats.org/drawingml/2006/main" xmlns:r="http://schemas.openxmlformats.org/officeDocument/2006/relationships" xmlns:mc="http://schemas.openxmlformats.org/markup-compatibility/2006" xmlns:mv="urn:schemas-microsoft-com:mac:vml" xmlns:p="http://schemas.openxmlformats.org/presentationml/2006/main" xmlns:c="http://schemas.openxmlformats.org/drawingml/2006/chart" xmlns:dgm="http://schemas.openxmlformats.org/drawingml/2006/diagram" xmlns:o="urn:schemas-microsoft-com:office:office" xmlns:v="urn:schemas-microsoft-com:vml" xmlns:pvml="urn:schemas-microsoft-com:office:powerpoint" xmlns:com="http://schemas.openxmlformats.org/drawingml/2006/compatibility" xmlns:p14="http://schemas.microsoft.com/office/powerpoint/2010/main" xmlns:p15="http://schemas.microsoft.com/office/powerpoint/2012/main" xmlns:ahyp="http://schemas.microsoft.com/office/drawing/2018/hyperlinkcolor">
+<p:sld xmlns:a="http://schemas.openxmlformats.org/drawingml/2006/main" xmlns:r="http://schemas.openxmlformats.org/officeDocument/2006/relationships" xmlns:p="http://schemas.openxmlformats.org/presentationml/2006/main">
   <p:cSld>
     <p:spTree>
       <p:nvGrpSpPr>
-        <p:cNvPr id="89" name="Shape 89"/>
+        <p:cNvPr id="1" name="Shape 89"/>
         <p:cNvGrpSpPr/>
         <p:nvPr/>
       </p:nvGrpSpPr>
@@ -11331,7 +11618,9 @@
       <p:sp>
         <p:nvSpPr>
           <p:cNvPr id="90" name="Google Shape;90;p2"/>
-          <p:cNvSpPr txBox="1"/>
+          <p:cNvSpPr txBox="1">
+            <a:spLocks noGrp="1"/>
+          </p:cNvSpPr>
           <p:nvPr>
             <p:ph type="title"/>
           </p:nvPr>
@@ -11350,12 +11639,12 @@
           </a:ln>
         </p:spPr>
         <p:txBody>
-          <a:bodyPr anchorCtr="0" anchor="ctr" bIns="45700" lIns="91425" spcFirstLastPara="1" rIns="91425" wrap="square" tIns="45700">
+          <a:bodyPr spcFirstLastPara="1" wrap="square" lIns="91425" tIns="45700" rIns="91425" bIns="45700" anchor="ctr" anchorCtr="0">
             <a:noAutofit/>
           </a:bodyPr>
           <a:lstStyle/>
           <a:p>
-            <a:pPr indent="0" lvl="0" marL="0" rtl="0" algn="ctr">
+            <a:pPr marL="0" lvl="0" indent="0" algn="ctr" rtl="0">
               <a:spcBef>
                 <a:spcPts val="0"/>
               </a:spcBef>
@@ -11380,9 +11669,11 @@
       <p:sp>
         <p:nvSpPr>
           <p:cNvPr id="91" name="Google Shape;91;p2"/>
-          <p:cNvSpPr txBox="1"/>
+          <p:cNvSpPr txBox="1">
+            <a:spLocks noGrp="1"/>
+          </p:cNvSpPr>
           <p:nvPr>
-            <p:ph idx="1" type="body"/>
+            <p:ph type="body" idx="1"/>
           </p:nvPr>
         </p:nvSpPr>
         <p:spPr>
@@ -11399,12 +11690,12 @@
           </a:ln>
         </p:spPr>
         <p:txBody>
-          <a:bodyPr anchorCtr="0" anchor="t" bIns="45700" lIns="91425" spcFirstLastPara="1" rIns="91425" wrap="square" tIns="45700">
+          <a:bodyPr spcFirstLastPara="1" wrap="square" lIns="91425" tIns="45700" rIns="91425" bIns="45700" anchor="t" anchorCtr="0">
             <a:normAutofit/>
           </a:bodyPr>
           <a:lstStyle/>
           <a:p>
-            <a:pPr indent="-381000" lvl="0" marL="457200" rtl="0" algn="l">
+            <a:pPr marL="457200" lvl="0" indent="-381000" algn="l" rtl="0">
               <a:lnSpc>
                 <a:spcPct val="115000"/>
               </a:lnSpc>
@@ -11424,7 +11715,7 @@
             <a:endParaRPr/>
           </a:p>
           <a:p>
-            <a:pPr indent="-381000" lvl="0" marL="457200" rtl="0" algn="l">
+            <a:pPr marL="457200" lvl="0" indent="-381000" algn="l" rtl="0">
               <a:lnSpc>
                 <a:spcPct val="115000"/>
               </a:lnSpc>
@@ -11444,7 +11735,7 @@
             <a:endParaRPr/>
           </a:p>
           <a:p>
-            <a:pPr indent="-381000" lvl="0" marL="457200" rtl="0" algn="l">
+            <a:pPr marL="457200" lvl="0" indent="-381000" algn="l" rtl="0">
               <a:lnSpc>
                 <a:spcPct val="115000"/>
               </a:lnSpc>
@@ -11464,7 +11755,7 @@
             <a:endParaRPr/>
           </a:p>
           <a:p>
-            <a:pPr indent="-381000" lvl="0" marL="457200" rtl="0" algn="l">
+            <a:pPr marL="457200" lvl="0" indent="-381000" algn="l" rtl="0">
               <a:lnSpc>
                 <a:spcPct val="115000"/>
               </a:lnSpc>
@@ -11484,7 +11775,7 @@
             <a:endParaRPr/>
           </a:p>
           <a:p>
-            <a:pPr indent="-381000" lvl="0" marL="457200" rtl="0" algn="l">
+            <a:pPr marL="457200" lvl="0" indent="-381000" algn="l" rtl="0">
               <a:lnSpc>
                 <a:spcPct val="115000"/>
               </a:lnSpc>
@@ -11514,11 +11805,11 @@
 </file>
 
 <file path=ppt/slides/slide3.xml><?xml version="1.0" encoding="utf-8"?>
-<p:sld xmlns:a="http://schemas.openxmlformats.org/drawingml/2006/main" xmlns:r="http://schemas.openxmlformats.org/officeDocument/2006/relationships" xmlns:mc="http://schemas.openxmlformats.org/markup-compatibility/2006" xmlns:mv="urn:schemas-microsoft-com:mac:vml" xmlns:p="http://schemas.openxmlformats.org/presentationml/2006/main" xmlns:c="http://schemas.openxmlformats.org/drawingml/2006/chart" xmlns:dgm="http://schemas.openxmlformats.org/drawingml/2006/diagram" xmlns:o="urn:schemas-microsoft-com:office:office" xmlns:v="urn:schemas-microsoft-com:vml" xmlns:pvml="urn:schemas-microsoft-com:office:powerpoint" xmlns:com="http://schemas.openxmlformats.org/drawingml/2006/compatibility" xmlns:p14="http://schemas.microsoft.com/office/powerpoint/2010/main" xmlns:p15="http://schemas.microsoft.com/office/powerpoint/2012/main" xmlns:ahyp="http://schemas.microsoft.com/office/drawing/2018/hyperlinkcolor">
+<p:sld xmlns:a="http://schemas.openxmlformats.org/drawingml/2006/main" xmlns:r="http://schemas.openxmlformats.org/officeDocument/2006/relationships" xmlns:p="http://schemas.openxmlformats.org/presentationml/2006/main">
   <p:cSld>
     <p:spTree>
       <p:nvGrpSpPr>
-        <p:cNvPr id="95" name="Shape 95"/>
+        <p:cNvPr id="1" name="Shape 95"/>
         <p:cNvGrpSpPr/>
         <p:nvPr/>
       </p:nvGrpSpPr>
@@ -11533,7 +11824,9 @@
       <p:sp>
         <p:nvSpPr>
           <p:cNvPr id="96" name="Google Shape;96;p3"/>
-          <p:cNvSpPr txBox="1"/>
+          <p:cNvSpPr txBox="1">
+            <a:spLocks noGrp="1"/>
+          </p:cNvSpPr>
           <p:nvPr>
             <p:ph type="title"/>
           </p:nvPr>
@@ -11552,12 +11845,12 @@
           </a:ln>
         </p:spPr>
         <p:txBody>
-          <a:bodyPr anchorCtr="0" anchor="ctr" bIns="45700" lIns="91425" spcFirstLastPara="1" rIns="91425" wrap="square" tIns="45700">
+          <a:bodyPr spcFirstLastPara="1" wrap="square" lIns="91425" tIns="45700" rIns="91425" bIns="45700" anchor="ctr" anchorCtr="0">
             <a:noAutofit/>
           </a:bodyPr>
           <a:lstStyle/>
           <a:p>
-            <a:pPr indent="0" lvl="0" marL="0" rtl="0" algn="ctr">
+            <a:pPr marL="0" lvl="0" indent="0" algn="ctr" rtl="0">
               <a:spcBef>
                 <a:spcPts val="0"/>
               </a:spcBef>
@@ -11582,9 +11875,11 @@
       <p:sp>
         <p:nvSpPr>
           <p:cNvPr id="97" name="Google Shape;97;p3"/>
-          <p:cNvSpPr txBox="1"/>
+          <p:cNvSpPr txBox="1">
+            <a:spLocks noGrp="1"/>
+          </p:cNvSpPr>
           <p:nvPr>
-            <p:ph idx="1" type="body"/>
+            <p:ph type="body" idx="1"/>
           </p:nvPr>
         </p:nvSpPr>
         <p:spPr>
@@ -11601,12 +11896,12 @@
           </a:ln>
         </p:spPr>
         <p:txBody>
-          <a:bodyPr anchorCtr="0" anchor="t" bIns="45700" lIns="91425" spcFirstLastPara="1" rIns="91425" wrap="square" tIns="45700">
+          <a:bodyPr spcFirstLastPara="1" wrap="square" lIns="91425" tIns="45700" rIns="91425" bIns="45700" anchor="t" anchorCtr="0">
             <a:normAutofit/>
           </a:bodyPr>
           <a:lstStyle/>
           <a:p>
-            <a:pPr indent="-381000" lvl="0" marL="457200" rtl="0" algn="l">
+            <a:pPr marL="457200" lvl="0" indent="-381000" algn="l" rtl="0">
               <a:lnSpc>
                 <a:spcPct val="115000"/>
               </a:lnSpc>
@@ -11620,17 +11915,13 @@
               <a:buChar char="•"/>
             </a:pPr>
             <a:r>
-              <a:rPr lang="en-US"/>
-              <a:t>Pavement</a:t>
+              <a:rPr lang="en-US" dirty="0"/>
+              <a:t>Pavement distresses</a:t>
             </a:r>
-            <a:r>
-              <a:rPr lang="en-US"/>
-              <a:t> distresses</a:t>
-            </a:r>
-            <a:endParaRPr/>
+            <a:endParaRPr dirty="0"/>
           </a:p>
           <a:p>
-            <a:pPr indent="-355600" lvl="1" marL="914400" rtl="0" algn="l">
+            <a:pPr marL="914400" lvl="1" indent="-355600" algn="l" rtl="0">
               <a:lnSpc>
                 <a:spcPct val="115000"/>
               </a:lnSpc>
@@ -11644,13 +11935,13 @@
               <a:buChar char="–"/>
             </a:pPr>
             <a:r>
-              <a:rPr lang="en-US"/>
+              <a:rPr lang="en-US" dirty="0"/>
               <a:t>Cracking (alligator, transverse, block, longitudinal)</a:t>
             </a:r>
-            <a:endParaRPr/>
+            <a:endParaRPr dirty="0"/>
           </a:p>
           <a:p>
-            <a:pPr indent="-355600" lvl="1" marL="914400" rtl="0" algn="l">
+            <a:pPr marL="914400" lvl="1" indent="-355600" algn="l" rtl="0">
               <a:lnSpc>
                 <a:spcPct val="115000"/>
               </a:lnSpc>
@@ -11664,13 +11955,13 @@
               <a:buChar char="–"/>
             </a:pPr>
             <a:r>
-              <a:rPr lang="en-US"/>
+              <a:rPr lang="en-US" dirty="0"/>
               <a:t>Manholes, patching, sealing</a:t>
             </a:r>
-            <a:endParaRPr/>
+            <a:endParaRPr dirty="0"/>
           </a:p>
           <a:p>
-            <a:pPr indent="-381000" lvl="0" marL="457200" rtl="0" algn="l">
+            <a:pPr marL="457200" lvl="0" indent="-381000" algn="l" rtl="0">
               <a:lnSpc>
                 <a:spcPct val="115000"/>
               </a:lnSpc>
@@ -11684,13 +11975,13 @@
               <a:buChar char="•"/>
             </a:pPr>
             <a:r>
-              <a:rPr lang="en-US"/>
+              <a:rPr lang="en-US" dirty="0"/>
               <a:t>Prevention and identification</a:t>
             </a:r>
-            <a:endParaRPr/>
+            <a:endParaRPr dirty="0"/>
           </a:p>
           <a:p>
-            <a:pPr indent="-355600" lvl="1" marL="914400" rtl="0" algn="l">
+            <a:pPr marL="914400" lvl="1" indent="-355600" algn="l" rtl="0">
               <a:lnSpc>
                 <a:spcPct val="115000"/>
               </a:lnSpc>
@@ -11704,13 +11995,13 @@
               <a:buChar char="–"/>
             </a:pPr>
             <a:r>
-              <a:rPr lang="en-US"/>
+              <a:rPr lang="en-US" dirty="0"/>
               <a:t>Intelligent pavement defect inspection</a:t>
             </a:r>
-            <a:endParaRPr/>
+            <a:endParaRPr dirty="0"/>
           </a:p>
           <a:p>
-            <a:pPr indent="-355600" lvl="1" marL="914400" rtl="0" algn="l">
+            <a:pPr marL="914400" lvl="1" indent="-355600" algn="l" rtl="0">
               <a:lnSpc>
                 <a:spcPct val="115000"/>
               </a:lnSpc>
@@ -11724,17 +12015,13 @@
               <a:buChar char="–"/>
             </a:pPr>
             <a:r>
-              <a:rPr lang="en-US"/>
-              <a:t>Early </a:t>
+              <a:rPr lang="en-US" dirty="0"/>
+              <a:t>Early identification</a:t>
             </a:r>
-            <a:r>
-              <a:rPr lang="en-US"/>
-              <a:t>identification</a:t>
-            </a:r>
-            <a:endParaRPr/>
+            <a:endParaRPr dirty="0"/>
           </a:p>
           <a:p>
-            <a:pPr indent="-355600" lvl="1" marL="914400" rtl="0" algn="l">
+            <a:pPr marL="914400" lvl="1" indent="-355600" algn="l" rtl="0">
               <a:lnSpc>
                 <a:spcPct val="115000"/>
               </a:lnSpc>
@@ -11748,17 +12035,13 @@
               <a:buChar char="–"/>
             </a:pPr>
             <a:r>
-              <a:rPr lang="en-US"/>
-              <a:t>Recovery and prevention</a:t>
+              <a:rPr lang="en-US" dirty="0"/>
+              <a:t>Recovery and prevention </a:t>
             </a:r>
-            <a:r>
-              <a:rPr lang="en-US"/>
-              <a:t> </a:t>
-            </a:r>
-            <a:endParaRPr/>
+            <a:endParaRPr dirty="0"/>
           </a:p>
           <a:p>
-            <a:pPr indent="-381000" lvl="0" marL="457200" rtl="0" algn="l">
+            <a:pPr marL="457200" lvl="0" indent="-381000" algn="l" rtl="0">
               <a:lnSpc>
                 <a:spcPct val="115000"/>
               </a:lnSpc>
@@ -11772,13 +12055,13 @@
               <a:buChar char="•"/>
             </a:pPr>
             <a:r>
-              <a:rPr lang="en-US"/>
+              <a:rPr lang="en-US" dirty="0"/>
               <a:t>Current methods</a:t>
             </a:r>
-            <a:endParaRPr/>
+            <a:endParaRPr dirty="0"/>
           </a:p>
           <a:p>
-            <a:pPr indent="-355600" lvl="1" marL="914400" marR="88549" rtl="0" algn="just">
+            <a:pPr marL="914400" marR="88549" lvl="1" indent="-355600" algn="just" rtl="0">
               <a:lnSpc>
                 <a:spcPct val="99961"/>
               </a:lnSpc>
@@ -11792,13 +12075,13 @@
               <a:buChar char="–"/>
             </a:pPr>
             <a:r>
-              <a:rPr lang="en-US"/>
+              <a:rPr lang="en-US" dirty="0"/>
               <a:t>Threshold segmentation, edge detection, minimal path selection</a:t>
             </a:r>
-            <a:endParaRPr/>
+            <a:endParaRPr dirty="0"/>
           </a:p>
           <a:p>
-            <a:pPr indent="-355600" lvl="1" marL="914400" marR="88549" rtl="0" algn="just">
+            <a:pPr marL="914400" marR="88549" lvl="1" indent="-355600" algn="just" rtl="0">
               <a:lnSpc>
                 <a:spcPct val="99961"/>
               </a:lnSpc>
@@ -11812,13 +12095,13 @@
               <a:buChar char="–"/>
             </a:pPr>
             <a:r>
-              <a:rPr lang="en-US"/>
+              <a:rPr lang="en-US" dirty="0"/>
               <a:t>Lack in robustness</a:t>
             </a:r>
-            <a:endParaRPr/>
+            <a:endParaRPr dirty="0"/>
           </a:p>
           <a:p>
-            <a:pPr indent="-355600" lvl="1" marL="914400" marR="88549" rtl="0" algn="just">
+            <a:pPr marL="914400" marR="88549" lvl="1" indent="-355600" algn="just" rtl="0">
               <a:lnSpc>
                 <a:spcPct val="99961"/>
               </a:lnSpc>
@@ -11832,10 +12115,10 @@
               <a:buChar char="–"/>
             </a:pPr>
             <a:r>
-              <a:rPr lang="en-US"/>
+              <a:rPr lang="en-US" dirty="0"/>
               <a:t>Deep learning improvements </a:t>
             </a:r>
-            <a:endParaRPr/>
+            <a:endParaRPr dirty="0"/>
           </a:p>
         </p:txBody>
       </p:sp>
@@ -11848,11 +12131,11 @@
 </file>
 
 <file path=ppt/slides/slide4.xml><?xml version="1.0" encoding="utf-8"?>
-<p:sld xmlns:a="http://schemas.openxmlformats.org/drawingml/2006/main" xmlns:r="http://schemas.openxmlformats.org/officeDocument/2006/relationships" xmlns:mc="http://schemas.openxmlformats.org/markup-compatibility/2006" xmlns:mv="urn:schemas-microsoft-com:mac:vml" xmlns:p="http://schemas.openxmlformats.org/presentationml/2006/main" xmlns:c="http://schemas.openxmlformats.org/drawingml/2006/chart" xmlns:dgm="http://schemas.openxmlformats.org/drawingml/2006/diagram" xmlns:o="urn:schemas-microsoft-com:office:office" xmlns:v="urn:schemas-microsoft-com:vml" xmlns:pvml="urn:schemas-microsoft-com:office:powerpoint" xmlns:com="http://schemas.openxmlformats.org/drawingml/2006/compatibility" xmlns:p14="http://schemas.microsoft.com/office/powerpoint/2010/main" xmlns:p15="http://schemas.microsoft.com/office/powerpoint/2012/main" xmlns:ahyp="http://schemas.microsoft.com/office/drawing/2018/hyperlinkcolor">
+<p:sld xmlns:a="http://schemas.openxmlformats.org/drawingml/2006/main" xmlns:r="http://schemas.openxmlformats.org/officeDocument/2006/relationships" xmlns:p="http://schemas.openxmlformats.org/presentationml/2006/main">
   <p:cSld>
     <p:spTree>
       <p:nvGrpSpPr>
-        <p:cNvPr id="101" name="Shape 101"/>
+        <p:cNvPr id="1" name="Shape 101"/>
         <p:cNvGrpSpPr/>
         <p:nvPr/>
       </p:nvGrpSpPr>
@@ -11867,7 +12150,9 @@
       <p:sp>
         <p:nvSpPr>
           <p:cNvPr id="102" name="Google Shape;102;g118cef92964_0_0"/>
-          <p:cNvSpPr txBox="1"/>
+          <p:cNvSpPr txBox="1">
+            <a:spLocks noGrp="1"/>
+          </p:cNvSpPr>
           <p:nvPr>
             <p:ph type="title"/>
           </p:nvPr>
@@ -11882,12 +12167,12 @@
           </a:prstGeom>
         </p:spPr>
         <p:txBody>
-          <a:bodyPr anchorCtr="0" anchor="ctr" bIns="45700" lIns="91425" spcFirstLastPara="1" rIns="91425" wrap="square" tIns="45700">
+          <a:bodyPr spcFirstLastPara="1" wrap="square" lIns="91425" tIns="45700" rIns="91425" bIns="45700" anchor="ctr" anchorCtr="0">
             <a:noAutofit/>
           </a:bodyPr>
           <a:lstStyle/>
           <a:p>
-            <a:pPr indent="0" lvl="0" marL="0" rtl="0" algn="ctr">
+            <a:pPr marL="0" lvl="0" indent="0" algn="ctr" rtl="0">
               <a:spcBef>
                 <a:spcPts val="0"/>
               </a:spcBef>
@@ -11907,9 +12192,11 @@
       <p:sp>
         <p:nvSpPr>
           <p:cNvPr id="103" name="Google Shape;103;g118cef92964_0_0"/>
-          <p:cNvSpPr txBox="1"/>
+          <p:cNvSpPr txBox="1">
+            <a:spLocks noGrp="1"/>
+          </p:cNvSpPr>
           <p:nvPr>
-            <p:ph idx="1" type="body"/>
+            <p:ph type="body" idx="1"/>
           </p:nvPr>
         </p:nvSpPr>
         <p:spPr>
@@ -11922,12 +12209,12 @@
           </a:prstGeom>
         </p:spPr>
         <p:txBody>
-          <a:bodyPr anchorCtr="0" anchor="t" bIns="45700" lIns="91425" spcFirstLastPara="1" rIns="91425" wrap="square" tIns="45700">
-            <a:normAutofit lnSpcReduction="10000"/>
+          <a:bodyPr spcFirstLastPara="1" wrap="square" lIns="91425" tIns="45700" rIns="91425" bIns="45700" anchor="t" anchorCtr="0">
+            <a:normAutofit/>
           </a:bodyPr>
           <a:lstStyle/>
           <a:p>
-            <a:pPr indent="-381000" lvl="0" marL="457200" rtl="0" algn="l">
+            <a:pPr marL="457200" lvl="0" indent="-381000" algn="l" rtl="0">
               <a:lnSpc>
                 <a:spcPct val="115000"/>
               </a:lnSpc>
@@ -11947,7 +12234,7 @@
             <a:endParaRPr/>
           </a:p>
           <a:p>
-            <a:pPr indent="-412750" lvl="1" marL="914400" rtl="0" algn="l">
+            <a:pPr marL="914400" lvl="1" indent="-412750" algn="l" rtl="0">
               <a:lnSpc>
                 <a:spcPct val="115000"/>
               </a:lnSpc>
@@ -11967,7 +12254,7 @@
             <a:endParaRPr/>
           </a:p>
           <a:p>
-            <a:pPr indent="-412750" lvl="1" marL="914400" rtl="0" algn="l">
+            <a:pPr marL="914400" lvl="1" indent="-412750" algn="l" rtl="0">
               <a:lnSpc>
                 <a:spcPct val="115000"/>
               </a:lnSpc>
@@ -11987,7 +12274,7 @@
             <a:endParaRPr/>
           </a:p>
           <a:p>
-            <a:pPr indent="-355600" lvl="1" marL="914400" rtl="0" algn="l">
+            <a:pPr marL="914400" lvl="1" indent="-355600" algn="l" rtl="0">
               <a:lnSpc>
                 <a:spcPct val="115000"/>
               </a:lnSpc>
@@ -12007,7 +12294,7 @@
             <a:endParaRPr/>
           </a:p>
           <a:p>
-            <a:pPr indent="-355600" lvl="1" marL="914400" rtl="0" algn="l">
+            <a:pPr marL="914400" lvl="1" indent="-355600" algn="l" rtl="0">
               <a:lnSpc>
                 <a:spcPct val="115000"/>
               </a:lnSpc>
@@ -12027,7 +12314,7 @@
             <a:endParaRPr/>
           </a:p>
           <a:p>
-            <a:pPr indent="-381000" lvl="0" marL="457200" rtl="0" algn="l">
+            <a:pPr marL="457200" lvl="0" indent="-381000" algn="l" rtl="0">
               <a:lnSpc>
                 <a:spcPct val="115000"/>
               </a:lnSpc>
@@ -12047,7 +12334,7 @@
             <a:endParaRPr/>
           </a:p>
           <a:p>
-            <a:pPr indent="-355600" lvl="1" marL="914400" marR="24870" rtl="0" algn="just">
+            <a:pPr marL="914400" marR="24870" lvl="1" indent="-355600" algn="just" rtl="0">
               <a:lnSpc>
                 <a:spcPct val="115000"/>
               </a:lnSpc>
@@ -12067,7 +12354,7 @@
             <a:endParaRPr/>
           </a:p>
           <a:p>
-            <a:pPr indent="0" lvl="0" marL="457200" marR="24870" rtl="0" algn="just">
+            <a:pPr marL="457200" marR="24870" lvl="0" indent="0" algn="just" rtl="0">
               <a:lnSpc>
                 <a:spcPct val="99960"/>
               </a:lnSpc>
@@ -12096,11 +12383,11 @@
 </file>
 
 <file path=ppt/slides/slide5.xml><?xml version="1.0" encoding="utf-8"?>
-<p:sld xmlns:a="http://schemas.openxmlformats.org/drawingml/2006/main" xmlns:r="http://schemas.openxmlformats.org/officeDocument/2006/relationships" xmlns:mc="http://schemas.openxmlformats.org/markup-compatibility/2006" xmlns:mv="urn:schemas-microsoft-com:mac:vml" xmlns:p="http://schemas.openxmlformats.org/presentationml/2006/main" xmlns:c="http://schemas.openxmlformats.org/drawingml/2006/chart" xmlns:dgm="http://schemas.openxmlformats.org/drawingml/2006/diagram" xmlns:o="urn:schemas-microsoft-com:office:office" xmlns:v="urn:schemas-microsoft-com:vml" xmlns:pvml="urn:schemas-microsoft-com:office:powerpoint" xmlns:com="http://schemas.openxmlformats.org/drawingml/2006/compatibility" xmlns:p14="http://schemas.microsoft.com/office/powerpoint/2010/main" xmlns:p15="http://schemas.microsoft.com/office/powerpoint/2012/main" xmlns:ahyp="http://schemas.microsoft.com/office/drawing/2018/hyperlinkcolor">
+<p:sld xmlns:a="http://schemas.openxmlformats.org/drawingml/2006/main" xmlns:r="http://schemas.openxmlformats.org/officeDocument/2006/relationships" xmlns:p="http://schemas.openxmlformats.org/presentationml/2006/main">
   <p:cSld>
     <p:spTree>
       <p:nvGrpSpPr>
-        <p:cNvPr id="107" name="Shape 107"/>
+        <p:cNvPr id="1" name="Shape 107"/>
         <p:cNvGrpSpPr/>
         <p:nvPr/>
       </p:nvGrpSpPr>
@@ -12115,7 +12402,9 @@
       <p:sp>
         <p:nvSpPr>
           <p:cNvPr id="108" name="Google Shape;108;g118cef92964_0_22"/>
-          <p:cNvSpPr txBox="1"/>
+          <p:cNvSpPr txBox="1">
+            <a:spLocks noGrp="1"/>
+          </p:cNvSpPr>
           <p:nvPr>
             <p:ph type="title"/>
           </p:nvPr>
@@ -12130,12 +12419,12 @@
           </a:prstGeom>
         </p:spPr>
         <p:txBody>
-          <a:bodyPr anchorCtr="0" anchor="ctr" bIns="45700" lIns="91425" spcFirstLastPara="1" rIns="91425" wrap="square" tIns="45700">
+          <a:bodyPr spcFirstLastPara="1" wrap="square" lIns="91425" tIns="45700" rIns="91425" bIns="45700" anchor="ctr" anchorCtr="0">
             <a:noAutofit/>
           </a:bodyPr>
           <a:lstStyle/>
           <a:p>
-            <a:pPr indent="0" lvl="0" marL="0" rtl="0" algn="ctr">
+            <a:pPr marL="0" lvl="0" indent="0" algn="ctr" rtl="0">
               <a:spcBef>
                 <a:spcPts val="0"/>
               </a:spcBef>
@@ -12155,9 +12444,11 @@
       <p:sp>
         <p:nvSpPr>
           <p:cNvPr id="109" name="Google Shape;109;g118cef92964_0_22"/>
-          <p:cNvSpPr txBox="1"/>
+          <p:cNvSpPr txBox="1">
+            <a:spLocks noGrp="1"/>
+          </p:cNvSpPr>
           <p:nvPr>
-            <p:ph idx="1" type="body"/>
+            <p:ph type="body" idx="1"/>
           </p:nvPr>
         </p:nvSpPr>
         <p:spPr>
@@ -12170,12 +12461,12 @@
           </a:prstGeom>
         </p:spPr>
         <p:txBody>
-          <a:bodyPr anchorCtr="0" anchor="t" bIns="45700" lIns="91425" spcFirstLastPara="1" rIns="91425" wrap="square" tIns="45700">
+          <a:bodyPr spcFirstLastPara="1" wrap="square" lIns="91425" tIns="45700" rIns="91425" bIns="45700" anchor="t" anchorCtr="0">
             <a:normAutofit/>
           </a:bodyPr>
           <a:lstStyle/>
           <a:p>
-            <a:pPr indent="0" lvl="0" marL="0" rtl="0" algn="l">
+            <a:pPr marL="0" lvl="0" indent="0" algn="l" rtl="0">
               <a:spcBef>
                 <a:spcPts val="480"/>
               </a:spcBef>
@@ -12185,13 +12476,13 @@
               <a:buNone/>
             </a:pPr>
             <a:r>
-              <a:rPr b="1" lang="en-US"/>
+              <a:rPr lang="en-US" b="1"/>
               <a:t>Preprocessing:</a:t>
             </a:r>
             <a:endParaRPr b="1"/>
           </a:p>
           <a:p>
-            <a:pPr indent="-381000" lvl="0" marL="457200" rtl="0" algn="l">
+            <a:pPr marL="457200" lvl="0" indent="-381000" algn="l" rtl="0">
               <a:spcBef>
                 <a:spcPts val="480"/>
               </a:spcBef>
@@ -12203,20 +12494,12 @@
             </a:pPr>
             <a:r>
               <a:rPr lang="en-US"/>
-              <a:t>Pulse interface </a:t>
-            </a:r>
-            <a:r>
-              <a:rPr lang="en-US"/>
-              <a:t>interference</a:t>
-            </a:r>
-            <a:r>
-              <a:rPr lang="en-US"/>
-              <a:t> problem</a:t>
+              <a:t>Pulse interface interference problem</a:t>
             </a:r>
             <a:endParaRPr/>
           </a:p>
           <a:p>
-            <a:pPr indent="-381000" lvl="0" marL="457200" rtl="0" algn="l">
+            <a:pPr marL="457200" lvl="0" indent="-381000" algn="l" rtl="0">
               <a:spcBef>
                 <a:spcPts val="0"/>
               </a:spcBef>
@@ -12233,7 +12516,7 @@
             <a:endParaRPr/>
           </a:p>
           <a:p>
-            <a:pPr indent="-381000" lvl="0" marL="457200" rtl="0" algn="l">
+            <a:pPr marL="457200" lvl="0" indent="-381000" algn="l" rtl="0">
               <a:spcBef>
                 <a:spcPts val="0"/>
               </a:spcBef>
@@ -12260,11 +12543,11 @@
 </file>
 
 <file path=ppt/slides/slide6.xml><?xml version="1.0" encoding="utf-8"?>
-<p:sld xmlns:a="http://schemas.openxmlformats.org/drawingml/2006/main" xmlns:r="http://schemas.openxmlformats.org/officeDocument/2006/relationships" xmlns:mc="http://schemas.openxmlformats.org/markup-compatibility/2006" xmlns:mv="urn:schemas-microsoft-com:mac:vml" xmlns:p="http://schemas.openxmlformats.org/presentationml/2006/main" xmlns:c="http://schemas.openxmlformats.org/drawingml/2006/chart" xmlns:dgm="http://schemas.openxmlformats.org/drawingml/2006/diagram" xmlns:o="urn:schemas-microsoft-com:office:office" xmlns:v="urn:schemas-microsoft-com:vml" xmlns:pvml="urn:schemas-microsoft-com:office:powerpoint" xmlns:com="http://schemas.openxmlformats.org/drawingml/2006/compatibility" xmlns:p14="http://schemas.microsoft.com/office/powerpoint/2010/main" xmlns:p15="http://schemas.microsoft.com/office/powerpoint/2012/main" xmlns:ahyp="http://schemas.microsoft.com/office/drawing/2018/hyperlinkcolor">
+<p:sld xmlns:a="http://schemas.openxmlformats.org/drawingml/2006/main" xmlns:r="http://schemas.openxmlformats.org/officeDocument/2006/relationships" xmlns:p="http://schemas.openxmlformats.org/presentationml/2006/main">
   <p:cSld>
     <p:spTree>
       <p:nvGrpSpPr>
-        <p:cNvPr id="113" name="Shape 113"/>
+        <p:cNvPr id="1" name="Shape 113"/>
         <p:cNvGrpSpPr/>
         <p:nvPr/>
       </p:nvGrpSpPr>
@@ -12279,7 +12562,9 @@
       <p:sp>
         <p:nvSpPr>
           <p:cNvPr id="114" name="Google Shape;114;g118cef92964_0_10"/>
-          <p:cNvSpPr txBox="1"/>
+          <p:cNvSpPr txBox="1">
+            <a:spLocks noGrp="1"/>
+          </p:cNvSpPr>
           <p:nvPr>
             <p:ph type="title"/>
           </p:nvPr>
@@ -12294,12 +12579,12 @@
           </a:prstGeom>
         </p:spPr>
         <p:txBody>
-          <a:bodyPr anchorCtr="0" anchor="ctr" bIns="45700" lIns="91425" spcFirstLastPara="1" rIns="91425" wrap="square" tIns="45700">
+          <a:bodyPr spcFirstLastPara="1" wrap="square" lIns="91425" tIns="45700" rIns="91425" bIns="45700" anchor="ctr" anchorCtr="0">
             <a:noAutofit/>
           </a:bodyPr>
           <a:lstStyle/>
           <a:p>
-            <a:pPr indent="0" lvl="0" marL="0" rtl="0" algn="ctr">
+            <a:pPr marL="0" lvl="0" indent="0" algn="ctr" rtl="0">
               <a:spcBef>
                 <a:spcPts val="0"/>
               </a:spcBef>
@@ -12319,9 +12604,11 @@
       <p:sp>
         <p:nvSpPr>
           <p:cNvPr id="115" name="Google Shape;115;g118cef92964_0_10"/>
-          <p:cNvSpPr txBox="1"/>
+          <p:cNvSpPr txBox="1">
+            <a:spLocks noGrp="1"/>
+          </p:cNvSpPr>
           <p:nvPr>
-            <p:ph idx="1" type="body"/>
+            <p:ph type="body" idx="1"/>
           </p:nvPr>
         </p:nvSpPr>
         <p:spPr>
@@ -12334,12 +12621,12 @@
           </a:prstGeom>
         </p:spPr>
         <p:txBody>
-          <a:bodyPr anchorCtr="0" anchor="t" bIns="45700" lIns="91425" spcFirstLastPara="1" rIns="91425" wrap="square" tIns="45700">
+          <a:bodyPr spcFirstLastPara="1" wrap="square" lIns="91425" tIns="45700" rIns="91425" bIns="45700" anchor="t" anchorCtr="0">
             <a:normAutofit/>
           </a:bodyPr>
           <a:lstStyle/>
           <a:p>
-            <a:pPr indent="0" lvl="0" marL="0" rtl="0" algn="l">
+            <a:pPr marL="0" lvl="0" indent="0" algn="l" rtl="0">
               <a:spcBef>
                 <a:spcPts val="480"/>
               </a:spcBef>
@@ -12349,13 +12636,13 @@
               <a:buNone/>
             </a:pPr>
             <a:r>
-              <a:rPr b="1" lang="en-US" sz="2200"/>
+              <a:rPr lang="en-US" sz="2200" b="1"/>
               <a:t>Generative Adversarial Networks (GAN):</a:t>
             </a:r>
-            <a:endParaRPr b="1" sz="2200"/>
+            <a:endParaRPr sz="2200" b="1"/>
           </a:p>
           <a:p>
-            <a:pPr indent="-349250" lvl="0" marL="457200" rtl="0" algn="l">
+            <a:pPr marL="457200" lvl="0" indent="-349250" algn="l" rtl="0">
               <a:lnSpc>
                 <a:spcPct val="115000"/>
               </a:lnSpc>
@@ -12375,7 +12662,7 @@
             <a:endParaRPr sz="1900"/>
           </a:p>
           <a:p>
-            <a:pPr indent="-349250" lvl="0" marL="457200" rtl="0" algn="l">
+            <a:pPr marL="457200" lvl="0" indent="-349250" algn="l" rtl="0">
               <a:lnSpc>
                 <a:spcPct val="115000"/>
               </a:lnSpc>
@@ -12395,7 +12682,7 @@
             <a:endParaRPr sz="1900"/>
           </a:p>
           <a:p>
-            <a:pPr indent="-349250" lvl="1" marL="914400" rtl="0" algn="l">
+            <a:pPr marL="914400" lvl="1" indent="-349250" algn="l" rtl="0">
               <a:lnSpc>
                 <a:spcPct val="115000"/>
               </a:lnSpc>
@@ -12415,7 +12702,7 @@
             <a:endParaRPr sz="1900"/>
           </a:p>
           <a:p>
-            <a:pPr indent="0" lvl="0" marL="0" rtl="0" algn="l">
+            <a:pPr marL="0" lvl="0" indent="0" algn="l" rtl="0">
               <a:spcBef>
                 <a:spcPts val="480"/>
               </a:spcBef>
@@ -12424,9 +12711,6 @@
               </a:spcAft>
               <a:buNone/>
             </a:pPr>
-            <a:r>
-              <a:t/>
-            </a:r>
             <a:endParaRPr sz="2100"/>
           </a:p>
         </p:txBody>
@@ -12468,11 +12752,11 @@
 </file>
 
 <file path=ppt/slides/slide7.xml><?xml version="1.0" encoding="utf-8"?>
-<p:sld xmlns:a="http://schemas.openxmlformats.org/drawingml/2006/main" xmlns:r="http://schemas.openxmlformats.org/officeDocument/2006/relationships" xmlns:mc="http://schemas.openxmlformats.org/markup-compatibility/2006" xmlns:mv="urn:schemas-microsoft-com:mac:vml" xmlns:p="http://schemas.openxmlformats.org/presentationml/2006/main" xmlns:c="http://schemas.openxmlformats.org/drawingml/2006/chart" xmlns:dgm="http://schemas.openxmlformats.org/drawingml/2006/diagram" xmlns:o="urn:schemas-microsoft-com:office:office" xmlns:v="urn:schemas-microsoft-com:vml" xmlns:pvml="urn:schemas-microsoft-com:office:powerpoint" xmlns:com="http://schemas.openxmlformats.org/drawingml/2006/compatibility" xmlns:p14="http://schemas.microsoft.com/office/powerpoint/2010/main" xmlns:p15="http://schemas.microsoft.com/office/powerpoint/2012/main" xmlns:ahyp="http://schemas.microsoft.com/office/drawing/2018/hyperlinkcolor">
+<p:sld xmlns:a="http://schemas.openxmlformats.org/drawingml/2006/main" xmlns:r="http://schemas.openxmlformats.org/officeDocument/2006/relationships" xmlns:p="http://schemas.openxmlformats.org/presentationml/2006/main">
   <p:cSld>
     <p:spTree>
       <p:nvGrpSpPr>
-        <p:cNvPr id="120" name="Shape 120"/>
+        <p:cNvPr id="1" name="Shape 120"/>
         <p:cNvGrpSpPr/>
         <p:nvPr/>
       </p:nvGrpSpPr>
@@ -12487,7 +12771,9 @@
       <p:sp>
         <p:nvSpPr>
           <p:cNvPr id="121" name="Google Shape;121;g118cef92964_0_17"/>
-          <p:cNvSpPr txBox="1"/>
+          <p:cNvSpPr txBox="1">
+            <a:spLocks noGrp="1"/>
+          </p:cNvSpPr>
           <p:nvPr>
             <p:ph type="title"/>
           </p:nvPr>
@@ -12502,12 +12788,12 @@
           </a:prstGeom>
         </p:spPr>
         <p:txBody>
-          <a:bodyPr anchorCtr="0" anchor="ctr" bIns="45700" lIns="91425" spcFirstLastPara="1" rIns="91425" wrap="square" tIns="45700">
+          <a:bodyPr spcFirstLastPara="1" wrap="square" lIns="91425" tIns="45700" rIns="91425" bIns="45700" anchor="ctr" anchorCtr="0">
             <a:noAutofit/>
           </a:bodyPr>
           <a:lstStyle/>
           <a:p>
-            <a:pPr indent="0" lvl="0" marL="0" rtl="0" algn="ctr">
+            <a:pPr marL="0" lvl="0" indent="0" algn="ctr" rtl="0">
               <a:spcBef>
                 <a:spcPts val="0"/>
               </a:spcBef>
@@ -12527,9 +12813,11 @@
       <p:sp>
         <p:nvSpPr>
           <p:cNvPr id="122" name="Google Shape;122;g118cef92964_0_17"/>
-          <p:cNvSpPr txBox="1"/>
+          <p:cNvSpPr txBox="1">
+            <a:spLocks noGrp="1"/>
+          </p:cNvSpPr>
           <p:nvPr>
-            <p:ph idx="1" type="body"/>
+            <p:ph type="body" idx="1"/>
           </p:nvPr>
         </p:nvSpPr>
         <p:spPr>
@@ -12542,12 +12830,12 @@
           </a:prstGeom>
         </p:spPr>
         <p:txBody>
-          <a:bodyPr anchorCtr="0" anchor="t" bIns="45700" lIns="91425" spcFirstLastPara="1" rIns="91425" wrap="square" tIns="45700">
+          <a:bodyPr spcFirstLastPara="1" wrap="square" lIns="91425" tIns="45700" rIns="91425" bIns="45700" anchor="t" anchorCtr="0">
             <a:normAutofit/>
           </a:bodyPr>
           <a:lstStyle/>
           <a:p>
-            <a:pPr indent="0" lvl="0" marL="0" rtl="0" algn="l">
+            <a:pPr marL="0" lvl="0" indent="0" algn="l" rtl="0">
               <a:spcBef>
                 <a:spcPts val="480"/>
               </a:spcBef>
@@ -12601,11 +12889,11 @@
 </file>
 
 <file path=ppt/slides/slide8.xml><?xml version="1.0" encoding="utf-8"?>
-<p:sld xmlns:a="http://schemas.openxmlformats.org/drawingml/2006/main" xmlns:r="http://schemas.openxmlformats.org/officeDocument/2006/relationships" xmlns:mc="http://schemas.openxmlformats.org/markup-compatibility/2006" xmlns:mv="urn:schemas-microsoft-com:mac:vml" xmlns:p="http://schemas.openxmlformats.org/presentationml/2006/main" xmlns:c="http://schemas.openxmlformats.org/drawingml/2006/chart" xmlns:dgm="http://schemas.openxmlformats.org/drawingml/2006/diagram" xmlns:o="urn:schemas-microsoft-com:office:office" xmlns:v="urn:schemas-microsoft-com:vml" xmlns:pvml="urn:schemas-microsoft-com:office:powerpoint" xmlns:com="http://schemas.openxmlformats.org/drawingml/2006/compatibility" xmlns:p14="http://schemas.microsoft.com/office/powerpoint/2010/main" xmlns:p15="http://schemas.microsoft.com/office/powerpoint/2012/main" xmlns:ahyp="http://schemas.microsoft.com/office/drawing/2018/hyperlinkcolor">
+<p:sld xmlns:a="http://schemas.openxmlformats.org/drawingml/2006/main" xmlns:r="http://schemas.openxmlformats.org/officeDocument/2006/relationships" xmlns:p="http://schemas.openxmlformats.org/presentationml/2006/main">
   <p:cSld>
     <p:spTree>
       <p:nvGrpSpPr>
-        <p:cNvPr id="127" name="Shape 127"/>
+        <p:cNvPr id="1" name="Shape 127"/>
         <p:cNvGrpSpPr/>
         <p:nvPr/>
       </p:nvGrpSpPr>
@@ -12620,7 +12908,9 @@
       <p:sp>
         <p:nvSpPr>
           <p:cNvPr id="128" name="Google Shape;128;g118cef92964_0_28"/>
-          <p:cNvSpPr txBox="1"/>
+          <p:cNvSpPr txBox="1">
+            <a:spLocks noGrp="1"/>
+          </p:cNvSpPr>
           <p:nvPr>
             <p:ph type="title"/>
           </p:nvPr>
@@ -12635,12 +12925,12 @@
           </a:prstGeom>
         </p:spPr>
         <p:txBody>
-          <a:bodyPr anchorCtr="0" anchor="ctr" bIns="45700" lIns="91425" spcFirstLastPara="1" rIns="91425" wrap="square" tIns="45700">
+          <a:bodyPr spcFirstLastPara="1" wrap="square" lIns="91425" tIns="45700" rIns="91425" bIns="45700" anchor="ctr" anchorCtr="0">
             <a:noAutofit/>
           </a:bodyPr>
           <a:lstStyle/>
           <a:p>
-            <a:pPr indent="0" lvl="0" marL="0" rtl="0" algn="ctr">
+            <a:pPr marL="0" lvl="0" indent="0" algn="ctr" rtl="0">
               <a:spcBef>
                 <a:spcPts val="0"/>
               </a:spcBef>
@@ -12660,9 +12950,11 @@
       <p:sp>
         <p:nvSpPr>
           <p:cNvPr id="129" name="Google Shape;129;g118cef92964_0_28"/>
-          <p:cNvSpPr txBox="1"/>
+          <p:cNvSpPr txBox="1">
+            <a:spLocks noGrp="1"/>
+          </p:cNvSpPr>
           <p:nvPr>
-            <p:ph idx="1" type="body"/>
+            <p:ph type="body" idx="1"/>
           </p:nvPr>
         </p:nvSpPr>
         <p:spPr>
@@ -12675,12 +12967,12 @@
           </a:prstGeom>
         </p:spPr>
         <p:txBody>
-          <a:bodyPr anchorCtr="0" anchor="t" bIns="45700" lIns="91425" spcFirstLastPara="1" rIns="91425" wrap="square" tIns="45700">
+          <a:bodyPr spcFirstLastPara="1" wrap="square" lIns="91425" tIns="45700" rIns="91425" bIns="45700" anchor="t" anchorCtr="0">
             <a:normAutofit/>
           </a:bodyPr>
           <a:lstStyle/>
           <a:p>
-            <a:pPr indent="0" lvl="0" marL="0" rtl="0" algn="l">
+            <a:pPr marL="0" lvl="0" indent="0" algn="l" rtl="0">
               <a:spcBef>
                 <a:spcPts val="480"/>
               </a:spcBef>
@@ -12689,9 +12981,6 @@
               </a:spcAft>
               <a:buNone/>
             </a:pPr>
-            <a:r>
-              <a:t/>
-            </a:r>
             <a:endParaRPr/>
           </a:p>
         </p:txBody>
@@ -12705,7 +12994,7 @@
 </file>
 
 <file path=ppt/theme/theme1.xml><?xml version="1.0" encoding="utf-8"?>
-<a:theme xmlns:a="http://schemas.openxmlformats.org/drawingml/2006/main" xmlns:r="http://schemas.openxmlformats.org/officeDocument/2006/relationships" name="Office Theme">
+<a:theme xmlns:a="http://schemas.openxmlformats.org/drawingml/2006/main" name="Office Theme">
   <a:themeElements>
     <a:clrScheme name="Office">
       <a:dk1>
@@ -12980,11 +13269,13 @@
       </a:bgFillStyleLst>
     </a:fmtScheme>
   </a:themeElements>
+  <a:objectDefaults/>
+  <a:extraClrSchemeLst/>
 </a:theme>
 </file>
 
 <file path=ppt/theme/theme2.xml><?xml version="1.0" encoding="utf-8"?>
-<a:theme xmlns:a="http://schemas.openxmlformats.org/drawingml/2006/main" xmlns:r="http://schemas.openxmlformats.org/officeDocument/2006/relationships">
+<a:theme xmlns:a="http://schemas.openxmlformats.org/drawingml/2006/main">
   <a:themeElements>
     <a:clrScheme name="Default">
       <a:dk1>
@@ -13259,5 +13550,7 @@
       </a:bgFillStyleLst>
     </a:fmtScheme>
   </a:themeElements>
+  <a:objectDefaults/>
+  <a:extraClrSchemeLst/>
 </a:theme>
 </file>